--- a/毕业论文答辩 交互式大数据分析系统.pptx
+++ b/毕业论文答辩 交互式大数据分析系统.pptx
@@ -13,11 +13,11 @@
     <p:sldId id="262" r:id="rId7"/>
     <p:sldId id="263" r:id="rId8"/>
     <p:sldId id="264" r:id="rId9"/>
-    <p:sldId id="265" r:id="rId10"/>
-    <p:sldId id="266" r:id="rId11"/>
-    <p:sldId id="267" r:id="rId12"/>
-    <p:sldId id="268" r:id="rId13"/>
-    <p:sldId id="269" r:id="rId14"/>
+    <p:sldId id="267" r:id="rId10"/>
+    <p:sldId id="268" r:id="rId11"/>
+    <p:sldId id="269" r:id="rId12"/>
+    <p:sldId id="265" r:id="rId13"/>
+    <p:sldId id="266" r:id="rId14"/>
     <p:sldId id="270" r:id="rId15"/>
     <p:sldId id="271" r:id="rId16"/>
     <p:sldId id="272" r:id="rId17"/>
@@ -26,6 +26,7 @@
     <p:sldId id="275" r:id="rId20"/>
     <p:sldId id="276" r:id="rId21"/>
     <p:sldId id="277" r:id="rId22"/>
+    <p:sldId id="278" r:id="rId23"/>
   </p:sldIdLst>
   <p:sldSz cx="12192000" cy="6858000"/>
   <p:notesSz cx="6858000" cy="9144000"/>
@@ -124,6 +125,11 @@
       </a:defRPr>
     </a:lvl9pPr>
   </p:defaultTextStyle>
+  <p:extLst>
+    <p:ext uri="{EFAFB233-063F-42B5-8137-9DF3F51BA10A}">
+      <p15:sldGuideLst xmlns:p15="http://schemas.microsoft.com/office/powerpoint/2012/main"/>
+    </p:ext>
+  </p:extLst>
 </p:presentation>
 </file>
 
@@ -330,11 +336,11 @@
         </c:dLbls>
         <c:gapWidth val="219"/>
         <c:overlap val="-27"/>
-        <c:axId val="733292600"/>
-        <c:axId val="733295344"/>
+        <c:axId val="402184424"/>
+        <c:axId val="402189128"/>
       </c:barChart>
       <c:catAx>
-        <c:axId val="733292600"/>
+        <c:axId val="402184424"/>
         <c:scaling>
           <c:orientation val="minMax"/>
         </c:scaling>
@@ -377,7 +383,7 @@
             <a:endParaRPr lang="en-US"/>
           </a:p>
         </c:txPr>
-        <c:crossAx val="733295344"/>
+        <c:crossAx val="402189128"/>
         <c:crosses val="autoZero"/>
         <c:auto val="1"/>
         <c:lblAlgn val="ctr"/>
@@ -385,7 +391,7 @@
         <c:noMultiLvlLbl val="0"/>
       </c:catAx>
       <c:valAx>
-        <c:axId val="733295344"/>
+        <c:axId val="402189128"/>
         <c:scaling>
           <c:orientation val="minMax"/>
         </c:scaling>
@@ -436,7 +442,7 @@
             <a:endParaRPr lang="en-US"/>
           </a:p>
         </c:txPr>
-        <c:crossAx val="733292600"/>
+        <c:crossAx val="402184424"/>
         <c:crosses val="autoZero"/>
         <c:crossBetween val="between"/>
       </c:valAx>
@@ -845,11 +851,11 @@
         </c:dLbls>
         <c:gapWidth val="219"/>
         <c:overlap val="-27"/>
-        <c:axId val="783815352"/>
-        <c:axId val="783812216"/>
+        <c:axId val="402191088"/>
+        <c:axId val="402188344"/>
       </c:barChart>
       <c:catAx>
-        <c:axId val="783815352"/>
+        <c:axId val="402191088"/>
         <c:scaling>
           <c:orientation val="minMax"/>
         </c:scaling>
@@ -892,7 +898,7 @@
             <a:endParaRPr lang="en-US"/>
           </a:p>
         </c:txPr>
-        <c:crossAx val="783812216"/>
+        <c:crossAx val="402188344"/>
         <c:crosses val="autoZero"/>
         <c:auto val="1"/>
         <c:lblAlgn val="ctr"/>
@@ -900,7 +906,7 @@
         <c:noMultiLvlLbl val="0"/>
       </c:catAx>
       <c:valAx>
-        <c:axId val="783812216"/>
+        <c:axId val="402188344"/>
         <c:scaling>
           <c:orientation val="minMax"/>
         </c:scaling>
@@ -951,7 +957,7 @@
             <a:endParaRPr lang="en-US"/>
           </a:p>
         </c:txPr>
-        <c:crossAx val="783815352"/>
+        <c:crossAx val="402191088"/>
         <c:crosses val="autoZero"/>
         <c:crossBetween val="between"/>
       </c:valAx>
@@ -1355,11 +1361,11 @@
         </c:dLbls>
         <c:gapWidth val="219"/>
         <c:overlap val="-27"/>
-        <c:axId val="733296912"/>
-        <c:axId val="733297304"/>
+        <c:axId val="402185600"/>
+        <c:axId val="402185992"/>
       </c:barChart>
       <c:catAx>
-        <c:axId val="733296912"/>
+        <c:axId val="402185600"/>
         <c:scaling>
           <c:orientation val="minMax"/>
         </c:scaling>
@@ -1402,7 +1408,7 @@
             <a:endParaRPr lang="en-US"/>
           </a:p>
         </c:txPr>
-        <c:crossAx val="733297304"/>
+        <c:crossAx val="402185992"/>
         <c:crosses val="autoZero"/>
         <c:auto val="1"/>
         <c:lblAlgn val="ctr"/>
@@ -1410,7 +1416,7 @@
         <c:noMultiLvlLbl val="0"/>
       </c:catAx>
       <c:valAx>
-        <c:axId val="733297304"/>
+        <c:axId val="402185992"/>
         <c:scaling>
           <c:orientation val="minMax"/>
         </c:scaling>
@@ -1461,7 +1467,7 @@
             <a:endParaRPr lang="en-US"/>
           </a:p>
         </c:txPr>
-        <c:crossAx val="733296912"/>
+        <c:crossAx val="402185600"/>
         <c:crosses val="autoZero"/>
         <c:crossBetween val="between"/>
       </c:valAx>
@@ -3499,14 +3505,35 @@
         </dgm:presLayoutVars>
       </dgm:prSet>
       <dgm:spPr/>
+      <dgm:t>
+        <a:bodyPr/>
+        <a:lstStyle/>
+        <a:p>
+          <a:endParaRPr lang="en-US"/>
+        </a:p>
+      </dgm:t>
     </dgm:pt>
     <dgm:pt modelId="{31B978FC-5E24-408A-AC6A-3096BA4CEE8D}" type="pres">
       <dgm:prSet presAssocID="{FF5AE243-23E5-41CA-9784-90BA1B8FE800}" presName="sibTrans" presStyleLbl="sibTrans2D1" presStyleIdx="0" presStyleCnt="2"/>
       <dgm:spPr/>
+      <dgm:t>
+        <a:bodyPr/>
+        <a:lstStyle/>
+        <a:p>
+          <a:endParaRPr lang="en-US"/>
+        </a:p>
+      </dgm:t>
     </dgm:pt>
     <dgm:pt modelId="{0F4BF619-A04E-4DAF-A5F3-1B6DFE6CCF22}" type="pres">
       <dgm:prSet presAssocID="{FF5AE243-23E5-41CA-9784-90BA1B8FE800}" presName="connectorText" presStyleLbl="sibTrans2D1" presStyleIdx="0" presStyleCnt="2"/>
       <dgm:spPr/>
+      <dgm:t>
+        <a:bodyPr/>
+        <a:lstStyle/>
+        <a:p>
+          <a:endParaRPr lang="en-US"/>
+        </a:p>
+      </dgm:t>
     </dgm:pt>
     <dgm:pt modelId="{7E87DED9-B82E-4C4E-B82C-718D16C58520}" type="pres">
       <dgm:prSet presAssocID="{51BBEE1B-31DA-492D-BB3C-1F9B4AADD280}" presName="node" presStyleLbl="node1" presStyleIdx="1" presStyleCnt="3">
@@ -3526,10 +3553,24 @@
     <dgm:pt modelId="{3BAECF52-D91D-4C80-BBBF-878B6D6031B4}" type="pres">
       <dgm:prSet presAssocID="{84432E69-0037-488B-B290-8B3AFB8201ED}" presName="sibTrans" presStyleLbl="sibTrans2D1" presStyleIdx="1" presStyleCnt="2"/>
       <dgm:spPr/>
+      <dgm:t>
+        <a:bodyPr/>
+        <a:lstStyle/>
+        <a:p>
+          <a:endParaRPr lang="en-US"/>
+        </a:p>
+      </dgm:t>
     </dgm:pt>
     <dgm:pt modelId="{9A5203FF-6EBD-4DD4-8256-B4D828849BAC}" type="pres">
       <dgm:prSet presAssocID="{84432E69-0037-488B-B290-8B3AFB8201ED}" presName="connectorText" presStyleLbl="sibTrans2D1" presStyleIdx="1" presStyleCnt="2"/>
       <dgm:spPr/>
+      <dgm:t>
+        <a:bodyPr/>
+        <a:lstStyle/>
+        <a:p>
+          <a:endParaRPr lang="en-US"/>
+        </a:p>
+      </dgm:t>
     </dgm:pt>
     <dgm:pt modelId="{98CEBC32-BB00-4A7D-A55F-2F4CD992E347}" type="pres">
       <dgm:prSet presAssocID="{23122250-393A-417D-907E-F01C6F7E522F}" presName="node" presStyleLbl="node1" presStyleIdx="2" presStyleCnt="3">
@@ -3538,6 +3579,13 @@
         </dgm:presLayoutVars>
       </dgm:prSet>
       <dgm:spPr/>
+      <dgm:t>
+        <a:bodyPr/>
+        <a:lstStyle/>
+        <a:p>
+          <a:endParaRPr lang="en-US"/>
+        </a:p>
+      </dgm:t>
     </dgm:pt>
   </dgm:ptLst>
   <dgm:cxnLst>
@@ -5363,7 +5411,7 @@
           <a:p>
             <a:fld id="{3A5F2B64-BCAF-4891-9776-99A410A52B5D}" type="datetimeFigureOut">
               <a:rPr lang="en-US" smtClean="0"/>
-              <a:t>5/25/2016</a:t>
+              <a:t>5/27/2016</a:t>
             </a:fld>
             <a:endParaRPr lang="en-US"/>
           </a:p>
@@ -5571,7 +5619,7 @@
           <a:p>
             <a:fld id="{3A5F2B64-BCAF-4891-9776-99A410A52B5D}" type="datetimeFigureOut">
               <a:rPr lang="en-US" smtClean="0"/>
-              <a:t>5/25/2016</a:t>
+              <a:t>5/27/2016</a:t>
             </a:fld>
             <a:endParaRPr lang="en-US"/>
           </a:p>
@@ -5827,7 +5875,7 @@
           <a:p>
             <a:fld id="{3A5F2B64-BCAF-4891-9776-99A410A52B5D}" type="datetimeFigureOut">
               <a:rPr lang="en-US" smtClean="0"/>
-              <a:t>5/25/2016</a:t>
+              <a:t>5/27/2016</a:t>
             </a:fld>
             <a:endParaRPr lang="en-US"/>
           </a:p>
@@ -6037,7 +6085,7 @@
           <a:p>
             <a:fld id="{3A5F2B64-BCAF-4891-9776-99A410A52B5D}" type="datetimeFigureOut">
               <a:rPr lang="en-US" smtClean="0"/>
-              <a:t>5/25/2016</a:t>
+              <a:t>5/27/2016</a:t>
             </a:fld>
             <a:endParaRPr lang="en-US"/>
           </a:p>
@@ -6380,7 +6428,7 @@
           <a:p>
             <a:fld id="{3A5F2B64-BCAF-4891-9776-99A410A52B5D}" type="datetimeFigureOut">
               <a:rPr lang="en-US" smtClean="0"/>
-              <a:t>5/25/2016</a:t>
+              <a:t>5/27/2016</a:t>
             </a:fld>
             <a:endParaRPr lang="en-US"/>
           </a:p>
@@ -6655,7 +6703,7 @@
           <a:p>
             <a:fld id="{3A5F2B64-BCAF-4891-9776-99A410A52B5D}" type="datetimeFigureOut">
               <a:rPr lang="en-US" smtClean="0"/>
-              <a:t>5/25/2016</a:t>
+              <a:t>5/27/2016</a:t>
             </a:fld>
             <a:endParaRPr lang="en-US"/>
           </a:p>
@@ -7034,7 +7082,7 @@
           <a:p>
             <a:fld id="{3A5F2B64-BCAF-4891-9776-99A410A52B5D}" type="datetimeFigureOut">
               <a:rPr lang="en-US" smtClean="0"/>
-              <a:t>5/25/2016</a:t>
+              <a:t>5/27/2016</a:t>
             </a:fld>
             <a:endParaRPr lang="en-US"/>
           </a:p>
@@ -7152,7 +7200,7 @@
           <a:p>
             <a:fld id="{3A5F2B64-BCAF-4891-9776-99A410A52B5D}" type="datetimeFigureOut">
               <a:rPr lang="en-US" smtClean="0"/>
-              <a:t>5/25/2016</a:t>
+              <a:t>5/27/2016</a:t>
             </a:fld>
             <a:endParaRPr lang="en-US"/>
           </a:p>
@@ -7323,7 +7371,7 @@
           <a:p>
             <a:fld id="{3A5F2B64-BCAF-4891-9776-99A410A52B5D}" type="datetimeFigureOut">
               <a:rPr lang="en-US" smtClean="0"/>
-              <a:t>5/25/2016</a:t>
+              <a:t>5/27/2016</a:t>
             </a:fld>
             <a:endParaRPr lang="en-US"/>
           </a:p>
@@ -7677,7 +7725,7 @@
           <a:p>
             <a:fld id="{3A5F2B64-BCAF-4891-9776-99A410A52B5D}" type="datetimeFigureOut">
               <a:rPr lang="en-US" smtClean="0"/>
-              <a:t>5/25/2016</a:t>
+              <a:t>5/27/2016</a:t>
             </a:fld>
             <a:endParaRPr lang="en-US"/>
           </a:p>
@@ -8059,7 +8107,7 @@
           <a:p>
             <a:fld id="{3A5F2B64-BCAF-4891-9776-99A410A52B5D}" type="datetimeFigureOut">
               <a:rPr lang="en-US" smtClean="0"/>
-              <a:t>5/25/2016</a:t>
+              <a:t>5/27/2016</a:t>
             </a:fld>
             <a:endParaRPr lang="en-US"/>
           </a:p>
@@ -8346,7 +8394,7 @@
           <a:p>
             <a:fld id="{3A5F2B64-BCAF-4891-9776-99A410A52B5D}" type="datetimeFigureOut">
               <a:rPr lang="en-US" smtClean="0"/>
-              <a:t>5/25/2016</a:t>
+              <a:t>5/27/2016</a:t>
             </a:fld>
             <a:endParaRPr lang="en-US"/>
           </a:p>
@@ -9020,14 +9068,537 @@
           <a:p>
             <a:r>
               <a:rPr lang="zh-CN" altLang="en-US" dirty="0" smtClean="0"/>
-              <a:t>统计推断部分的算法设计</a:t>
+              <a:t>分层采样算法</a:t>
             </a:r>
             <a:endParaRPr lang="en-US" dirty="0"/>
           </a:p>
         </p:txBody>
       </p:sp>
-      <mc:AlternateContent xmlns:mc="http://schemas.openxmlformats.org/markup-compatibility/2006">
-        <mc:Choice xmlns:a14="http://schemas.microsoft.com/office/drawing/2010/main" Requires="a14">
+      <p:sp>
+        <p:nvSpPr>
+          <p:cNvPr id="3" name="Content Placeholder 2"/>
+          <p:cNvSpPr>
+            <a:spLocks noGrp="1"/>
+          </p:cNvSpPr>
+          <p:nvPr>
+            <p:ph idx="1"/>
+          </p:nvPr>
+        </p:nvSpPr>
+        <p:spPr/>
+        <p:txBody>
+          <a:bodyPr/>
+          <a:lstStyle/>
+          <a:p>
+            <a:pPr>
+              <a:buFont typeface="Arial" panose="020B0604020202020204" pitchFamily="34" charset="0"/>
+              <a:buChar char="•"/>
+            </a:pPr>
+            <a:r>
+              <a:rPr lang="en-US" dirty="0" smtClean="0"/>
+              <a:t> </a:t>
+            </a:r>
+            <a:r>
+              <a:rPr lang="zh-CN" altLang="en-US" dirty="0" smtClean="0"/>
+              <a:t>使用分层采样，就可以避免丢组的问题</a:t>
+            </a:r>
+            <a:endParaRPr lang="en-US" dirty="0"/>
+          </a:p>
+        </p:txBody>
+      </p:sp>
+      <p:pic>
+        <p:nvPicPr>
+          <p:cNvPr id="4" name="Picture 3"/>
+          <p:cNvPicPr>
+            <a:picLocks noChangeAspect="1"/>
+          </p:cNvPicPr>
+          <p:nvPr/>
+        </p:nvPicPr>
+        <p:blipFill>
+          <a:blip r:embed="rId2"/>
+          <a:stretch>
+            <a:fillRect/>
+          </a:stretch>
+        </p:blipFill>
+        <p:spPr>
+          <a:xfrm>
+            <a:off x="1934301" y="2202883"/>
+            <a:ext cx="8384358" cy="4080882"/>
+          </a:xfrm>
+          <a:prstGeom prst="rect">
+            <a:avLst/>
+          </a:prstGeom>
+        </p:spPr>
+      </p:pic>
+    </p:spTree>
+    <p:extLst>
+      <p:ext uri="{BB962C8B-B14F-4D97-AF65-F5344CB8AC3E}">
+        <p14:creationId xmlns:p14="http://schemas.microsoft.com/office/powerpoint/2010/main" val="3913027966"/>
+      </p:ext>
+    </p:extLst>
+  </p:cSld>
+  <p:clrMapOvr>
+    <a:masterClrMapping/>
+  </p:clrMapOvr>
+  <p:timing>
+    <p:tnLst>
+      <p:par>
+        <p:cTn id="1" dur="indefinite" restart="never" nodeType="tmRoot"/>
+      </p:par>
+    </p:tnLst>
+  </p:timing>
+</p:sld>
+</file>
+
+<file path=ppt/slides/slide11.xml><?xml version="1.0" encoding="utf-8"?>
+<p:sld xmlns:a="http://schemas.openxmlformats.org/drawingml/2006/main" xmlns:r="http://schemas.openxmlformats.org/officeDocument/2006/relationships" xmlns:p="http://schemas.openxmlformats.org/presentationml/2006/main">
+  <p:cSld>
+    <p:spTree>
+      <p:nvGrpSpPr>
+        <p:cNvPr id="1" name=""/>
+        <p:cNvGrpSpPr/>
+        <p:nvPr/>
+      </p:nvGrpSpPr>
+      <p:grpSpPr>
+        <a:xfrm>
+          <a:off x="0" y="0"/>
+          <a:ext cx="0" cy="0"/>
+          <a:chOff x="0" y="0"/>
+          <a:chExt cx="0" cy="0"/>
+        </a:xfrm>
+      </p:grpSpPr>
+      <p:sp>
+        <p:nvSpPr>
+          <p:cNvPr id="2" name="Title 1"/>
+          <p:cNvSpPr>
+            <a:spLocks noGrp="1"/>
+          </p:cNvSpPr>
+          <p:nvPr>
+            <p:ph type="title"/>
+          </p:nvPr>
+        </p:nvSpPr>
+        <p:spPr/>
+        <p:txBody>
+          <a:bodyPr/>
+          <a:lstStyle/>
+          <a:p>
+            <a:r>
+              <a:rPr lang="zh-CN" altLang="en-US" dirty="0" smtClean="0"/>
+              <a:t>分层采样算法</a:t>
+            </a:r>
+            <a:endParaRPr lang="en-US" dirty="0"/>
+          </a:p>
+        </p:txBody>
+      </p:sp>
+      <p:sp>
+        <p:nvSpPr>
+          <p:cNvPr id="3" name="Content Placeholder 2"/>
+          <p:cNvSpPr>
+            <a:spLocks noGrp="1"/>
+          </p:cNvSpPr>
+          <p:nvPr>
+            <p:ph idx="1"/>
+          </p:nvPr>
+        </p:nvSpPr>
+        <p:spPr/>
+        <p:txBody>
+          <a:bodyPr/>
+          <a:lstStyle/>
+          <a:p>
+            <a:pPr>
+              <a:lnSpc>
+                <a:spcPct val="125000"/>
+              </a:lnSpc>
+              <a:buFont typeface="Arial" panose="020B0604020202020204" pitchFamily="34" charset="0"/>
+              <a:buChar char="•"/>
+            </a:pPr>
+            <a:r>
+              <a:rPr lang="en-US" dirty="0" smtClean="0"/>
+              <a:t> </a:t>
+            </a:r>
+            <a:r>
+              <a:rPr lang="zh-CN" altLang="en-US" dirty="0" smtClean="0"/>
+              <a:t>核心问题：</a:t>
+            </a:r>
+            <a:r>
+              <a:rPr lang="zh-CN" altLang="en-US" dirty="0" smtClean="0">
+                <a:solidFill>
+                  <a:schemeClr val="accent2"/>
+                </a:solidFill>
+              </a:rPr>
+              <a:t>以哪一列（哪几列）为组？</a:t>
+            </a:r>
+            <a:endParaRPr lang="en-US" altLang="zh-CN" dirty="0" smtClean="0">
+              <a:solidFill>
+                <a:schemeClr val="accent2"/>
+              </a:solidFill>
+            </a:endParaRPr>
+          </a:p>
+          <a:p>
+            <a:pPr>
+              <a:lnSpc>
+                <a:spcPct val="125000"/>
+              </a:lnSpc>
+              <a:buFont typeface="Arial" panose="020B0604020202020204" pitchFamily="34" charset="0"/>
+              <a:buChar char="•"/>
+            </a:pPr>
+            <a:r>
+              <a:rPr lang="en-US" dirty="0"/>
+              <a:t> </a:t>
+            </a:r>
+            <a:r>
+              <a:rPr lang="zh-CN" altLang="en-US" dirty="0" smtClean="0"/>
+              <a:t>“</a:t>
+            </a:r>
+            <a:r>
+              <a:rPr lang="en-US" altLang="zh-CN" dirty="0" smtClean="0"/>
+              <a:t>90%</a:t>
+            </a:r>
+            <a:r>
+              <a:rPr lang="zh-CN" altLang="en-US" dirty="0" smtClean="0"/>
+              <a:t>的查询落在</a:t>
+            </a:r>
+            <a:r>
+              <a:rPr lang="en-US" altLang="zh-CN" dirty="0" smtClean="0"/>
+              <a:t>20%</a:t>
+            </a:r>
+            <a:r>
+              <a:rPr lang="zh-CN" altLang="en-US" dirty="0" smtClean="0"/>
+              <a:t>的列组合上”</a:t>
+            </a:r>
+            <a:r>
+              <a:rPr lang="en-US" altLang="zh-CN" dirty="0" smtClean="0"/>
+              <a:t>——</a:t>
+            </a:r>
+            <a:r>
+              <a:rPr lang="en-US" altLang="zh-CN" dirty="0" err="1" smtClean="0"/>
+              <a:t>BlinkDB</a:t>
+            </a:r>
+            <a:endParaRPr lang="en-US" altLang="zh-CN" dirty="0" smtClean="0"/>
+          </a:p>
+          <a:p>
+            <a:pPr>
+              <a:lnSpc>
+                <a:spcPct val="125000"/>
+              </a:lnSpc>
+              <a:buFont typeface="Arial" panose="020B0604020202020204" pitchFamily="34" charset="0"/>
+              <a:buChar char="•"/>
+            </a:pPr>
+            <a:r>
+              <a:rPr lang="en-US" dirty="0"/>
+              <a:t> </a:t>
+            </a:r>
+            <a:r>
+              <a:rPr lang="zh-CN" altLang="en-US" dirty="0" smtClean="0"/>
+              <a:t>让用户自己选定较为感兴趣的列，以这些列分组</a:t>
+            </a:r>
+            <a:endParaRPr lang="en-US" altLang="zh-CN" dirty="0" smtClean="0"/>
+          </a:p>
+          <a:p>
+            <a:pPr lvl="1">
+              <a:lnSpc>
+                <a:spcPct val="125000"/>
+              </a:lnSpc>
+              <a:buFont typeface="Arial" panose="020B0604020202020204" pitchFamily="34" charset="0"/>
+              <a:buChar char="•"/>
+            </a:pPr>
+            <a:r>
+              <a:rPr lang="zh-CN" altLang="en-US" dirty="0" smtClean="0"/>
+              <a:t>这些列称为“预设列”</a:t>
+            </a:r>
+            <a:endParaRPr lang="en-US" altLang="zh-CN" dirty="0" smtClean="0"/>
+          </a:p>
+          <a:p>
+            <a:pPr>
+              <a:lnSpc>
+                <a:spcPct val="125000"/>
+              </a:lnSpc>
+              <a:buFont typeface="Arial" panose="020B0604020202020204" pitchFamily="34" charset="0"/>
+              <a:buChar char="•"/>
+            </a:pPr>
+            <a:r>
+              <a:rPr lang="en-US" dirty="0"/>
+              <a:t> </a:t>
+            </a:r>
+            <a:r>
+              <a:rPr lang="zh-CN" altLang="en-US" dirty="0"/>
+              <a:t>既可</a:t>
+            </a:r>
+            <a:r>
+              <a:rPr lang="zh-CN" altLang="en-US" dirty="0" smtClean="0"/>
+              <a:t>以回答预设列询问，也可以回答涉及预设列之外的询问</a:t>
+            </a:r>
+            <a:endParaRPr lang="en-US" altLang="zh-CN" dirty="0" smtClean="0"/>
+          </a:p>
+          <a:p>
+            <a:pPr lvl="1">
+              <a:lnSpc>
+                <a:spcPct val="125000"/>
+              </a:lnSpc>
+              <a:buFont typeface="Arial" panose="020B0604020202020204" pitchFamily="34" charset="0"/>
+              <a:buChar char="•"/>
+            </a:pPr>
+            <a:r>
+              <a:rPr lang="zh-CN" altLang="en-US" dirty="0"/>
+              <a:t>预设列询</a:t>
+            </a:r>
+            <a:r>
+              <a:rPr lang="zh-CN" altLang="en-US" dirty="0" smtClean="0"/>
+              <a:t>问可以</a:t>
+            </a:r>
+            <a:r>
+              <a:rPr lang="zh-CN" altLang="en-US" dirty="0" smtClean="0">
+                <a:solidFill>
+                  <a:schemeClr val="accent2"/>
+                </a:solidFill>
+              </a:rPr>
+              <a:t>保证不丢组</a:t>
+            </a:r>
+            <a:endParaRPr lang="en-US" altLang="zh-CN" dirty="0" smtClean="0">
+              <a:solidFill>
+                <a:schemeClr val="accent2"/>
+              </a:solidFill>
+            </a:endParaRPr>
+          </a:p>
+          <a:p>
+            <a:pPr>
+              <a:lnSpc>
+                <a:spcPct val="125000"/>
+              </a:lnSpc>
+              <a:buFont typeface="Arial" panose="020B0604020202020204" pitchFamily="34" charset="0"/>
+              <a:buChar char="•"/>
+            </a:pPr>
+            <a:r>
+              <a:rPr lang="en-US" dirty="0"/>
+              <a:t> </a:t>
+            </a:r>
+            <a:r>
+              <a:rPr lang="zh-CN" altLang="en-US" dirty="0" smtClean="0"/>
+              <a:t>非均匀采样，但是</a:t>
+            </a:r>
+            <a:r>
+              <a:rPr lang="zh-CN" altLang="en-US" dirty="0" smtClean="0">
+                <a:solidFill>
+                  <a:schemeClr val="accent2"/>
+                </a:solidFill>
+              </a:rPr>
+              <a:t>每组内仍然是均匀采样</a:t>
+            </a:r>
+            <a:r>
+              <a:rPr lang="zh-CN" altLang="en-US" dirty="0" smtClean="0"/>
+              <a:t>，对公式做简单修正即可</a:t>
+            </a:r>
+            <a:endParaRPr lang="en-US" dirty="0"/>
+          </a:p>
+        </p:txBody>
+      </p:sp>
+    </p:spTree>
+    <p:extLst>
+      <p:ext uri="{BB962C8B-B14F-4D97-AF65-F5344CB8AC3E}">
+        <p14:creationId xmlns:p14="http://schemas.microsoft.com/office/powerpoint/2010/main" val="18265510"/>
+      </p:ext>
+    </p:extLst>
+  </p:cSld>
+  <p:clrMapOvr>
+    <a:masterClrMapping/>
+  </p:clrMapOvr>
+  <p:timing>
+    <p:tnLst>
+      <p:par>
+        <p:cTn id="1" dur="indefinite" restart="never" nodeType="tmRoot"/>
+      </p:par>
+    </p:tnLst>
+  </p:timing>
+</p:sld>
+</file>
+
+<file path=ppt/slides/slide12.xml><?xml version="1.0" encoding="utf-8"?>
+<p:sld xmlns:a="http://schemas.openxmlformats.org/drawingml/2006/main" xmlns:r="http://schemas.openxmlformats.org/officeDocument/2006/relationships" xmlns:p="http://schemas.openxmlformats.org/presentationml/2006/main">
+  <p:cSld>
+    <p:spTree>
+      <p:nvGrpSpPr>
+        <p:cNvPr id="1" name=""/>
+        <p:cNvGrpSpPr/>
+        <p:nvPr/>
+      </p:nvGrpSpPr>
+      <p:grpSpPr>
+        <a:xfrm>
+          <a:off x="0" y="0"/>
+          <a:ext cx="0" cy="0"/>
+          <a:chOff x="0" y="0"/>
+          <a:chExt cx="0" cy="0"/>
+        </a:xfrm>
+      </p:grpSpPr>
+      <p:sp>
+        <p:nvSpPr>
+          <p:cNvPr id="2" name="Title 1"/>
+          <p:cNvSpPr>
+            <a:spLocks noGrp="1"/>
+          </p:cNvSpPr>
+          <p:nvPr>
+            <p:ph type="title"/>
+          </p:nvPr>
+        </p:nvSpPr>
+        <p:spPr/>
+        <p:txBody>
+          <a:bodyPr/>
+          <a:lstStyle/>
+          <a:p>
+            <a:r>
+              <a:rPr lang="zh-CN" altLang="en-US" dirty="0"/>
+              <a:t>统计推断部分</a:t>
+            </a:r>
+            <a:r>
+              <a:rPr lang="zh-CN" altLang="en-US" dirty="0" smtClean="0"/>
+              <a:t>的算法设计</a:t>
+            </a:r>
+            <a:endParaRPr lang="en-US" dirty="0"/>
+          </a:p>
+        </p:txBody>
+      </p:sp>
+      <p:sp>
+        <p:nvSpPr>
+          <p:cNvPr id="3" name="Content Placeholder 2"/>
+          <p:cNvSpPr>
+            <a:spLocks noGrp="1"/>
+          </p:cNvSpPr>
+          <p:nvPr>
+            <p:ph idx="1"/>
+          </p:nvPr>
+        </p:nvSpPr>
+        <p:spPr/>
+        <p:txBody>
+          <a:bodyPr/>
+          <a:lstStyle/>
+          <a:p>
+            <a:pPr>
+              <a:lnSpc>
+                <a:spcPct val="150000"/>
+              </a:lnSpc>
+              <a:buFont typeface="Arial" panose="020B0604020202020204" pitchFamily="34" charset="0"/>
+              <a:buChar char="•"/>
+            </a:pPr>
+            <a:r>
+              <a:rPr lang="en-US" dirty="0" smtClean="0"/>
+              <a:t> </a:t>
+            </a:r>
+            <a:r>
+              <a:rPr lang="zh-CN" altLang="en-US" dirty="0" smtClean="0"/>
+              <a:t>核心思想：</a:t>
+            </a:r>
+            <a:r>
+              <a:rPr lang="zh-CN" altLang="en-US" b="1" dirty="0" smtClean="0">
+                <a:solidFill>
+                  <a:schemeClr val="accent2"/>
+                </a:solidFill>
+              </a:rPr>
+              <a:t>中心极限定理</a:t>
+            </a:r>
+            <a:endParaRPr lang="en-US" altLang="zh-CN" b="1" dirty="0" smtClean="0">
+              <a:solidFill>
+                <a:schemeClr val="accent2"/>
+              </a:solidFill>
+            </a:endParaRPr>
+          </a:p>
+          <a:p>
+            <a:pPr>
+              <a:lnSpc>
+                <a:spcPct val="150000"/>
+              </a:lnSpc>
+              <a:buFont typeface="Arial" panose="020B0604020202020204" pitchFamily="34" charset="0"/>
+              <a:buChar char="•"/>
+            </a:pPr>
+            <a:r>
+              <a:rPr lang="en-US" dirty="0"/>
+              <a:t> </a:t>
+            </a:r>
+            <a:r>
+              <a:rPr lang="zh-CN" altLang="en-US" dirty="0" smtClean="0"/>
+              <a:t>当样本量足够大时，样本均值近似服从正态分布</a:t>
+            </a:r>
+            <a:endParaRPr lang="en-US" altLang="zh-CN" dirty="0" smtClean="0"/>
+          </a:p>
+          <a:p>
+            <a:pPr>
+              <a:lnSpc>
+                <a:spcPct val="150000"/>
+              </a:lnSpc>
+              <a:buFont typeface="Arial" panose="020B0604020202020204" pitchFamily="34" charset="0"/>
+              <a:buChar char="•"/>
+            </a:pPr>
+            <a:r>
+              <a:rPr lang="en-US" dirty="0"/>
+              <a:t> </a:t>
+            </a:r>
+            <a:r>
+              <a:rPr lang="zh-CN" altLang="en-US" dirty="0" smtClean="0"/>
+              <a:t>推导出三种聚合函数的概率分布，然后获得置信区间</a:t>
+            </a:r>
+            <a:endParaRPr lang="en-US" altLang="zh-CN" dirty="0" smtClean="0"/>
+          </a:p>
+        </p:txBody>
+      </p:sp>
+    </p:spTree>
+    <p:extLst>
+      <p:ext uri="{BB962C8B-B14F-4D97-AF65-F5344CB8AC3E}">
+        <p14:creationId xmlns:p14="http://schemas.microsoft.com/office/powerpoint/2010/main" val="1307717008"/>
+      </p:ext>
+    </p:extLst>
+  </p:cSld>
+  <p:clrMapOvr>
+    <a:masterClrMapping/>
+  </p:clrMapOvr>
+  <p:timing>
+    <p:tnLst>
+      <p:par>
+        <p:cTn id="1" dur="indefinite" restart="never" nodeType="tmRoot"/>
+      </p:par>
+    </p:tnLst>
+  </p:timing>
+</p:sld>
+</file>
+
+<file path=ppt/slides/slide13.xml><?xml version="1.0" encoding="utf-8"?>
+<p:sld xmlns:a="http://schemas.openxmlformats.org/drawingml/2006/main" xmlns:r="http://schemas.openxmlformats.org/officeDocument/2006/relationships" xmlns:p="http://schemas.openxmlformats.org/presentationml/2006/main">
+  <p:cSld>
+    <p:spTree>
+      <p:nvGrpSpPr>
+        <p:cNvPr id="1" name=""/>
+        <p:cNvGrpSpPr/>
+        <p:nvPr/>
+      </p:nvGrpSpPr>
+      <p:grpSpPr>
+        <a:xfrm>
+          <a:off x="0" y="0"/>
+          <a:ext cx="0" cy="0"/>
+          <a:chOff x="0" y="0"/>
+          <a:chExt cx="0" cy="0"/>
+        </a:xfrm>
+      </p:grpSpPr>
+      <p:sp>
+        <p:nvSpPr>
+          <p:cNvPr id="2" name="Title 1"/>
+          <p:cNvSpPr>
+            <a:spLocks noGrp="1"/>
+          </p:cNvSpPr>
+          <p:nvPr>
+            <p:ph type="title"/>
+          </p:nvPr>
+        </p:nvSpPr>
+        <p:spPr/>
+        <p:txBody>
+          <a:bodyPr/>
+          <a:lstStyle/>
+          <a:p>
+            <a:r>
+              <a:rPr lang="zh-CN" altLang="en-US" dirty="0" smtClean="0"/>
+              <a:t>统计推断部分的算法设计</a:t>
+            </a:r>
+            <a:endParaRPr lang="en-US" dirty="0"/>
+          </a:p>
+        </p:txBody>
+      </p:sp>
+      <mc:AlternateContent xmlns:mc="http://schemas.openxmlformats.org/markup-compatibility/2006" xmlns:a14="http://schemas.microsoft.com/office/drawing/2010/main">
+        <mc:Choice Requires="a14">
           <p:sp>
             <p:nvSpPr>
               <p:cNvPr id="3" name="Content Placeholder 2"/>
@@ -9147,36 +9718,48 @@
                 <a14:m>
                   <m:oMath xmlns:m="http://schemas.openxmlformats.org/officeDocument/2006/math">
                     <m:r>
-                      <a:rPr lang="en-US" sz="2000" i="1"/>
+                      <a:rPr lang="en-US" sz="2000" i="1">
+                        <a:latin typeface="Cambria Math" panose="02040503050406030204" pitchFamily="18" charset="0"/>
+                      </a:rPr>
                       <m:t>𝜇</m:t>
                     </m:r>
                     <m:r>
-                      <a:rPr lang="en-US" sz="2000" i="1"/>
+                      <a:rPr lang="en-US" sz="2000" i="1">
+                        <a:latin typeface="Cambria Math" panose="02040503050406030204" pitchFamily="18" charset="0"/>
+                      </a:rPr>
                       <m:t>=</m:t>
                     </m:r>
                     <m:bar>
                       <m:barPr>
                         <m:pos m:val="top"/>
                         <m:ctrlPr>
-                          <a:rPr lang="en-US" sz="2000" i="1"/>
+                          <a:rPr lang="en-US" sz="2000" i="1">
+                            <a:latin typeface="Cambria Math" panose="02040503050406030204" pitchFamily="18" charset="0"/>
+                          </a:rPr>
                         </m:ctrlPr>
                       </m:barPr>
                       <m:e>
                         <m:sSub>
                           <m:sSubPr>
                             <m:ctrlPr>
-                              <a:rPr lang="en-US" sz="2000" i="1"/>
+                              <a:rPr lang="en-US" sz="2000" i="1">
+                                <a:latin typeface="Cambria Math" panose="02040503050406030204" pitchFamily="18" charset="0"/>
+                              </a:rPr>
                             </m:ctrlPr>
                           </m:sSubPr>
                           <m:e>
                             <m:r>
-                              <a:rPr lang="en-US" sz="2000" i="1"/>
+                              <a:rPr lang="en-US" sz="2000" i="1">
+                                <a:latin typeface="Cambria Math" panose="02040503050406030204" pitchFamily="18" charset="0"/>
+                              </a:rPr>
                               <m:t>𝑣</m:t>
                             </m:r>
                           </m:e>
                           <m:sub>
                             <m:r>
-                              <a:rPr lang="en-US" sz="2000" i="1"/>
+                              <a:rPr lang="en-US" sz="2000" i="1">
+                                <a:latin typeface="Cambria Math" panose="02040503050406030204" pitchFamily="18" charset="0"/>
+                              </a:rPr>
                               <m:t>𝑖</m:t>
                             </m:r>
                           </m:sub>
@@ -9194,102 +9777,138 @@
                     <m:sSup>
                       <m:sSupPr>
                         <m:ctrlPr>
-                          <a:rPr lang="en-US" sz="2000" i="1"/>
+                          <a:rPr lang="en-US" sz="2000" i="1">
+                            <a:latin typeface="Cambria Math" panose="02040503050406030204" pitchFamily="18" charset="0"/>
+                          </a:rPr>
                         </m:ctrlPr>
                       </m:sSupPr>
                       <m:e>
                         <m:r>
-                          <a:rPr lang="en-US" sz="2000" i="1"/>
+                          <a:rPr lang="en-US" sz="2000" i="1">
+                            <a:latin typeface="Cambria Math" panose="02040503050406030204" pitchFamily="18" charset="0"/>
+                          </a:rPr>
                           <m:t>𝜎</m:t>
                         </m:r>
                       </m:e>
                       <m:sup>
                         <m:r>
-                          <a:rPr lang="en-US" sz="2000" i="1"/>
+                          <a:rPr lang="en-US" sz="2000" i="1">
+                            <a:latin typeface="Cambria Math" panose="02040503050406030204" pitchFamily="18" charset="0"/>
+                          </a:rPr>
                           <m:t>2</m:t>
                         </m:r>
                       </m:sup>
                     </m:sSup>
                     <m:r>
-                      <a:rPr lang="en-US" sz="2000" i="1"/>
+                      <a:rPr lang="en-US" sz="2000" i="1">
+                        <a:latin typeface="Cambria Math" panose="02040503050406030204" pitchFamily="18" charset="0"/>
+                      </a:rPr>
                       <m:t>=</m:t>
                     </m:r>
                     <m:nary>
                       <m:naryPr>
                         <m:chr m:val="∑"/>
                         <m:ctrlPr>
-                          <a:rPr lang="en-US" sz="2000" i="1"/>
+                          <a:rPr lang="en-US" sz="2000" i="1">
+                            <a:latin typeface="Cambria Math" panose="02040503050406030204" pitchFamily="18" charset="0"/>
+                          </a:rPr>
                         </m:ctrlPr>
                       </m:naryPr>
                       <m:sub>
                         <m:sSub>
                           <m:sSubPr>
                             <m:ctrlPr>
-                              <a:rPr lang="en-US" sz="2000" i="1"/>
+                              <a:rPr lang="en-US" sz="2000" i="1">
+                                <a:latin typeface="Cambria Math" panose="02040503050406030204" pitchFamily="18" charset="0"/>
+                              </a:rPr>
                             </m:ctrlPr>
                           </m:sSubPr>
                           <m:e>
                             <m:r>
-                              <a:rPr lang="en-US" sz="2000" i="1"/>
+                              <a:rPr lang="en-US" sz="2000" i="1">
+                                <a:latin typeface="Cambria Math" panose="02040503050406030204" pitchFamily="18" charset="0"/>
+                              </a:rPr>
                               <m:t>𝑛</m:t>
                             </m:r>
                           </m:e>
                           <m:sub>
                             <m:r>
-                              <a:rPr lang="en-US" sz="2000" i="1"/>
+                              <a:rPr lang="en-US" sz="2000" i="1">
+                                <a:latin typeface="Cambria Math" panose="02040503050406030204" pitchFamily="18" charset="0"/>
+                              </a:rPr>
                               <m:t>𝑖</m:t>
                             </m:r>
                           </m:sub>
                         </m:sSub>
                         <m:r>
-                          <a:rPr lang="en-US" sz="2000" i="1"/>
+                          <a:rPr lang="en-US" sz="2000" i="1">
+                            <a:latin typeface="Cambria Math" panose="02040503050406030204" pitchFamily="18" charset="0"/>
+                          </a:rPr>
                           <m:t>=0</m:t>
                         </m:r>
                       </m:sub>
                       <m:sup>
                         <m:r>
-                          <a:rPr lang="en-US" sz="2000" i="1"/>
+                          <a:rPr lang="en-US" sz="2000" i="1">
+                            <a:latin typeface="Cambria Math" panose="02040503050406030204" pitchFamily="18" charset="0"/>
+                          </a:rPr>
                           <m:t>𝑛</m:t>
                         </m:r>
                       </m:sup>
                       <m:e>
                         <m:r>
-                          <a:rPr lang="en-US" sz="2000" i="1"/>
+                          <a:rPr lang="en-US" sz="2000" i="1">
+                            <a:latin typeface="Cambria Math" panose="02040503050406030204" pitchFamily="18" charset="0"/>
+                          </a:rPr>
                           <m:t>𝐵</m:t>
                         </m:r>
                         <m:r>
-                          <a:rPr lang="en-US" sz="2000" i="1"/>
+                          <a:rPr lang="en-US" sz="2000" i="1">
+                            <a:latin typeface="Cambria Math" panose="02040503050406030204" pitchFamily="18" charset="0"/>
+                          </a:rPr>
                           <m:t>(</m:t>
                         </m:r>
                         <m:r>
-                          <a:rPr lang="en-US" sz="2000" i="1"/>
+                          <a:rPr lang="en-US" sz="2000" i="1">
+                            <a:latin typeface="Cambria Math" panose="02040503050406030204" pitchFamily="18" charset="0"/>
+                          </a:rPr>
                           <m:t>𝑛</m:t>
                         </m:r>
                         <m:r>
-                          <a:rPr lang="en-US" sz="2000" i="1"/>
+                          <a:rPr lang="en-US" sz="2000" i="1">
+                            <a:latin typeface="Cambria Math" panose="02040503050406030204" pitchFamily="18" charset="0"/>
+                          </a:rPr>
                           <m:t>,</m:t>
                         </m:r>
                         <m:sSub>
                           <m:sSubPr>
                             <m:ctrlPr>
-                              <a:rPr lang="en-US" sz="2000" i="1"/>
+                              <a:rPr lang="en-US" sz="2000" i="1">
+                                <a:latin typeface="Cambria Math" panose="02040503050406030204" pitchFamily="18" charset="0"/>
+                              </a:rPr>
                             </m:ctrlPr>
                           </m:sSubPr>
                           <m:e>
                             <m:r>
-                              <a:rPr lang="en-US" sz="2000" i="1"/>
+                              <a:rPr lang="en-US" sz="2000" i="1">
+                                <a:latin typeface="Cambria Math" panose="02040503050406030204" pitchFamily="18" charset="0"/>
+                              </a:rPr>
                               <m:t>𝑝</m:t>
                             </m:r>
                           </m:e>
                           <m:sub>
                             <m:r>
-                              <a:rPr lang="en-US" sz="2000" i="1"/>
+                              <a:rPr lang="en-US" sz="2000" i="1">
+                                <a:latin typeface="Cambria Math" panose="02040503050406030204" pitchFamily="18" charset="0"/>
+                              </a:rPr>
                               <m:t>𝑖</m:t>
                             </m:r>
                           </m:sub>
                         </m:sSub>
                         <m:r>
-                          <a:rPr lang="en-US" sz="2000" i="1"/>
+                          <a:rPr lang="en-US" sz="2000" i="1">
+                            <a:latin typeface="Cambria Math" panose="02040503050406030204" pitchFamily="18" charset="0"/>
+                          </a:rPr>
                           <m:t>)</m:t>
                         </m:r>
                       </m:e>
@@ -9297,14 +9916,18 @@
                     <m:d>
                       <m:dPr>
                         <m:ctrlPr>
-                          <a:rPr lang="en-US" sz="2000" i="1"/>
+                          <a:rPr lang="en-US" sz="2000" i="1">
+                            <a:latin typeface="Cambria Math" panose="02040503050406030204" pitchFamily="18" charset="0"/>
+                          </a:rPr>
                         </m:ctrlPr>
                       </m:dPr>
                       <m:e>
                         <m:sSup>
                           <m:sSupPr>
                             <m:ctrlPr>
-                              <a:rPr lang="en-US" sz="2000" i="1"/>
+                              <a:rPr lang="en-US" sz="2000" i="1">
+                                <a:latin typeface="Cambria Math" panose="02040503050406030204" pitchFamily="18" charset="0"/>
+                              </a:rPr>
                             </m:ctrlPr>
                           </m:sSupPr>
                           <m:e>
@@ -9312,25 +9935,33 @@
                               <m:barPr>
                                 <m:pos m:val="top"/>
                                 <m:ctrlPr>
-                                  <a:rPr lang="en-US" sz="2000" i="1"/>
+                                  <a:rPr lang="en-US" sz="2000" i="1">
+                                    <a:latin typeface="Cambria Math" panose="02040503050406030204" pitchFamily="18" charset="0"/>
+                                  </a:rPr>
                                 </m:ctrlPr>
                               </m:barPr>
                               <m:e>
                                 <m:sSub>
                                   <m:sSubPr>
                                     <m:ctrlPr>
-                                      <a:rPr lang="en-US" sz="2000" i="1"/>
+                                      <a:rPr lang="en-US" sz="2000" i="1">
+                                        <a:latin typeface="Cambria Math" panose="02040503050406030204" pitchFamily="18" charset="0"/>
+                                      </a:rPr>
                                     </m:ctrlPr>
                                   </m:sSubPr>
                                   <m:e>
                                     <m:r>
-                                      <a:rPr lang="en-US" sz="2000" i="1"/>
+                                      <a:rPr lang="en-US" sz="2000" i="1">
+                                        <a:latin typeface="Cambria Math" panose="02040503050406030204" pitchFamily="18" charset="0"/>
+                                      </a:rPr>
                                       <m:t>𝑣</m:t>
                                     </m:r>
                                   </m:e>
                                   <m:sub>
                                     <m:r>
-                                      <a:rPr lang="en-US" sz="2000" i="1"/>
+                                      <a:rPr lang="en-US" sz="2000" i="1">
+                                        <a:latin typeface="Cambria Math" panose="02040503050406030204" pitchFamily="18" charset="0"/>
+                                      </a:rPr>
                                       <m:t>𝑖</m:t>
                                     </m:r>
                                   </m:sub>
@@ -9340,43 +9971,57 @@
                           </m:e>
                           <m:sup>
                             <m:r>
-                              <a:rPr lang="en-US" sz="2000" i="1"/>
+                              <a:rPr lang="en-US" sz="2000" i="1">
+                                <a:latin typeface="Cambria Math" panose="02040503050406030204" pitchFamily="18" charset="0"/>
+                              </a:rPr>
                               <m:t>2</m:t>
                             </m:r>
                           </m:sup>
                         </m:sSup>
                         <m:r>
-                          <a:rPr lang="en-US" sz="2000" i="1"/>
+                          <a:rPr lang="en-US" sz="2000" i="1">
+                            <a:latin typeface="Cambria Math" panose="02040503050406030204" pitchFamily="18" charset="0"/>
+                          </a:rPr>
                           <m:t>+</m:t>
                         </m:r>
                         <m:f>
                           <m:fPr>
                             <m:ctrlPr>
-                              <a:rPr lang="en-US" sz="2000" i="1"/>
+                              <a:rPr lang="en-US" sz="2000" i="1">
+                                <a:latin typeface="Cambria Math" panose="02040503050406030204" pitchFamily="18" charset="0"/>
+                              </a:rPr>
                             </m:ctrlPr>
                           </m:fPr>
                           <m:num>
                             <m:sSubSup>
                               <m:sSubSupPr>
                                 <m:ctrlPr>
-                                  <a:rPr lang="en-US" sz="2000" i="1"/>
+                                  <a:rPr lang="en-US" sz="2000" i="1">
+                                    <a:latin typeface="Cambria Math" panose="02040503050406030204" pitchFamily="18" charset="0"/>
+                                  </a:rPr>
                                 </m:ctrlPr>
                               </m:sSubSupPr>
                               <m:e>
                                 <m:r>
-                                  <a:rPr lang="en-US" sz="2000" i="1"/>
+                                  <a:rPr lang="en-US" sz="2000" i="1">
+                                    <a:latin typeface="Cambria Math" panose="02040503050406030204" pitchFamily="18" charset="0"/>
+                                  </a:rPr>
                                   <m:t>𝑆</m:t>
                                 </m:r>
                               </m:e>
                               <m:sub>
                                 <m:r>
-                                  <a:rPr lang="en-US" sz="2000" i="1"/>
+                                  <a:rPr lang="en-US" sz="2000" i="1">
+                                    <a:latin typeface="Cambria Math" panose="02040503050406030204" pitchFamily="18" charset="0"/>
+                                  </a:rPr>
                                   <m:t>𝑖</m:t>
                                 </m:r>
                               </m:sub>
                               <m:sup>
                                 <m:r>
-                                  <a:rPr lang="en-US" sz="2000" i="1"/>
+                                  <a:rPr lang="en-US" sz="2000" i="1">
+                                    <a:latin typeface="Cambria Math" panose="02040503050406030204" pitchFamily="18" charset="0"/>
+                                  </a:rPr>
                                   <m:t>2</m:t>
                                 </m:r>
                               </m:sup>
@@ -9386,18 +10031,24 @@
                             <m:sSub>
                               <m:sSubPr>
                                 <m:ctrlPr>
-                                  <a:rPr lang="en-US" sz="2000" i="1"/>
+                                  <a:rPr lang="en-US" sz="2000" i="1">
+                                    <a:latin typeface="Cambria Math" panose="02040503050406030204" pitchFamily="18" charset="0"/>
+                                  </a:rPr>
                                 </m:ctrlPr>
                               </m:sSubPr>
                               <m:e>
                                 <m:r>
-                                  <a:rPr lang="en-US" sz="2000" i="1"/>
+                                  <a:rPr lang="en-US" sz="2000" i="1">
+                                    <a:latin typeface="Cambria Math" panose="02040503050406030204" pitchFamily="18" charset="0"/>
+                                  </a:rPr>
                                   <m:t>𝑛</m:t>
                                 </m:r>
                               </m:e>
                               <m:sub>
                                 <m:r>
-                                  <a:rPr lang="en-US" sz="2000" i="1"/>
+                                  <a:rPr lang="en-US" sz="2000" i="1">
+                                    <a:latin typeface="Cambria Math" panose="02040503050406030204" pitchFamily="18" charset="0"/>
+                                  </a:rPr>
                                   <m:t>𝑖</m:t>
                                 </m:r>
                               </m:sub>
@@ -9407,13 +10058,17 @@
                       </m:e>
                     </m:d>
                     <m:r>
-                      <a:rPr lang="en-US" sz="2000" i="1"/>
+                      <a:rPr lang="en-US" sz="2000" i="1">
+                        <a:latin typeface="Cambria Math" panose="02040503050406030204" pitchFamily="18" charset="0"/>
+                      </a:rPr>
                       <m:t>−</m:t>
                     </m:r>
                     <m:sSup>
                       <m:sSupPr>
                         <m:ctrlPr>
-                          <a:rPr lang="en-US" sz="2000" i="1"/>
+                          <a:rPr lang="en-US" sz="2000" i="1">
+                            <a:latin typeface="Cambria Math" panose="02040503050406030204" pitchFamily="18" charset="0"/>
+                          </a:rPr>
                         </m:ctrlPr>
                       </m:sSupPr>
                       <m:e>
@@ -9421,25 +10076,33 @@
                           <m:barPr>
                             <m:pos m:val="top"/>
                             <m:ctrlPr>
-                              <a:rPr lang="en-US" sz="2000" i="1"/>
+                              <a:rPr lang="en-US" sz="2000" i="1">
+                                <a:latin typeface="Cambria Math" panose="02040503050406030204" pitchFamily="18" charset="0"/>
+                              </a:rPr>
                             </m:ctrlPr>
                           </m:barPr>
                           <m:e>
                             <m:sSub>
                               <m:sSubPr>
                                 <m:ctrlPr>
-                                  <a:rPr lang="en-US" sz="2000" i="1"/>
+                                  <a:rPr lang="en-US" sz="2000" i="1">
+                                    <a:latin typeface="Cambria Math" panose="02040503050406030204" pitchFamily="18" charset="0"/>
+                                  </a:rPr>
                                 </m:ctrlPr>
                               </m:sSubPr>
                               <m:e>
                                 <m:r>
-                                  <a:rPr lang="en-US" sz="2000" i="1"/>
+                                  <a:rPr lang="en-US" sz="2000" i="1">
+                                    <a:latin typeface="Cambria Math" panose="02040503050406030204" pitchFamily="18" charset="0"/>
+                                  </a:rPr>
                                   <m:t>𝑣</m:t>
                                 </m:r>
                               </m:e>
                               <m:sub>
                                 <m:r>
-                                  <a:rPr lang="en-US" sz="2000" i="1"/>
+                                  <a:rPr lang="en-US" sz="2000" i="1">
+                                    <a:latin typeface="Cambria Math" panose="02040503050406030204" pitchFamily="18" charset="0"/>
+                                  </a:rPr>
                                   <m:t>𝑖</m:t>
                                 </m:r>
                               </m:sub>
@@ -9449,7 +10112,9 @@
                       </m:e>
                       <m:sup>
                         <m:r>
-                          <a:rPr lang="en-US" sz="2000" i="1"/>
+                          <a:rPr lang="en-US" sz="2000" i="1">
+                            <a:latin typeface="Cambria Math" panose="02040503050406030204" pitchFamily="18" charset="0"/>
+                          </a:rPr>
                           <m:t>2</m:t>
                         </m:r>
                       </m:sup>
@@ -9478,61 +10143,83 @@
                 <a14:m>
                   <m:oMath xmlns:m="http://schemas.openxmlformats.org/officeDocument/2006/math">
                     <m:r>
-                      <a:rPr lang="en-US" i="1"/>
+                      <a:rPr lang="en-US" i="1">
+                        <a:latin typeface="Cambria Math" panose="02040503050406030204" pitchFamily="18" charset="0"/>
+                      </a:rPr>
                       <m:t>𝑁</m:t>
                     </m:r>
                     <m:r>
-                      <a:rPr lang="en-US" i="1"/>
+                      <a:rPr lang="en-US" i="1">
+                        <a:latin typeface="Cambria Math" panose="02040503050406030204" pitchFamily="18" charset="0"/>
+                      </a:rPr>
                       <m:t>(</m:t>
                     </m:r>
                     <m:sSub>
                       <m:sSubPr>
                         <m:ctrlPr>
-                          <a:rPr lang="en-US" i="1"/>
+                          <a:rPr lang="en-US" i="1">
+                            <a:latin typeface="Cambria Math" panose="02040503050406030204" pitchFamily="18" charset="0"/>
+                          </a:rPr>
                         </m:ctrlPr>
                       </m:sSubPr>
                       <m:e>
                         <m:r>
-                          <a:rPr lang="en-US" i="1"/>
+                          <a:rPr lang="en-US" i="1">
+                            <a:latin typeface="Cambria Math" panose="02040503050406030204" pitchFamily="18" charset="0"/>
+                          </a:rPr>
                           <m:t>𝑁</m:t>
                         </m:r>
                       </m:e>
                       <m:sub>
                         <m:r>
-                          <a:rPr lang="en-US" i="1"/>
+                          <a:rPr lang="en-US" i="1">
+                            <a:latin typeface="Cambria Math" panose="02040503050406030204" pitchFamily="18" charset="0"/>
+                          </a:rPr>
                           <m:t>𝑖</m:t>
                         </m:r>
                       </m:sub>
                     </m:sSub>
                     <m:r>
-                      <a:rPr lang="en-US" i="1"/>
+                      <a:rPr lang="en-US" i="1">
+                        <a:latin typeface="Cambria Math" panose="02040503050406030204" pitchFamily="18" charset="0"/>
+                      </a:rPr>
                       <m:t>𝜇</m:t>
                     </m:r>
                     <m:r>
-                      <a:rPr lang="en-US" i="1"/>
+                      <a:rPr lang="en-US" i="1">
+                        <a:latin typeface="Cambria Math" panose="02040503050406030204" pitchFamily="18" charset="0"/>
+                      </a:rPr>
                       <m:t>,</m:t>
                     </m:r>
                     <m:sSubSup>
                       <m:sSubSupPr>
                         <m:ctrlPr>
-                          <a:rPr lang="en-US" i="1"/>
+                          <a:rPr lang="en-US" i="1">
+                            <a:latin typeface="Cambria Math" panose="02040503050406030204" pitchFamily="18" charset="0"/>
+                          </a:rPr>
                         </m:ctrlPr>
                       </m:sSubSupPr>
                       <m:e>
                         <m:r>
-                          <a:rPr lang="en-US" i="1"/>
+                          <a:rPr lang="en-US" i="1">
+                            <a:latin typeface="Cambria Math" panose="02040503050406030204" pitchFamily="18" charset="0"/>
+                          </a:rPr>
                           <m:t>𝑁</m:t>
                         </m:r>
                       </m:e>
                       <m:sub>
                         <m:r>
-                          <a:rPr lang="en-US" i="1"/>
+                          <a:rPr lang="en-US" i="1">
+                            <a:latin typeface="Cambria Math" panose="02040503050406030204" pitchFamily="18" charset="0"/>
+                          </a:rPr>
                           <m:t>𝑖</m:t>
                         </m:r>
                       </m:sub>
                       <m:sup>
                         <m:r>
-                          <a:rPr lang="en-US" i="1"/>
+                          <a:rPr lang="en-US" i="1">
+                            <a:latin typeface="Cambria Math" panose="02040503050406030204" pitchFamily="18" charset="0"/>
+                          </a:rPr>
                           <m:t>2</m:t>
                         </m:r>
                       </m:sup>
@@ -9540,24 +10227,32 @@
                     <m:sSup>
                       <m:sSupPr>
                         <m:ctrlPr>
-                          <a:rPr lang="en-US" i="1"/>
+                          <a:rPr lang="en-US" i="1">
+                            <a:latin typeface="Cambria Math" panose="02040503050406030204" pitchFamily="18" charset="0"/>
+                          </a:rPr>
                         </m:ctrlPr>
                       </m:sSupPr>
                       <m:e>
                         <m:r>
-                          <a:rPr lang="en-US" i="1"/>
+                          <a:rPr lang="en-US" i="1">
+                            <a:latin typeface="Cambria Math" panose="02040503050406030204" pitchFamily="18" charset="0"/>
+                          </a:rPr>
                           <m:t>𝜎</m:t>
                         </m:r>
                       </m:e>
                       <m:sup>
                         <m:r>
-                          <a:rPr lang="en-US" i="1"/>
+                          <a:rPr lang="en-US" i="1">
+                            <a:latin typeface="Cambria Math" panose="02040503050406030204" pitchFamily="18" charset="0"/>
+                          </a:rPr>
                           <m:t>2</m:t>
                         </m:r>
                       </m:sup>
                     </m:sSup>
                     <m:r>
-                      <a:rPr lang="en-US" i="1"/>
+                      <a:rPr lang="en-US" i="1">
+                        <a:latin typeface="Cambria Math" panose="02040503050406030204" pitchFamily="18" charset="0"/>
+                      </a:rPr>
                       <m:t>)</m:t>
                     </m:r>
                   </m:oMath>
@@ -9824,7 +10519,7 @@
             </p:txBody>
           </p:sp>
         </mc:Choice>
-        <mc:Fallback>
+        <mc:Fallback xmlns="">
           <p:sp>
             <p:nvSpPr>
               <p:cNvPr id="3" name="Content Placeholder 2"/>
@@ -9866,502 +10561,6 @@
     <p:extLst>
       <p:ext uri="{BB962C8B-B14F-4D97-AF65-F5344CB8AC3E}">
         <p14:creationId xmlns:p14="http://schemas.microsoft.com/office/powerpoint/2010/main" val="3291372080"/>
-      </p:ext>
-    </p:extLst>
-  </p:cSld>
-  <p:clrMapOvr>
-    <a:masterClrMapping/>
-  </p:clrMapOvr>
-  <p:timing>
-    <p:tnLst>
-      <p:par>
-        <p:cTn id="1" dur="indefinite" restart="never" nodeType="tmRoot"/>
-      </p:par>
-    </p:tnLst>
-  </p:timing>
-</p:sld>
-</file>
-
-<file path=ppt/slides/slide11.xml><?xml version="1.0" encoding="utf-8"?>
-<p:sld xmlns:a="http://schemas.openxmlformats.org/drawingml/2006/main" xmlns:r="http://schemas.openxmlformats.org/officeDocument/2006/relationships" xmlns:p="http://schemas.openxmlformats.org/presentationml/2006/main">
-  <p:cSld>
-    <p:spTree>
-      <p:nvGrpSpPr>
-        <p:cNvPr id="1" name=""/>
-        <p:cNvGrpSpPr/>
-        <p:nvPr/>
-      </p:nvGrpSpPr>
-      <p:grpSpPr>
-        <a:xfrm>
-          <a:off x="0" y="0"/>
-          <a:ext cx="0" cy="0"/>
-          <a:chOff x="0" y="0"/>
-          <a:chExt cx="0" cy="0"/>
-        </a:xfrm>
-      </p:grpSpPr>
-      <p:sp>
-        <p:nvSpPr>
-          <p:cNvPr id="2" name="Title 1"/>
-          <p:cNvSpPr>
-            <a:spLocks noGrp="1"/>
-          </p:cNvSpPr>
-          <p:nvPr>
-            <p:ph type="title"/>
-          </p:nvPr>
-        </p:nvSpPr>
-        <p:spPr/>
-        <p:txBody>
-          <a:bodyPr/>
-          <a:lstStyle/>
-          <a:p>
-            <a:r>
-              <a:rPr lang="zh-CN" altLang="en-US" dirty="0" smtClean="0"/>
-              <a:t>分层采样算法</a:t>
-            </a:r>
-            <a:endParaRPr lang="en-US" dirty="0"/>
-          </a:p>
-        </p:txBody>
-      </p:sp>
-      <p:sp>
-        <p:nvSpPr>
-          <p:cNvPr id="3" name="Content Placeholder 2"/>
-          <p:cNvSpPr>
-            <a:spLocks noGrp="1"/>
-          </p:cNvSpPr>
-          <p:nvPr>
-            <p:ph idx="1"/>
-          </p:nvPr>
-        </p:nvSpPr>
-        <p:spPr>
-          <a:xfrm>
-            <a:off x="1097280" y="1845734"/>
-            <a:ext cx="10058400" cy="508167"/>
-          </a:xfrm>
-        </p:spPr>
-        <p:txBody>
-          <a:bodyPr/>
-          <a:lstStyle/>
-          <a:p>
-            <a:pPr>
-              <a:buFont typeface="Arial" panose="020B0604020202020204" pitchFamily="34" charset="0"/>
-              <a:buChar char="•"/>
-            </a:pPr>
-            <a:r>
-              <a:rPr lang="en-US" dirty="0" smtClean="0"/>
-              <a:t> </a:t>
-            </a:r>
-            <a:r>
-              <a:rPr lang="zh-CN" altLang="en-US" dirty="0" smtClean="0"/>
-              <a:t>当数据分布不均的时候，随机采样算法容易“丢组”</a:t>
-            </a:r>
-            <a:endParaRPr lang="en-US" dirty="0"/>
-          </a:p>
-        </p:txBody>
-      </p:sp>
-      <p:pic>
-        <p:nvPicPr>
-          <p:cNvPr id="4" name="Picture 3"/>
-          <p:cNvPicPr>
-            <a:picLocks noChangeAspect="1"/>
-          </p:cNvPicPr>
-          <p:nvPr/>
-        </p:nvPicPr>
-        <p:blipFill rotWithShape="1">
-          <a:blip r:embed="rId2"/>
-          <a:srcRect t="2495"/>
-          <a:stretch/>
-        </p:blipFill>
-        <p:spPr>
-          <a:xfrm>
-            <a:off x="1828754" y="2462275"/>
-            <a:ext cx="8030471" cy="4013398"/>
-          </a:xfrm>
-          <a:prstGeom prst="rect">
-            <a:avLst/>
-          </a:prstGeom>
-        </p:spPr>
-      </p:pic>
-    </p:spTree>
-    <p:extLst>
-      <p:ext uri="{BB962C8B-B14F-4D97-AF65-F5344CB8AC3E}">
-        <p14:creationId xmlns:p14="http://schemas.microsoft.com/office/powerpoint/2010/main" val="1674264443"/>
-      </p:ext>
-    </p:extLst>
-  </p:cSld>
-  <p:clrMapOvr>
-    <a:masterClrMapping/>
-  </p:clrMapOvr>
-  <p:timing>
-    <p:tnLst>
-      <p:par>
-        <p:cTn id="1" dur="indefinite" restart="never" nodeType="tmRoot"/>
-      </p:par>
-    </p:tnLst>
-  </p:timing>
-</p:sld>
-</file>
-
-<file path=ppt/slides/slide12.xml><?xml version="1.0" encoding="utf-8"?>
-<p:sld xmlns:a="http://schemas.openxmlformats.org/drawingml/2006/main" xmlns:r="http://schemas.openxmlformats.org/officeDocument/2006/relationships" xmlns:p="http://schemas.openxmlformats.org/presentationml/2006/main">
-  <p:cSld>
-    <p:spTree>
-      <p:nvGrpSpPr>
-        <p:cNvPr id="1" name=""/>
-        <p:cNvGrpSpPr/>
-        <p:nvPr/>
-      </p:nvGrpSpPr>
-      <p:grpSpPr>
-        <a:xfrm>
-          <a:off x="0" y="0"/>
-          <a:ext cx="0" cy="0"/>
-          <a:chOff x="0" y="0"/>
-          <a:chExt cx="0" cy="0"/>
-        </a:xfrm>
-      </p:grpSpPr>
-      <p:sp>
-        <p:nvSpPr>
-          <p:cNvPr id="2" name="Title 1"/>
-          <p:cNvSpPr>
-            <a:spLocks noGrp="1"/>
-          </p:cNvSpPr>
-          <p:nvPr>
-            <p:ph type="title"/>
-          </p:nvPr>
-        </p:nvSpPr>
-        <p:spPr/>
-        <p:txBody>
-          <a:bodyPr/>
-          <a:lstStyle/>
-          <a:p>
-            <a:r>
-              <a:rPr lang="zh-CN" altLang="en-US" dirty="0" smtClean="0"/>
-              <a:t>分层采样算法</a:t>
-            </a:r>
-            <a:endParaRPr lang="en-US" dirty="0"/>
-          </a:p>
-        </p:txBody>
-      </p:sp>
-      <p:sp>
-        <p:nvSpPr>
-          <p:cNvPr id="3" name="Content Placeholder 2"/>
-          <p:cNvSpPr>
-            <a:spLocks noGrp="1"/>
-          </p:cNvSpPr>
-          <p:nvPr>
-            <p:ph idx="1"/>
-          </p:nvPr>
-        </p:nvSpPr>
-        <p:spPr/>
-        <p:txBody>
-          <a:bodyPr/>
-          <a:lstStyle/>
-          <a:p>
-            <a:pPr>
-              <a:buFont typeface="Arial" panose="020B0604020202020204" pitchFamily="34" charset="0"/>
-              <a:buChar char="•"/>
-            </a:pPr>
-            <a:r>
-              <a:rPr lang="en-US" dirty="0" smtClean="0"/>
-              <a:t> </a:t>
-            </a:r>
-            <a:r>
-              <a:rPr lang="zh-CN" altLang="en-US" dirty="0" smtClean="0"/>
-              <a:t>使用分层采样，就可以避免丢组的问题</a:t>
-            </a:r>
-            <a:endParaRPr lang="en-US" dirty="0"/>
-          </a:p>
-        </p:txBody>
-      </p:sp>
-      <p:pic>
-        <p:nvPicPr>
-          <p:cNvPr id="4" name="Picture 3"/>
-          <p:cNvPicPr>
-            <a:picLocks noChangeAspect="1"/>
-          </p:cNvPicPr>
-          <p:nvPr/>
-        </p:nvPicPr>
-        <p:blipFill>
-          <a:blip r:embed="rId2"/>
-          <a:stretch>
-            <a:fillRect/>
-          </a:stretch>
-        </p:blipFill>
-        <p:spPr>
-          <a:xfrm>
-            <a:off x="1934301" y="2202883"/>
-            <a:ext cx="8384358" cy="4080882"/>
-          </a:xfrm>
-          <a:prstGeom prst="rect">
-            <a:avLst/>
-          </a:prstGeom>
-        </p:spPr>
-      </p:pic>
-    </p:spTree>
-    <p:extLst>
-      <p:ext uri="{BB962C8B-B14F-4D97-AF65-F5344CB8AC3E}">
-        <p14:creationId xmlns:p14="http://schemas.microsoft.com/office/powerpoint/2010/main" val="3913027966"/>
-      </p:ext>
-    </p:extLst>
-  </p:cSld>
-  <p:clrMapOvr>
-    <a:masterClrMapping/>
-  </p:clrMapOvr>
-  <p:timing>
-    <p:tnLst>
-      <p:par>
-        <p:cTn id="1" dur="indefinite" restart="never" nodeType="tmRoot"/>
-      </p:par>
-    </p:tnLst>
-  </p:timing>
-</p:sld>
-</file>
-
-<file path=ppt/slides/slide13.xml><?xml version="1.0" encoding="utf-8"?>
-<p:sld xmlns:a="http://schemas.openxmlformats.org/drawingml/2006/main" xmlns:r="http://schemas.openxmlformats.org/officeDocument/2006/relationships" xmlns:p="http://schemas.openxmlformats.org/presentationml/2006/main">
-  <p:cSld>
-    <p:spTree>
-      <p:nvGrpSpPr>
-        <p:cNvPr id="1" name=""/>
-        <p:cNvGrpSpPr/>
-        <p:nvPr/>
-      </p:nvGrpSpPr>
-      <p:grpSpPr>
-        <a:xfrm>
-          <a:off x="0" y="0"/>
-          <a:ext cx="0" cy="0"/>
-          <a:chOff x="0" y="0"/>
-          <a:chExt cx="0" cy="0"/>
-        </a:xfrm>
-      </p:grpSpPr>
-      <p:sp>
-        <p:nvSpPr>
-          <p:cNvPr id="2" name="Title 1"/>
-          <p:cNvSpPr>
-            <a:spLocks noGrp="1"/>
-          </p:cNvSpPr>
-          <p:nvPr>
-            <p:ph type="title"/>
-          </p:nvPr>
-        </p:nvSpPr>
-        <p:spPr/>
-        <p:txBody>
-          <a:bodyPr/>
-          <a:lstStyle/>
-          <a:p>
-            <a:r>
-              <a:rPr lang="zh-CN" altLang="en-US" dirty="0" smtClean="0"/>
-              <a:t>分层采样算法</a:t>
-            </a:r>
-            <a:endParaRPr lang="en-US" dirty="0"/>
-          </a:p>
-        </p:txBody>
-      </p:sp>
-      <p:sp>
-        <p:nvSpPr>
-          <p:cNvPr id="3" name="Content Placeholder 2"/>
-          <p:cNvSpPr>
-            <a:spLocks noGrp="1"/>
-          </p:cNvSpPr>
-          <p:nvPr>
-            <p:ph idx="1"/>
-          </p:nvPr>
-        </p:nvSpPr>
-        <p:spPr/>
-        <p:txBody>
-          <a:bodyPr/>
-          <a:lstStyle/>
-          <a:p>
-            <a:pPr>
-              <a:lnSpc>
-                <a:spcPct val="125000"/>
-              </a:lnSpc>
-              <a:buFont typeface="Arial" panose="020B0604020202020204" pitchFamily="34" charset="0"/>
-              <a:buChar char="•"/>
-            </a:pPr>
-            <a:r>
-              <a:rPr lang="en-US" dirty="0" smtClean="0"/>
-              <a:t> </a:t>
-            </a:r>
-            <a:r>
-              <a:rPr lang="zh-CN" altLang="en-US" dirty="0" smtClean="0"/>
-              <a:t>核心问题：</a:t>
-            </a:r>
-            <a:r>
-              <a:rPr lang="zh-CN" altLang="en-US" dirty="0" smtClean="0">
-                <a:solidFill>
-                  <a:schemeClr val="accent2"/>
-                </a:solidFill>
-              </a:rPr>
-              <a:t>以哪一列（哪几列）为组？</a:t>
-            </a:r>
-            <a:endParaRPr lang="en-US" altLang="zh-CN" dirty="0" smtClean="0">
-              <a:solidFill>
-                <a:schemeClr val="accent2"/>
-              </a:solidFill>
-            </a:endParaRPr>
-          </a:p>
-          <a:p>
-            <a:pPr>
-              <a:lnSpc>
-                <a:spcPct val="125000"/>
-              </a:lnSpc>
-              <a:buFont typeface="Arial" panose="020B0604020202020204" pitchFamily="34" charset="0"/>
-              <a:buChar char="•"/>
-            </a:pPr>
-            <a:r>
-              <a:rPr lang="en-US" dirty="0"/>
-              <a:t> </a:t>
-            </a:r>
-            <a:r>
-              <a:rPr lang="zh-CN" altLang="en-US" dirty="0" smtClean="0"/>
-              <a:t>“</a:t>
-            </a:r>
-            <a:r>
-              <a:rPr lang="en-US" altLang="zh-CN" dirty="0" smtClean="0"/>
-              <a:t>90%</a:t>
-            </a:r>
-            <a:r>
-              <a:rPr lang="zh-CN" altLang="en-US" dirty="0" smtClean="0"/>
-              <a:t>的查询落在</a:t>
-            </a:r>
-            <a:r>
-              <a:rPr lang="en-US" altLang="zh-CN" dirty="0" smtClean="0"/>
-              <a:t>20%</a:t>
-            </a:r>
-            <a:r>
-              <a:rPr lang="zh-CN" altLang="en-US" dirty="0" smtClean="0"/>
-              <a:t>的列组合上”</a:t>
-            </a:r>
-            <a:r>
-              <a:rPr lang="en-US" altLang="zh-CN" dirty="0" smtClean="0"/>
-              <a:t>——</a:t>
-            </a:r>
-            <a:r>
-              <a:rPr lang="en-US" altLang="zh-CN" dirty="0" err="1" smtClean="0"/>
-              <a:t>BlinkDB</a:t>
-            </a:r>
-            <a:endParaRPr lang="en-US" altLang="zh-CN" dirty="0" smtClean="0"/>
-          </a:p>
-          <a:p>
-            <a:pPr>
-              <a:lnSpc>
-                <a:spcPct val="125000"/>
-              </a:lnSpc>
-              <a:buFont typeface="Arial" panose="020B0604020202020204" pitchFamily="34" charset="0"/>
-              <a:buChar char="•"/>
-            </a:pPr>
-            <a:r>
-              <a:rPr lang="en-US" dirty="0"/>
-              <a:t> </a:t>
-            </a:r>
-            <a:r>
-              <a:rPr lang="zh-CN" altLang="en-US" dirty="0" smtClean="0"/>
-              <a:t>让用户自己选定较为感兴趣的列，以这些列分组</a:t>
-            </a:r>
-            <a:endParaRPr lang="en-US" altLang="zh-CN" dirty="0" smtClean="0"/>
-          </a:p>
-          <a:p>
-            <a:pPr lvl="1">
-              <a:lnSpc>
-                <a:spcPct val="125000"/>
-              </a:lnSpc>
-              <a:buFont typeface="Arial" panose="020B0604020202020204" pitchFamily="34" charset="0"/>
-              <a:buChar char="•"/>
-            </a:pPr>
-            <a:r>
-              <a:rPr lang="zh-CN" altLang="en-US" dirty="0" smtClean="0"/>
-              <a:t>这些列称为“预设列”</a:t>
-            </a:r>
-            <a:endParaRPr lang="en-US" altLang="zh-CN" dirty="0" smtClean="0"/>
-          </a:p>
-          <a:p>
-            <a:pPr>
-              <a:lnSpc>
-                <a:spcPct val="125000"/>
-              </a:lnSpc>
-              <a:buFont typeface="Arial" panose="020B0604020202020204" pitchFamily="34" charset="0"/>
-              <a:buChar char="•"/>
-            </a:pPr>
-            <a:r>
-              <a:rPr lang="en-US" dirty="0"/>
-              <a:t> </a:t>
-            </a:r>
-            <a:r>
-              <a:rPr lang="zh-CN" altLang="en-US" dirty="0"/>
-              <a:t>既可</a:t>
-            </a:r>
-            <a:r>
-              <a:rPr lang="zh-CN" altLang="en-US" dirty="0" smtClean="0"/>
-              <a:t>以回答预设列询问，也可以回答涉及预设列之外的询问</a:t>
-            </a:r>
-            <a:endParaRPr lang="en-US" altLang="zh-CN" dirty="0" smtClean="0"/>
-          </a:p>
-          <a:p>
-            <a:pPr lvl="1">
-              <a:lnSpc>
-                <a:spcPct val="125000"/>
-              </a:lnSpc>
-              <a:buFont typeface="Arial" panose="020B0604020202020204" pitchFamily="34" charset="0"/>
-              <a:buChar char="•"/>
-            </a:pPr>
-            <a:r>
-              <a:rPr lang="zh-CN" altLang="en-US" dirty="0"/>
-              <a:t>预设列询</a:t>
-            </a:r>
-            <a:r>
-              <a:rPr lang="zh-CN" altLang="en-US" dirty="0" smtClean="0"/>
-              <a:t>问可以</a:t>
-            </a:r>
-            <a:r>
-              <a:rPr lang="zh-CN" altLang="en-US" dirty="0" smtClean="0">
-                <a:solidFill>
-                  <a:schemeClr val="accent2"/>
-                </a:solidFill>
-              </a:rPr>
-              <a:t>保证不丢组</a:t>
-            </a:r>
-            <a:endParaRPr lang="en-US" altLang="zh-CN" dirty="0" smtClean="0">
-              <a:solidFill>
-                <a:schemeClr val="accent2"/>
-              </a:solidFill>
-            </a:endParaRPr>
-          </a:p>
-          <a:p>
-            <a:pPr>
-              <a:lnSpc>
-                <a:spcPct val="125000"/>
-              </a:lnSpc>
-              <a:buFont typeface="Arial" panose="020B0604020202020204" pitchFamily="34" charset="0"/>
-              <a:buChar char="•"/>
-            </a:pPr>
-            <a:r>
-              <a:rPr lang="en-US" dirty="0"/>
-              <a:t> </a:t>
-            </a:r>
-            <a:r>
-              <a:rPr lang="zh-CN" altLang="en-US" dirty="0" smtClean="0"/>
-              <a:t>非均匀采样，但是</a:t>
-            </a:r>
-            <a:r>
-              <a:rPr lang="zh-CN" altLang="en-US" dirty="0" smtClean="0">
-                <a:solidFill>
-                  <a:schemeClr val="accent2"/>
-                </a:solidFill>
-              </a:rPr>
-              <a:t>每组内仍然是均匀采样</a:t>
-            </a:r>
-            <a:r>
-              <a:rPr lang="zh-CN" altLang="en-US" dirty="0" smtClean="0"/>
-              <a:t>，对公式做简单修正即可</a:t>
-            </a:r>
-            <a:endParaRPr lang="en-US" dirty="0"/>
-          </a:p>
-        </p:txBody>
-      </p:sp>
-    </p:spTree>
-    <p:extLst>
-      <p:ext uri="{BB962C8B-B14F-4D97-AF65-F5344CB8AC3E}">
-        <p14:creationId xmlns:p14="http://schemas.microsoft.com/office/powerpoint/2010/main" val="18265510"/>
       </p:ext>
     </p:extLst>
   </p:cSld>
@@ -11645,6 +11844,324 @@
       </p:par>
     </p:tnLst>
   </p:timing>
+</p:sld>
+</file>
+
+<file path=ppt/slides/slide22.xml><?xml version="1.0" encoding="utf-8"?>
+<p:sld xmlns:a="http://schemas.openxmlformats.org/drawingml/2006/main" xmlns:r="http://schemas.openxmlformats.org/officeDocument/2006/relationships" xmlns:p="http://schemas.openxmlformats.org/presentationml/2006/main">
+  <p:cSld>
+    <p:spTree>
+      <p:nvGrpSpPr>
+        <p:cNvPr id="1" name=""/>
+        <p:cNvGrpSpPr/>
+        <p:nvPr/>
+      </p:nvGrpSpPr>
+      <p:grpSpPr>
+        <a:xfrm>
+          <a:off x="0" y="0"/>
+          <a:ext cx="0" cy="0"/>
+          <a:chOff x="0" y="0"/>
+          <a:chExt cx="0" cy="0"/>
+        </a:xfrm>
+      </p:grpSpPr>
+      <p:sp>
+        <p:nvSpPr>
+          <p:cNvPr id="2" name="Title 1"/>
+          <p:cNvSpPr>
+            <a:spLocks noGrp="1"/>
+          </p:cNvSpPr>
+          <p:nvPr>
+            <p:ph type="title"/>
+          </p:nvPr>
+        </p:nvSpPr>
+        <p:spPr/>
+        <p:txBody>
+          <a:bodyPr/>
+          <a:lstStyle/>
+          <a:p>
+            <a:r>
+              <a:rPr lang="zh-CN" altLang="en-US" dirty="0" smtClean="0"/>
+              <a:t>相关工作</a:t>
+            </a:r>
+            <a:endParaRPr lang="en-US" dirty="0"/>
+          </a:p>
+        </p:txBody>
+      </p:sp>
+      <p:sp>
+        <p:nvSpPr>
+          <p:cNvPr id="3" name="Content Placeholder 2"/>
+          <p:cNvSpPr>
+            <a:spLocks noGrp="1"/>
+          </p:cNvSpPr>
+          <p:nvPr>
+            <p:ph idx="1"/>
+          </p:nvPr>
+        </p:nvSpPr>
+        <p:spPr>
+          <a:xfrm>
+            <a:off x="1097280" y="1845734"/>
+            <a:ext cx="10058400" cy="4455478"/>
+          </a:xfrm>
+        </p:spPr>
+        <p:txBody>
+          <a:bodyPr/>
+          <a:lstStyle/>
+          <a:p>
+            <a:pPr>
+              <a:buFont typeface="Arial" panose="020B0604020202020204" pitchFamily="34" charset="0"/>
+              <a:buChar char="•"/>
+            </a:pPr>
+            <a:r>
+              <a:rPr lang="en-US" dirty="0" smtClean="0"/>
+              <a:t> </a:t>
+            </a:r>
+            <a:r>
+              <a:rPr lang="en-US" altLang="zh-CN" dirty="0" smtClean="0"/>
+              <a:t>Map Reduce</a:t>
+            </a:r>
+            <a:r>
+              <a:rPr lang="zh-CN" altLang="en-US" dirty="0" smtClean="0"/>
+              <a:t>系列方法</a:t>
+            </a:r>
+            <a:endParaRPr lang="en-US" altLang="zh-CN" dirty="0" smtClean="0"/>
+          </a:p>
+          <a:p>
+            <a:pPr lvl="1">
+              <a:buFont typeface="Arial" panose="020B0604020202020204" pitchFamily="34" charset="0"/>
+              <a:buChar char="•"/>
+            </a:pPr>
+            <a:r>
+              <a:rPr lang="zh-CN" altLang="en-US" dirty="0"/>
+              <a:t>分</a:t>
+            </a:r>
+            <a:r>
+              <a:rPr lang="zh-CN" altLang="en-US" dirty="0" smtClean="0"/>
+              <a:t>割数据，并行计算</a:t>
+            </a:r>
+            <a:endParaRPr lang="en-US" altLang="zh-CN" dirty="0" smtClean="0"/>
+          </a:p>
+          <a:p>
+            <a:pPr lvl="1">
+              <a:buFont typeface="Arial" panose="020B0604020202020204" pitchFamily="34" charset="0"/>
+              <a:buChar char="•"/>
+            </a:pPr>
+            <a:r>
+              <a:rPr lang="zh-CN" altLang="en-US" dirty="0" smtClean="0">
+                <a:solidFill>
+                  <a:schemeClr val="accent1"/>
+                </a:solidFill>
+              </a:rPr>
+              <a:t>计</a:t>
+            </a:r>
+            <a:r>
+              <a:rPr lang="zh-CN" altLang="en-US" dirty="0">
+                <a:solidFill>
+                  <a:schemeClr val="accent1"/>
+                </a:solidFill>
+              </a:rPr>
+              <a:t>算</a:t>
+            </a:r>
+            <a:r>
+              <a:rPr lang="zh-CN" altLang="en-US" dirty="0" smtClean="0">
+                <a:solidFill>
+                  <a:schemeClr val="accent1"/>
+                </a:solidFill>
+              </a:rPr>
+              <a:t>出精确结果</a:t>
+            </a:r>
+            <a:endParaRPr lang="en-US" altLang="zh-CN" dirty="0" smtClean="0">
+              <a:solidFill>
+                <a:schemeClr val="accent1"/>
+              </a:solidFill>
+            </a:endParaRPr>
+          </a:p>
+          <a:p>
+            <a:pPr lvl="1">
+              <a:buFont typeface="Arial" panose="020B0604020202020204" pitchFamily="34" charset="0"/>
+              <a:buChar char="•"/>
+            </a:pPr>
+            <a:r>
+              <a:rPr lang="zh-CN" altLang="en-US" dirty="0" smtClean="0">
+                <a:solidFill>
+                  <a:schemeClr val="bg2">
+                    <a:lumMod val="75000"/>
+                  </a:schemeClr>
+                </a:solidFill>
+              </a:rPr>
+              <a:t>响应时间太长</a:t>
+            </a:r>
+            <a:endParaRPr lang="en-US" altLang="zh-CN" dirty="0" smtClean="0">
+              <a:solidFill>
+                <a:schemeClr val="bg2">
+                  <a:lumMod val="75000"/>
+                </a:schemeClr>
+              </a:solidFill>
+            </a:endParaRPr>
+          </a:p>
+          <a:p>
+            <a:pPr>
+              <a:buFont typeface="Arial" panose="020B0604020202020204" pitchFamily="34" charset="0"/>
+              <a:buChar char="•"/>
+            </a:pPr>
+            <a:r>
+              <a:rPr lang="en-US" dirty="0" smtClean="0"/>
+              <a:t> </a:t>
+            </a:r>
+            <a:r>
+              <a:rPr lang="zh-CN" altLang="en-US" dirty="0" smtClean="0"/>
+              <a:t>随机采样</a:t>
+            </a:r>
+            <a:endParaRPr lang="en-US" altLang="zh-CN" dirty="0" smtClean="0"/>
+          </a:p>
+          <a:p>
+            <a:pPr lvl="1">
+              <a:buFont typeface="Arial" panose="020B0604020202020204" pitchFamily="34" charset="0"/>
+              <a:buChar char="•"/>
+            </a:pPr>
+            <a:r>
+              <a:rPr lang="zh-CN" altLang="en-US" dirty="0">
+                <a:solidFill>
+                  <a:schemeClr val="accent1"/>
+                </a:solidFill>
+              </a:rPr>
+              <a:t>预处理时间最</a:t>
+            </a:r>
+            <a:r>
+              <a:rPr lang="zh-CN" altLang="en-US" dirty="0" smtClean="0">
+                <a:solidFill>
+                  <a:schemeClr val="accent1"/>
+                </a:solidFill>
+              </a:rPr>
+              <a:t>短，不受维数影响</a:t>
+            </a:r>
+            <a:endParaRPr lang="en-US" altLang="zh-CN" dirty="0" smtClean="0">
+              <a:solidFill>
+                <a:schemeClr val="accent1"/>
+              </a:solidFill>
+            </a:endParaRPr>
+          </a:p>
+          <a:p>
+            <a:pPr lvl="1">
+              <a:buFont typeface="Arial" panose="020B0604020202020204" pitchFamily="34" charset="0"/>
+              <a:buChar char="•"/>
+            </a:pPr>
+            <a:r>
+              <a:rPr lang="zh-CN" altLang="en-US" dirty="0">
+                <a:solidFill>
+                  <a:schemeClr val="bg2">
+                    <a:lumMod val="75000"/>
+                  </a:schemeClr>
+                </a:solidFill>
+              </a:rPr>
+              <a:t>丢组问</a:t>
+            </a:r>
+            <a:r>
+              <a:rPr lang="zh-CN" altLang="en-US" dirty="0" smtClean="0">
+                <a:solidFill>
+                  <a:schemeClr val="bg2">
+                    <a:lumMod val="75000"/>
+                  </a:schemeClr>
+                </a:solidFill>
+              </a:rPr>
+              <a:t>题</a:t>
+            </a:r>
+            <a:endParaRPr lang="en-US" altLang="zh-CN" dirty="0" smtClean="0">
+              <a:solidFill>
+                <a:schemeClr val="bg2">
+                  <a:lumMod val="75000"/>
+                </a:schemeClr>
+              </a:solidFill>
+            </a:endParaRPr>
+          </a:p>
+          <a:p>
+            <a:pPr>
+              <a:buFont typeface="Arial" panose="020B0604020202020204" pitchFamily="34" charset="0"/>
+              <a:buChar char="•"/>
+            </a:pPr>
+            <a:r>
+              <a:rPr lang="en-US" dirty="0"/>
+              <a:t> </a:t>
+            </a:r>
+            <a:r>
+              <a:rPr lang="zh-CN" altLang="en-US" dirty="0" smtClean="0"/>
+              <a:t>直方图，小波变换</a:t>
+            </a:r>
+            <a:endParaRPr lang="en-US" altLang="zh-CN" dirty="0" smtClean="0"/>
+          </a:p>
+          <a:p>
+            <a:pPr lvl="1">
+              <a:buFont typeface="Arial" panose="020B0604020202020204" pitchFamily="34" charset="0"/>
+              <a:buChar char="•"/>
+            </a:pPr>
+            <a:r>
+              <a:rPr lang="zh-CN" altLang="en-US" dirty="0" smtClean="0">
+                <a:solidFill>
+                  <a:schemeClr val="accent1"/>
+                </a:solidFill>
+              </a:rPr>
+              <a:t>低维下效果比采样要好</a:t>
+            </a:r>
+            <a:endParaRPr lang="en-US" altLang="zh-CN" dirty="0" smtClean="0">
+              <a:solidFill>
+                <a:schemeClr val="accent1"/>
+              </a:solidFill>
+            </a:endParaRPr>
+          </a:p>
+          <a:p>
+            <a:pPr lvl="1">
+              <a:buFont typeface="Arial" panose="020B0604020202020204" pitchFamily="34" charset="0"/>
+              <a:buChar char="•"/>
+            </a:pPr>
+            <a:r>
+              <a:rPr lang="zh-CN" altLang="en-US" dirty="0" smtClean="0">
+                <a:solidFill>
+                  <a:schemeClr val="bg2">
+                    <a:lumMod val="75000"/>
+                  </a:schemeClr>
+                </a:solidFill>
+              </a:rPr>
+              <a:t>高维下复</a:t>
+            </a:r>
+            <a:r>
+              <a:rPr lang="zh-CN" altLang="en-US" dirty="0">
+                <a:solidFill>
+                  <a:schemeClr val="bg2">
+                    <a:lumMod val="75000"/>
+                  </a:schemeClr>
+                </a:solidFill>
+              </a:rPr>
+              <a:t>杂度非常</a:t>
+            </a:r>
+            <a:r>
+              <a:rPr lang="zh-CN" altLang="en-US" dirty="0" smtClean="0">
+                <a:solidFill>
+                  <a:schemeClr val="bg2">
+                    <a:lumMod val="75000"/>
+                  </a:schemeClr>
+                </a:solidFill>
+              </a:rPr>
+              <a:t>高，高维诅咒</a:t>
+            </a:r>
+            <a:endParaRPr lang="en-US" dirty="0">
+              <a:solidFill>
+                <a:schemeClr val="bg2">
+                  <a:lumMod val="75000"/>
+                </a:schemeClr>
+              </a:solidFill>
+            </a:endParaRPr>
+          </a:p>
+        </p:txBody>
+      </p:sp>
+    </p:spTree>
+    <p:extLst>
+      <p:ext uri="{BB962C8B-B14F-4D97-AF65-F5344CB8AC3E}">
+        <p14:creationId xmlns:p14="http://schemas.microsoft.com/office/powerpoint/2010/main" val="4139026208"/>
+      </p:ext>
+    </p:extLst>
+  </p:cSld>
+  <p:clrMapOvr>
+    <a:masterClrMapping/>
+  </p:clrMapOvr>
 </p:sld>
 </file>
 
@@ -13174,12 +13691,8 @@
           <a:lstStyle/>
           <a:p>
             <a:r>
-              <a:rPr lang="zh-CN" altLang="en-US" dirty="0"/>
-              <a:t>统计推断部分</a:t>
-            </a:r>
-            <a:r>
               <a:rPr lang="zh-CN" altLang="en-US" dirty="0" smtClean="0"/>
-              <a:t>的算法设计</a:t>
+              <a:t>分层采样算法</a:t>
             </a:r>
             <a:endParaRPr lang="en-US" dirty="0"/>
           </a:p>
@@ -13195,15 +13708,17 @@
             <p:ph idx="1"/>
           </p:nvPr>
         </p:nvSpPr>
-        <p:spPr/>
+        <p:spPr>
+          <a:xfrm>
+            <a:off x="1097280" y="1845734"/>
+            <a:ext cx="10058400" cy="508167"/>
+          </a:xfrm>
+        </p:spPr>
         <p:txBody>
           <a:bodyPr/>
           <a:lstStyle/>
           <a:p>
             <a:pPr>
-              <a:lnSpc>
-                <a:spcPct val="150000"/>
-              </a:lnSpc>
               <a:buFont typeface="Arial" panose="020B0604020202020204" pitchFamily="34" charset="0"/>
               <a:buChar char="•"/>
             </a:pPr>
@@ -13213,64 +13728,39 @@
             </a:r>
             <a:r>
               <a:rPr lang="zh-CN" altLang="en-US" dirty="0" smtClean="0"/>
-              <a:t>核心思想：</a:t>
-            </a:r>
-            <a:r>
-              <a:rPr lang="zh-CN" altLang="en-US" b="1" dirty="0" smtClean="0">
-                <a:solidFill>
-                  <a:schemeClr val="accent2"/>
-                </a:solidFill>
-              </a:rPr>
-              <a:t>中心极限定理</a:t>
-            </a:r>
-            <a:endParaRPr lang="en-US" altLang="zh-CN" b="1" dirty="0" smtClean="0">
-              <a:solidFill>
-                <a:schemeClr val="accent2"/>
-              </a:solidFill>
-            </a:endParaRPr>
-          </a:p>
-          <a:p>
-            <a:pPr>
-              <a:lnSpc>
-                <a:spcPct val="150000"/>
-              </a:lnSpc>
-              <a:buFont typeface="Arial" panose="020B0604020202020204" pitchFamily="34" charset="0"/>
-              <a:buChar char="•"/>
-            </a:pPr>
-            <a:r>
-              <a:rPr lang="en-US" dirty="0"/>
-              <a:t> </a:t>
-            </a:r>
-            <a:r>
-              <a:rPr lang="zh-CN" altLang="en-US" dirty="0" smtClean="0"/>
-              <a:t>当样本量足够大时，样本均值近似服从正态分布</a:t>
-            </a:r>
-            <a:endParaRPr lang="en-US" altLang="zh-CN" dirty="0" smtClean="0"/>
-          </a:p>
-          <a:p>
-            <a:pPr>
-              <a:lnSpc>
-                <a:spcPct val="150000"/>
-              </a:lnSpc>
-              <a:buFont typeface="Arial" panose="020B0604020202020204" pitchFamily="34" charset="0"/>
-              <a:buChar char="•"/>
-            </a:pPr>
-            <a:r>
-              <a:rPr lang="en-US" dirty="0"/>
-              <a:t> </a:t>
-            </a:r>
-            <a:r>
-              <a:rPr lang="zh-CN" altLang="en-US" dirty="0" smtClean="0"/>
-              <a:t>推导出三种聚合函数的概率分布，然后获得置信区间</a:t>
-            </a:r>
-            <a:endParaRPr lang="en-US" altLang="zh-CN" dirty="0" smtClean="0"/>
+              <a:t>当数据分布不均的时候，随机采样算法容易“丢组”</a:t>
+            </a:r>
+            <a:endParaRPr lang="en-US" dirty="0"/>
           </a:p>
         </p:txBody>
       </p:sp>
+      <p:pic>
+        <p:nvPicPr>
+          <p:cNvPr id="4" name="Picture 3"/>
+          <p:cNvPicPr>
+            <a:picLocks noChangeAspect="1"/>
+          </p:cNvPicPr>
+          <p:nvPr/>
+        </p:nvPicPr>
+        <p:blipFill rotWithShape="1">
+          <a:blip r:embed="rId2"/>
+          <a:srcRect t="2495"/>
+          <a:stretch/>
+        </p:blipFill>
+        <p:spPr>
+          <a:xfrm>
+            <a:off x="1828754" y="2462275"/>
+            <a:ext cx="8030471" cy="4013398"/>
+          </a:xfrm>
+          <a:prstGeom prst="rect">
+            <a:avLst/>
+          </a:prstGeom>
+        </p:spPr>
+      </p:pic>
     </p:spTree>
     <p:extLst>
       <p:ext uri="{BB962C8B-B14F-4D97-AF65-F5344CB8AC3E}">
-        <p14:creationId xmlns:p14="http://schemas.microsoft.com/office/powerpoint/2010/main" val="1307717008"/>
+        <p14:creationId xmlns:p14="http://schemas.microsoft.com/office/powerpoint/2010/main" val="1674264443"/>
       </p:ext>
     </p:extLst>
   </p:cSld>

--- a/毕业论文答辩 交互式大数据分析系统.pptx
+++ b/毕业论文答辩 交互式大数据分析系统.pptx
@@ -24,9 +24,8 @@
     <p:sldId id="273" r:id="rId18"/>
     <p:sldId id="274" r:id="rId19"/>
     <p:sldId id="275" r:id="rId20"/>
-    <p:sldId id="276" r:id="rId21"/>
-    <p:sldId id="277" r:id="rId22"/>
-    <p:sldId id="278" r:id="rId23"/>
+    <p:sldId id="277" r:id="rId21"/>
+    <p:sldId id="278" r:id="rId22"/>
   </p:sldIdLst>
   <p:sldSz cx="12192000" cy="6858000"/>
   <p:notesSz cx="6858000" cy="9144000"/>
@@ -194,7 +193,6 @@
           </a:p>
         </c:rich>
       </c:tx>
-      <c:layout/>
       <c:overlay val="0"/>
       <c:spPr>
         <a:noFill/>
@@ -276,7 +274,6 @@
             <c:showLeaderLines val="0"/>
             <c:extLst>
               <c:ext xmlns:c15="http://schemas.microsoft.com/office/drawing/2012/chart" uri="{CE6537A1-D6FC-4f65-9D91-7224C49458BB}">
-                <c15:layout/>
                 <c15:showLeaderLines val="1"/>
                 <c15:leaderLines>
                   <c:spPr>
@@ -336,11 +333,11 @@
         </c:dLbls>
         <c:gapWidth val="219"/>
         <c:overlap val="-27"/>
-        <c:axId val="402184424"/>
-        <c:axId val="402189128"/>
+        <c:axId val="394347976"/>
+        <c:axId val="394349152"/>
       </c:barChart>
       <c:catAx>
-        <c:axId val="402184424"/>
+        <c:axId val="394347976"/>
         <c:scaling>
           <c:orientation val="minMax"/>
         </c:scaling>
@@ -383,7 +380,7 @@
             <a:endParaRPr lang="en-US"/>
           </a:p>
         </c:txPr>
-        <c:crossAx val="402189128"/>
+        <c:crossAx val="394349152"/>
         <c:crosses val="autoZero"/>
         <c:auto val="1"/>
         <c:lblAlgn val="ctr"/>
@@ -391,7 +388,7 @@
         <c:noMultiLvlLbl val="0"/>
       </c:catAx>
       <c:valAx>
-        <c:axId val="402189128"/>
+        <c:axId val="394349152"/>
         <c:scaling>
           <c:orientation val="minMax"/>
         </c:scaling>
@@ -442,7 +439,7 @@
             <a:endParaRPr lang="en-US"/>
           </a:p>
         </c:txPr>
-        <c:crossAx val="402184424"/>
+        <c:crossAx val="394347976"/>
         <c:crosses val="autoZero"/>
         <c:crossBetween val="between"/>
       </c:valAx>
@@ -456,7 +453,6 @@
     </c:plotArea>
     <c:legend>
       <c:legendPos val="r"/>
-      <c:layout/>
       <c:overlay val="0"/>
       <c:spPr>
         <a:noFill/>
@@ -564,7 +560,6 @@
           </a:p>
         </c:rich>
       </c:tx>
-      <c:layout/>
       <c:overlay val="0"/>
       <c:spPr>
         <a:noFill/>
@@ -666,7 +661,6 @@
             <c:showLeaderLines val="0"/>
             <c:extLst>
               <c:ext xmlns:c15="http://schemas.microsoft.com/office/drawing/2012/chart" uri="{CE6537A1-D6FC-4f65-9D91-7224C49458BB}">
-                <c15:layout/>
                 <c15:showLeaderLines val="1"/>
                 <c15:leaderLines>
                   <c:spPr>
@@ -785,7 +779,6 @@
             <c:showLeaderLines val="0"/>
             <c:extLst>
               <c:ext xmlns:c15="http://schemas.microsoft.com/office/drawing/2012/chart" uri="{CE6537A1-D6FC-4f65-9D91-7224C49458BB}">
-                <c15:layout/>
                 <c15:showLeaderLines val="1"/>
                 <c15:leaderLines>
                   <c:spPr>
@@ -851,11 +844,11 @@
         </c:dLbls>
         <c:gapWidth val="219"/>
         <c:overlap val="-27"/>
-        <c:axId val="402191088"/>
-        <c:axId val="402188344"/>
+        <c:axId val="394349936"/>
+        <c:axId val="394348760"/>
       </c:barChart>
       <c:catAx>
-        <c:axId val="402191088"/>
+        <c:axId val="394349936"/>
         <c:scaling>
           <c:orientation val="minMax"/>
         </c:scaling>
@@ -898,7 +891,7 @@
             <a:endParaRPr lang="en-US"/>
           </a:p>
         </c:txPr>
-        <c:crossAx val="402188344"/>
+        <c:crossAx val="394348760"/>
         <c:crosses val="autoZero"/>
         <c:auto val="1"/>
         <c:lblAlgn val="ctr"/>
@@ -906,7 +899,7 @@
         <c:noMultiLvlLbl val="0"/>
       </c:catAx>
       <c:valAx>
-        <c:axId val="402188344"/>
+        <c:axId val="394348760"/>
         <c:scaling>
           <c:orientation val="minMax"/>
         </c:scaling>
@@ -957,7 +950,7 @@
             <a:endParaRPr lang="en-US"/>
           </a:p>
         </c:txPr>
-        <c:crossAx val="402191088"/>
+        <c:crossAx val="394349936"/>
         <c:crosses val="autoZero"/>
         <c:crossBetween val="between"/>
       </c:valAx>
@@ -971,7 +964,6 @@
     </c:plotArea>
     <c:legend>
       <c:legendPos val="b"/>
-      <c:layout/>
       <c:overlay val="0"/>
       <c:spPr>
         <a:noFill/>
@@ -1075,7 +1067,6 @@
           </a:p>
         </c:rich>
       </c:tx>
-      <c:layout/>
       <c:overlay val="0"/>
       <c:spPr>
         <a:noFill/>
@@ -1176,7 +1167,6 @@
             <c:showLeaderLines val="0"/>
             <c:extLst>
               <c:ext xmlns:c15="http://schemas.microsoft.com/office/drawing/2012/chart" uri="{CE6537A1-D6FC-4f65-9D91-7224C49458BB}">
-                <c15:layout/>
                 <c15:showLeaderLines val="1"/>
                 <c15:leaderLines>
                   <c:spPr>
@@ -1295,7 +1285,6 @@
             <c:showLeaderLines val="0"/>
             <c:extLst>
               <c:ext xmlns:c15="http://schemas.microsoft.com/office/drawing/2012/chart" uri="{CE6537A1-D6FC-4f65-9D91-7224C49458BB}">
-                <c15:layout/>
                 <c15:showLeaderLines val="1"/>
                 <c15:leaderLines>
                   <c:spPr>
@@ -1361,11 +1350,11 @@
         </c:dLbls>
         <c:gapWidth val="219"/>
         <c:overlap val="-27"/>
-        <c:axId val="402185600"/>
-        <c:axId val="402185992"/>
+        <c:axId val="394350720"/>
+        <c:axId val="394347584"/>
       </c:barChart>
       <c:catAx>
-        <c:axId val="402185600"/>
+        <c:axId val="394350720"/>
         <c:scaling>
           <c:orientation val="minMax"/>
         </c:scaling>
@@ -1408,7 +1397,7 @@
             <a:endParaRPr lang="en-US"/>
           </a:p>
         </c:txPr>
-        <c:crossAx val="402185992"/>
+        <c:crossAx val="394347584"/>
         <c:crosses val="autoZero"/>
         <c:auto val="1"/>
         <c:lblAlgn val="ctr"/>
@@ -1416,7 +1405,7 @@
         <c:noMultiLvlLbl val="0"/>
       </c:catAx>
       <c:valAx>
-        <c:axId val="402185992"/>
+        <c:axId val="394347584"/>
         <c:scaling>
           <c:orientation val="minMax"/>
         </c:scaling>
@@ -1467,7 +1456,7 @@
             <a:endParaRPr lang="en-US"/>
           </a:p>
         </c:txPr>
-        <c:crossAx val="402185600"/>
+        <c:crossAx val="394350720"/>
         <c:crosses val="autoZero"/>
         <c:crossBetween val="between"/>
       </c:valAx>
@@ -1481,7 +1470,6 @@
     </c:plotArea>
     <c:legend>
       <c:legendPos val="b"/>
-      <c:layout/>
       <c:overlay val="0"/>
       <c:spPr>
         <a:noFill/>
@@ -5411,7 +5399,7 @@
           <a:p>
             <a:fld id="{3A5F2B64-BCAF-4891-9776-99A410A52B5D}" type="datetimeFigureOut">
               <a:rPr lang="en-US" smtClean="0"/>
-              <a:t>5/27/2016</a:t>
+              <a:t>5/30/2016</a:t>
             </a:fld>
             <a:endParaRPr lang="en-US"/>
           </a:p>
@@ -5619,7 +5607,7 @@
           <a:p>
             <a:fld id="{3A5F2B64-BCAF-4891-9776-99A410A52B5D}" type="datetimeFigureOut">
               <a:rPr lang="en-US" smtClean="0"/>
-              <a:t>5/27/2016</a:t>
+              <a:t>5/30/2016</a:t>
             </a:fld>
             <a:endParaRPr lang="en-US"/>
           </a:p>
@@ -5875,7 +5863,7 @@
           <a:p>
             <a:fld id="{3A5F2B64-BCAF-4891-9776-99A410A52B5D}" type="datetimeFigureOut">
               <a:rPr lang="en-US" smtClean="0"/>
-              <a:t>5/27/2016</a:t>
+              <a:t>5/30/2016</a:t>
             </a:fld>
             <a:endParaRPr lang="en-US"/>
           </a:p>
@@ -6085,7 +6073,7 @@
           <a:p>
             <a:fld id="{3A5F2B64-BCAF-4891-9776-99A410A52B5D}" type="datetimeFigureOut">
               <a:rPr lang="en-US" smtClean="0"/>
-              <a:t>5/27/2016</a:t>
+              <a:t>5/30/2016</a:t>
             </a:fld>
             <a:endParaRPr lang="en-US"/>
           </a:p>
@@ -6428,7 +6416,7 @@
           <a:p>
             <a:fld id="{3A5F2B64-BCAF-4891-9776-99A410A52B5D}" type="datetimeFigureOut">
               <a:rPr lang="en-US" smtClean="0"/>
-              <a:t>5/27/2016</a:t>
+              <a:t>5/30/2016</a:t>
             </a:fld>
             <a:endParaRPr lang="en-US"/>
           </a:p>
@@ -6703,7 +6691,7 @@
           <a:p>
             <a:fld id="{3A5F2B64-BCAF-4891-9776-99A410A52B5D}" type="datetimeFigureOut">
               <a:rPr lang="en-US" smtClean="0"/>
-              <a:t>5/27/2016</a:t>
+              <a:t>5/30/2016</a:t>
             </a:fld>
             <a:endParaRPr lang="en-US"/>
           </a:p>
@@ -7082,7 +7070,7 @@
           <a:p>
             <a:fld id="{3A5F2B64-BCAF-4891-9776-99A410A52B5D}" type="datetimeFigureOut">
               <a:rPr lang="en-US" smtClean="0"/>
-              <a:t>5/27/2016</a:t>
+              <a:t>5/30/2016</a:t>
             </a:fld>
             <a:endParaRPr lang="en-US"/>
           </a:p>
@@ -7200,7 +7188,7 @@
           <a:p>
             <a:fld id="{3A5F2B64-BCAF-4891-9776-99A410A52B5D}" type="datetimeFigureOut">
               <a:rPr lang="en-US" smtClean="0"/>
-              <a:t>5/27/2016</a:t>
+              <a:t>5/30/2016</a:t>
             </a:fld>
             <a:endParaRPr lang="en-US"/>
           </a:p>
@@ -7371,7 +7359,7 @@
           <a:p>
             <a:fld id="{3A5F2B64-BCAF-4891-9776-99A410A52B5D}" type="datetimeFigureOut">
               <a:rPr lang="en-US" smtClean="0"/>
-              <a:t>5/27/2016</a:t>
+              <a:t>5/30/2016</a:t>
             </a:fld>
             <a:endParaRPr lang="en-US"/>
           </a:p>
@@ -7725,7 +7713,7 @@
           <a:p>
             <a:fld id="{3A5F2B64-BCAF-4891-9776-99A410A52B5D}" type="datetimeFigureOut">
               <a:rPr lang="en-US" smtClean="0"/>
-              <a:t>5/27/2016</a:t>
+              <a:t>5/30/2016</a:t>
             </a:fld>
             <a:endParaRPr lang="en-US"/>
           </a:p>
@@ -8107,7 +8095,7 @@
           <a:p>
             <a:fld id="{3A5F2B64-BCAF-4891-9776-99A410A52B5D}" type="datetimeFigureOut">
               <a:rPr lang="en-US" smtClean="0"/>
-              <a:t>5/27/2016</a:t>
+              <a:t>5/30/2016</a:t>
             </a:fld>
             <a:endParaRPr lang="en-US"/>
           </a:p>
@@ -8394,7 +8382,7 @@
           <a:p>
             <a:fld id="{3A5F2B64-BCAF-4891-9776-99A410A52B5D}" type="datetimeFigureOut">
               <a:rPr lang="en-US" smtClean="0"/>
-              <a:t>5/27/2016</a:t>
+              <a:t>5/30/2016</a:t>
             </a:fld>
             <a:endParaRPr lang="en-US"/>
           </a:p>
@@ -11602,7 +11590,28 @@
                 <a:latin typeface="Microsoft YaHei" panose="020B0503020204020204" pitchFamily="34" charset="-122"/>
                 <a:ea typeface="Microsoft YaHei" panose="020B0503020204020204" pitchFamily="34" charset="-122"/>
               </a:rPr>
-              <a:t>于微软亚洲研究院实习期间完成</a:t>
+              <a:t>毕业设计期间于</a:t>
+            </a:r>
+            <a:r>
+              <a:rPr lang="zh-CN" altLang="en-US" sz="2400" dirty="0" smtClean="0">
+                <a:latin typeface="Microsoft YaHei" panose="020B0503020204020204" pitchFamily="34" charset="-122"/>
+                <a:ea typeface="Microsoft YaHei" panose="020B0503020204020204" pitchFamily="34" charset="-122"/>
+              </a:rPr>
+              <a:t>微软亚洲研究</a:t>
+            </a:r>
+            <a:r>
+              <a:rPr lang="zh-CN" altLang="en-US" sz="2400" dirty="0" smtClean="0">
+                <a:latin typeface="Microsoft YaHei" panose="020B0503020204020204" pitchFamily="34" charset="-122"/>
+                <a:ea typeface="Microsoft YaHei" panose="020B0503020204020204" pitchFamily="34" charset="-122"/>
+              </a:rPr>
+              <a:t>院完</a:t>
+            </a:r>
+            <a:r>
+              <a:rPr lang="zh-CN" altLang="en-US" sz="2400" dirty="0" smtClean="0">
+                <a:latin typeface="Microsoft YaHei" panose="020B0503020204020204" pitchFamily="34" charset="-122"/>
+                <a:ea typeface="Microsoft YaHei" panose="020B0503020204020204" pitchFamily="34" charset="-122"/>
+              </a:rPr>
+              <a:t>成</a:t>
             </a:r>
             <a:endParaRPr lang="en-US" altLang="zh-CN" sz="2400" dirty="0" smtClean="0">
               <a:latin typeface="Microsoft YaHei" panose="020B0503020204020204" pitchFamily="34" charset="-122"/>
@@ -11625,11 +11634,24 @@
               <a:t> </a:t>
             </a:r>
             <a:r>
-              <a:rPr lang="zh-CN" altLang="en-US" sz="2400" dirty="0" smtClean="0">
-                <a:latin typeface="Microsoft YaHei" panose="020B0503020204020204" pitchFamily="34" charset="-122"/>
-                <a:ea typeface="Microsoft YaHei" panose="020B0503020204020204" pitchFamily="34" charset="-122"/>
-              </a:rPr>
-              <a:t>屏蔽了部分保密信息</a:t>
+              <a:rPr lang="zh-CN" altLang="en-US" dirty="0"/>
+              <a:t>有关商业秘密的内</a:t>
+            </a:r>
+            <a:r>
+              <a:rPr lang="zh-CN" altLang="en-US" dirty="0" smtClean="0"/>
+              <a:t>容</a:t>
+            </a:r>
+            <a:r>
+              <a:rPr lang="zh-CN" altLang="en-US" dirty="0"/>
+              <a:t>不</a:t>
+            </a:r>
+            <a:r>
+              <a:rPr lang="zh-CN" altLang="en-US" dirty="0" smtClean="0"/>
+              <a:t>便给</a:t>
+            </a:r>
+            <a:r>
+              <a:rPr lang="zh-CN" altLang="en-US" dirty="0"/>
+              <a:t>出</a:t>
             </a:r>
             <a:endParaRPr lang="en-US" sz="2400" dirty="0">
               <a:latin typeface="Microsoft YaHei" panose="020B0503020204020204" pitchFamily="34" charset="-122"/>
@@ -11675,107 +11697,6 @@
             <a:spLocks noGrp="1"/>
           </p:cNvSpPr>
           <p:nvPr>
-            <p:ph type="title"/>
-          </p:nvPr>
-        </p:nvSpPr>
-        <p:spPr/>
-        <p:txBody>
-          <a:bodyPr/>
-          <a:lstStyle/>
-          <a:p>
-            <a:r>
-              <a:rPr lang="en-US" dirty="0" smtClean="0"/>
-              <a:t>Q&amp;A</a:t>
-            </a:r>
-            <a:endParaRPr lang="en-US" dirty="0"/>
-          </a:p>
-        </p:txBody>
-      </p:sp>
-      <p:pic>
-        <p:nvPicPr>
-          <p:cNvPr id="1032" name="Picture 8" descr="https://markb4.files.wordpress.com/2013/06/raise-hand.jpg"/>
-          <p:cNvPicPr>
-            <a:picLocks noChangeAspect="1" noChangeArrowheads="1"/>
-          </p:cNvPicPr>
-          <p:nvPr/>
-        </p:nvPicPr>
-        <p:blipFill>
-          <a:blip r:embed="rId2">
-            <a:extLst>
-              <a:ext uri="{28A0092B-C50C-407E-A947-70E740481C1C}">
-                <a14:useLocalDpi xmlns:a14="http://schemas.microsoft.com/office/drawing/2010/main" val="0"/>
-              </a:ext>
-            </a:extLst>
-          </a:blip>
-          <a:srcRect/>
-          <a:stretch>
-            <a:fillRect/>
-          </a:stretch>
-        </p:blipFill>
-        <p:spPr bwMode="auto">
-          <a:xfrm>
-            <a:off x="3840480" y="2778313"/>
-            <a:ext cx="4572000" cy="2590800"/>
-          </a:xfrm>
-          <a:prstGeom prst="rect">
-            <a:avLst/>
-          </a:prstGeom>
-          <a:noFill/>
-          <a:extLst>
-            <a:ext uri="{909E8E84-426E-40DD-AFC4-6F175D3DCCD1}">
-              <a14:hiddenFill xmlns:a14="http://schemas.microsoft.com/office/drawing/2010/main">
-                <a:solidFill>
-                  <a:srgbClr val="FFFFFF"/>
-                </a:solidFill>
-              </a14:hiddenFill>
-            </a:ext>
-          </a:extLst>
-        </p:spPr>
-      </p:pic>
-    </p:spTree>
-    <p:extLst>
-      <p:ext uri="{BB962C8B-B14F-4D97-AF65-F5344CB8AC3E}">
-        <p14:creationId xmlns:p14="http://schemas.microsoft.com/office/powerpoint/2010/main" val="3711466385"/>
-      </p:ext>
-    </p:extLst>
-  </p:cSld>
-  <p:clrMapOvr>
-    <a:masterClrMapping/>
-  </p:clrMapOvr>
-  <p:timing>
-    <p:tnLst>
-      <p:par>
-        <p:cTn id="1" dur="indefinite" restart="never" nodeType="tmRoot"/>
-      </p:par>
-    </p:tnLst>
-  </p:timing>
-</p:sld>
-</file>
-
-<file path=ppt/slides/slide21.xml><?xml version="1.0" encoding="utf-8"?>
-<p:sld xmlns:a="http://schemas.openxmlformats.org/drawingml/2006/main" xmlns:r="http://schemas.openxmlformats.org/officeDocument/2006/relationships" xmlns:p="http://schemas.openxmlformats.org/presentationml/2006/main">
-  <p:cSld>
-    <p:spTree>
-      <p:nvGrpSpPr>
-        <p:cNvPr id="1" name=""/>
-        <p:cNvGrpSpPr/>
-        <p:nvPr/>
-      </p:nvGrpSpPr>
-      <p:grpSpPr>
-        <a:xfrm>
-          <a:off x="0" y="0"/>
-          <a:ext cx="0" cy="0"/>
-          <a:chOff x="0" y="0"/>
-          <a:chExt cx="0" cy="0"/>
-        </a:xfrm>
-      </p:grpSpPr>
-      <p:sp>
-        <p:nvSpPr>
-          <p:cNvPr id="2" name="Title 1"/>
-          <p:cNvSpPr>
-            <a:spLocks noGrp="1"/>
-          </p:cNvSpPr>
-          <p:nvPr>
             <p:ph type="ctrTitle"/>
           </p:nvPr>
         </p:nvSpPr>
@@ -11847,7 +11768,7 @@
 </p:sld>
 </file>
 
-<file path=ppt/slides/slide22.xml><?xml version="1.0" encoding="utf-8"?>
+<file path=ppt/slides/slide21.xml><?xml version="1.0" encoding="utf-8"?>
 <p:sld xmlns:a="http://schemas.openxmlformats.org/drawingml/2006/main" xmlns:r="http://schemas.openxmlformats.org/officeDocument/2006/relationships" xmlns:p="http://schemas.openxmlformats.org/presentationml/2006/main">
   <p:cSld>
     <p:spTree>
@@ -13337,8 +13258,8 @@
         </p:nvSpPr>
         <p:spPr>
           <a:xfrm>
-            <a:off x="970531" y="4544840"/>
-            <a:ext cx="10311897" cy="800219"/>
+            <a:off x="970531" y="4182702"/>
+            <a:ext cx="10311897" cy="1661993"/>
           </a:xfrm>
           <a:prstGeom prst="rect">
             <a:avLst/>
@@ -13352,6 +13273,9 @@
           <a:lstStyle/>
           <a:p>
             <a:pPr marL="285750" indent="-285750">
+              <a:lnSpc>
+                <a:spcPct val="150000"/>
+              </a:lnSpc>
               <a:buFont typeface="Arial" panose="020B0604020202020204" pitchFamily="34" charset="0"/>
               <a:buChar char="•"/>
             </a:pPr>
@@ -13363,11 +13287,47 @@
                 <a:latin typeface="Microsoft YaHei" panose="020B0503020204020204" pitchFamily="34" charset="-122"/>
                 <a:ea typeface="Microsoft YaHei" panose="020B0503020204020204" pitchFamily="34" charset="-122"/>
               </a:rPr>
-              <a:t>对于决策者而言，他们只需要“大概精确”的结果就可以了！</a:t>
-            </a:r>
-            <a:endParaRPr lang="en-US" sz="2800" dirty="0" smtClean="0">
+              <a:t>对于决策者而言，他们只需要“大概精确”的结果就可以</a:t>
+            </a:r>
+            <a:r>
+              <a:rPr lang="zh-CN" altLang="en-US" sz="2800" dirty="0" smtClean="0">
+                <a:solidFill>
+                  <a:schemeClr val="accent2"/>
+                </a:solidFill>
+                <a:latin typeface="Microsoft YaHei" panose="020B0503020204020204" pitchFamily="34" charset="-122"/>
+                <a:ea typeface="Microsoft YaHei" panose="020B0503020204020204" pitchFamily="34" charset="-122"/>
+              </a:rPr>
+              <a:t>了！</a:t>
+            </a:r>
+            <a:endParaRPr lang="en-US" altLang="zh-CN" sz="2800" dirty="0">
               <a:solidFill>
                 <a:schemeClr val="accent2"/>
+              </a:solidFill>
+              <a:latin typeface="Microsoft YaHei" panose="020B0503020204020204" pitchFamily="34" charset="-122"/>
+              <a:ea typeface="Microsoft YaHei" panose="020B0503020204020204" pitchFamily="34" charset="-122"/>
+            </a:endParaRPr>
+          </a:p>
+          <a:p>
+            <a:pPr marL="285750" indent="-285750">
+              <a:lnSpc>
+                <a:spcPct val="150000"/>
+              </a:lnSpc>
+              <a:buFont typeface="Arial" panose="020B0604020202020204" pitchFamily="34" charset="0"/>
+              <a:buChar char="•"/>
+            </a:pPr>
+            <a:r>
+              <a:rPr lang="zh-CN" altLang="en-US" sz="2800" b="1" dirty="0" smtClean="0">
+                <a:solidFill>
+                  <a:schemeClr val="accent1"/>
+                </a:solidFill>
+                <a:latin typeface="Microsoft YaHei" panose="020B0503020204020204" pitchFamily="34" charset="-122"/>
+                <a:ea typeface="Microsoft YaHei" panose="020B0503020204020204" pitchFamily="34" charset="-122"/>
+              </a:rPr>
+              <a:t>核心设计思想：牺牲精度，换取时间</a:t>
+            </a:r>
+            <a:endParaRPr lang="en-US" sz="2800" b="1" dirty="0" smtClean="0">
+              <a:solidFill>
+                <a:schemeClr val="accent1"/>
               </a:solidFill>
               <a:latin typeface="Microsoft YaHei" panose="020B0503020204020204" pitchFamily="34" charset="-122"/>
               <a:ea typeface="Microsoft YaHei" panose="020B0503020204020204" pitchFamily="34" charset="-122"/>

--- a/毕业论文答辩 交互式大数据分析系统.pptx
+++ b/毕业论文答辩 交互式大数据分析系统.pptx
@@ -333,11 +333,11 @@
         </c:dLbls>
         <c:gapWidth val="219"/>
         <c:overlap val="-27"/>
-        <c:axId val="394347976"/>
-        <c:axId val="394349152"/>
+        <c:axId val="362492232"/>
+        <c:axId val="362493800"/>
       </c:barChart>
       <c:catAx>
-        <c:axId val="394347976"/>
+        <c:axId val="362492232"/>
         <c:scaling>
           <c:orientation val="minMax"/>
         </c:scaling>
@@ -380,7 +380,7 @@
             <a:endParaRPr lang="en-US"/>
           </a:p>
         </c:txPr>
-        <c:crossAx val="394349152"/>
+        <c:crossAx val="362493800"/>
         <c:crosses val="autoZero"/>
         <c:auto val="1"/>
         <c:lblAlgn val="ctr"/>
@@ -388,7 +388,7 @@
         <c:noMultiLvlLbl val="0"/>
       </c:catAx>
       <c:valAx>
-        <c:axId val="394349152"/>
+        <c:axId val="362493800"/>
         <c:scaling>
           <c:orientation val="minMax"/>
         </c:scaling>
@@ -439,7 +439,7 @@
             <a:endParaRPr lang="en-US"/>
           </a:p>
         </c:txPr>
-        <c:crossAx val="394347976"/>
+        <c:crossAx val="362492232"/>
         <c:crosses val="autoZero"/>
         <c:crossBetween val="between"/>
       </c:valAx>
@@ -844,11 +844,11 @@
         </c:dLbls>
         <c:gapWidth val="219"/>
         <c:overlap val="-27"/>
-        <c:axId val="394349936"/>
-        <c:axId val="394348760"/>
+        <c:axId val="362498896"/>
+        <c:axId val="362496544"/>
       </c:barChart>
       <c:catAx>
-        <c:axId val="394349936"/>
+        <c:axId val="362498896"/>
         <c:scaling>
           <c:orientation val="minMax"/>
         </c:scaling>
@@ -891,7 +891,7 @@
             <a:endParaRPr lang="en-US"/>
           </a:p>
         </c:txPr>
-        <c:crossAx val="394348760"/>
+        <c:crossAx val="362496544"/>
         <c:crosses val="autoZero"/>
         <c:auto val="1"/>
         <c:lblAlgn val="ctr"/>
@@ -899,7 +899,7 @@
         <c:noMultiLvlLbl val="0"/>
       </c:catAx>
       <c:valAx>
-        <c:axId val="394348760"/>
+        <c:axId val="362496544"/>
         <c:scaling>
           <c:orientation val="minMax"/>
         </c:scaling>
@@ -950,7 +950,7 @@
             <a:endParaRPr lang="en-US"/>
           </a:p>
         </c:txPr>
-        <c:crossAx val="394349936"/>
+        <c:crossAx val="362498896"/>
         <c:crosses val="autoZero"/>
         <c:crossBetween val="between"/>
       </c:valAx>
@@ -1350,11 +1350,11 @@
         </c:dLbls>
         <c:gapWidth val="219"/>
         <c:overlap val="-27"/>
-        <c:axId val="394350720"/>
-        <c:axId val="394347584"/>
+        <c:axId val="362494192"/>
+        <c:axId val="362493408"/>
       </c:barChart>
       <c:catAx>
-        <c:axId val="394350720"/>
+        <c:axId val="362494192"/>
         <c:scaling>
           <c:orientation val="minMax"/>
         </c:scaling>
@@ -1397,7 +1397,7 @@
             <a:endParaRPr lang="en-US"/>
           </a:p>
         </c:txPr>
-        <c:crossAx val="394347584"/>
+        <c:crossAx val="362493408"/>
         <c:crosses val="autoZero"/>
         <c:auto val="1"/>
         <c:lblAlgn val="ctr"/>
@@ -1405,7 +1405,7 @@
         <c:noMultiLvlLbl val="0"/>
       </c:catAx>
       <c:valAx>
-        <c:axId val="394347584"/>
+        <c:axId val="362493408"/>
         <c:scaling>
           <c:orientation val="minMax"/>
         </c:scaling>
@@ -1456,7 +1456,7 @@
             <a:endParaRPr lang="en-US"/>
           </a:p>
         </c:txPr>
-        <c:crossAx val="394350720"/>
+        <c:crossAx val="362494192"/>
         <c:crosses val="autoZero"/>
         <c:crossBetween val="between"/>
       </c:valAx>
@@ -3614,381 +3614,6 @@
       <dsp:cNvGrpSpPr/>
     </dsp:nvGrpSpPr>
     <dsp:grpSpPr/>
-    <dsp:sp modelId="{DBD18C5E-90D2-4385-BCB3-B129D25161EC}">
-      <dsp:nvSpPr>
-        <dsp:cNvPr id="0" name=""/>
-        <dsp:cNvSpPr/>
-      </dsp:nvSpPr>
-      <dsp:spPr>
-        <a:xfrm>
-          <a:off x="7143" y="43022"/>
-          <a:ext cx="2135187" cy="1281112"/>
-        </a:xfrm>
-        <a:prstGeom prst="roundRect">
-          <a:avLst>
-            <a:gd name="adj" fmla="val 10000"/>
-          </a:avLst>
-        </a:prstGeom>
-        <a:solidFill>
-          <a:schemeClr val="accent1">
-            <a:hueOff val="0"/>
-            <a:satOff val="0"/>
-            <a:lumOff val="0"/>
-            <a:alphaOff val="0"/>
-          </a:schemeClr>
-        </a:solidFill>
-        <a:ln w="15875" cap="flat" cmpd="sng" algn="ctr">
-          <a:solidFill>
-            <a:schemeClr val="lt1">
-              <a:hueOff val="0"/>
-              <a:satOff val="0"/>
-              <a:lumOff val="0"/>
-              <a:alphaOff val="0"/>
-            </a:schemeClr>
-          </a:solidFill>
-          <a:prstDash val="solid"/>
-        </a:ln>
-        <a:effectLst/>
-      </dsp:spPr>
-      <dsp:style>
-        <a:lnRef idx="2">
-          <a:scrgbClr r="0" g="0" b="0"/>
-        </a:lnRef>
-        <a:fillRef idx="1">
-          <a:scrgbClr r="0" g="0" b="0"/>
-        </a:fillRef>
-        <a:effectRef idx="0">
-          <a:scrgbClr r="0" g="0" b="0"/>
-        </a:effectRef>
-        <a:fontRef idx="minor">
-          <a:schemeClr val="lt1"/>
-        </a:fontRef>
-      </dsp:style>
-      <dsp:txBody>
-        <a:bodyPr spcFirstLastPara="0" vert="horz" wrap="square" lIns="106680" tIns="106680" rIns="106680" bIns="106680" numCol="1" spcCol="1270" anchor="ctr" anchorCtr="0">
-          <a:noAutofit/>
-        </a:bodyPr>
-        <a:lstStyle/>
-        <a:p>
-          <a:pPr lvl="0" algn="ctr" defTabSz="1244600">
-            <a:lnSpc>
-              <a:spcPct val="90000"/>
-            </a:lnSpc>
-            <a:spcBef>
-              <a:spcPct val="0"/>
-            </a:spcBef>
-            <a:spcAft>
-              <a:spcPct val="35000"/>
-            </a:spcAft>
-          </a:pPr>
-          <a:r>
-            <a:rPr lang="zh-CN" altLang="en-US" sz="2800" kern="1200" dirty="0" smtClean="0"/>
-            <a:t>创建样本</a:t>
-          </a:r>
-          <a:endParaRPr lang="en-US" sz="2800" kern="1200" dirty="0"/>
-        </a:p>
-      </dsp:txBody>
-      <dsp:txXfrm>
-        <a:off x="44665" y="80544"/>
-        <a:ext cx="2060143" cy="1206068"/>
-      </dsp:txXfrm>
-    </dsp:sp>
-    <dsp:sp modelId="{31B978FC-5E24-408A-AC6A-3096BA4CEE8D}">
-      <dsp:nvSpPr>
-        <dsp:cNvPr id="0" name=""/>
-        <dsp:cNvSpPr/>
-      </dsp:nvSpPr>
-      <dsp:spPr>
-        <a:xfrm>
-          <a:off x="2355850" y="418815"/>
-          <a:ext cx="452659" cy="529526"/>
-        </a:xfrm>
-        <a:prstGeom prst="rightArrow">
-          <a:avLst>
-            <a:gd name="adj1" fmla="val 60000"/>
-            <a:gd name="adj2" fmla="val 50000"/>
-          </a:avLst>
-        </a:prstGeom>
-        <a:solidFill>
-          <a:schemeClr val="accent1">
-            <a:tint val="60000"/>
-            <a:hueOff val="0"/>
-            <a:satOff val="0"/>
-            <a:lumOff val="0"/>
-            <a:alphaOff val="0"/>
-          </a:schemeClr>
-        </a:solidFill>
-        <a:ln>
-          <a:noFill/>
-        </a:ln>
-        <a:effectLst/>
-      </dsp:spPr>
-      <dsp:style>
-        <a:lnRef idx="0">
-          <a:scrgbClr r="0" g="0" b="0"/>
-        </a:lnRef>
-        <a:fillRef idx="1">
-          <a:scrgbClr r="0" g="0" b="0"/>
-        </a:fillRef>
-        <a:effectRef idx="0">
-          <a:scrgbClr r="0" g="0" b="0"/>
-        </a:effectRef>
-        <a:fontRef idx="minor">
-          <a:schemeClr val="lt1"/>
-        </a:fontRef>
-      </dsp:style>
-      <dsp:txBody>
-        <a:bodyPr spcFirstLastPara="0" vert="horz" wrap="square" lIns="0" tIns="0" rIns="0" bIns="0" numCol="1" spcCol="1270" anchor="ctr" anchorCtr="0">
-          <a:noAutofit/>
-        </a:bodyPr>
-        <a:lstStyle/>
-        <a:p>
-          <a:pPr lvl="0" algn="ctr" defTabSz="977900">
-            <a:lnSpc>
-              <a:spcPct val="90000"/>
-            </a:lnSpc>
-            <a:spcBef>
-              <a:spcPct val="0"/>
-            </a:spcBef>
-            <a:spcAft>
-              <a:spcPct val="35000"/>
-            </a:spcAft>
-          </a:pPr>
-          <a:endParaRPr lang="en-US" sz="2200" kern="1200"/>
-        </a:p>
-      </dsp:txBody>
-      <dsp:txXfrm>
-        <a:off x="2355850" y="524720"/>
-        <a:ext cx="316861" cy="317716"/>
-      </dsp:txXfrm>
-    </dsp:sp>
-    <dsp:sp modelId="{7E87DED9-B82E-4C4E-B82C-718D16C58520}">
-      <dsp:nvSpPr>
-        <dsp:cNvPr id="0" name=""/>
-        <dsp:cNvSpPr/>
-      </dsp:nvSpPr>
-      <dsp:spPr>
-        <a:xfrm>
-          <a:off x="2996406" y="43022"/>
-          <a:ext cx="2135187" cy="1281112"/>
-        </a:xfrm>
-        <a:prstGeom prst="roundRect">
-          <a:avLst>
-            <a:gd name="adj" fmla="val 10000"/>
-          </a:avLst>
-        </a:prstGeom>
-        <a:solidFill>
-          <a:schemeClr val="accent1">
-            <a:hueOff val="0"/>
-            <a:satOff val="0"/>
-            <a:lumOff val="0"/>
-            <a:alphaOff val="0"/>
-          </a:schemeClr>
-        </a:solidFill>
-        <a:ln w="15875" cap="flat" cmpd="sng" algn="ctr">
-          <a:solidFill>
-            <a:schemeClr val="lt1">
-              <a:hueOff val="0"/>
-              <a:satOff val="0"/>
-              <a:lumOff val="0"/>
-              <a:alphaOff val="0"/>
-            </a:schemeClr>
-          </a:solidFill>
-          <a:prstDash val="solid"/>
-        </a:ln>
-        <a:effectLst/>
-      </dsp:spPr>
-      <dsp:style>
-        <a:lnRef idx="2">
-          <a:scrgbClr r="0" g="0" b="0"/>
-        </a:lnRef>
-        <a:fillRef idx="1">
-          <a:scrgbClr r="0" g="0" b="0"/>
-        </a:fillRef>
-        <a:effectRef idx="0">
-          <a:scrgbClr r="0" g="0" b="0"/>
-        </a:effectRef>
-        <a:fontRef idx="minor">
-          <a:schemeClr val="lt1"/>
-        </a:fontRef>
-      </dsp:style>
-      <dsp:txBody>
-        <a:bodyPr spcFirstLastPara="0" vert="horz" wrap="square" lIns="106680" tIns="106680" rIns="106680" bIns="106680" numCol="1" spcCol="1270" anchor="ctr" anchorCtr="0">
-          <a:noAutofit/>
-        </a:bodyPr>
-        <a:lstStyle/>
-        <a:p>
-          <a:pPr lvl="0" algn="ctr" defTabSz="1244600">
-            <a:lnSpc>
-              <a:spcPct val="90000"/>
-            </a:lnSpc>
-            <a:spcBef>
-              <a:spcPct val="0"/>
-            </a:spcBef>
-            <a:spcAft>
-              <a:spcPct val="35000"/>
-            </a:spcAft>
-          </a:pPr>
-          <a:r>
-            <a:rPr lang="zh-CN" altLang="en-US" sz="2800" kern="1200" dirty="0" smtClean="0"/>
-            <a:t>探索查询（秒级）</a:t>
-          </a:r>
-          <a:endParaRPr lang="en-US" sz="2800" kern="1200" dirty="0"/>
-        </a:p>
-      </dsp:txBody>
-      <dsp:txXfrm>
-        <a:off x="3033928" y="80544"/>
-        <a:ext cx="2060143" cy="1206068"/>
-      </dsp:txXfrm>
-    </dsp:sp>
-    <dsp:sp modelId="{3BAECF52-D91D-4C80-BBBF-878B6D6031B4}">
-      <dsp:nvSpPr>
-        <dsp:cNvPr id="0" name=""/>
-        <dsp:cNvSpPr/>
-      </dsp:nvSpPr>
-      <dsp:spPr>
-        <a:xfrm>
-          <a:off x="5345112" y="418815"/>
-          <a:ext cx="452659" cy="529526"/>
-        </a:xfrm>
-        <a:prstGeom prst="rightArrow">
-          <a:avLst>
-            <a:gd name="adj1" fmla="val 60000"/>
-            <a:gd name="adj2" fmla="val 50000"/>
-          </a:avLst>
-        </a:prstGeom>
-        <a:solidFill>
-          <a:schemeClr val="accent1">
-            <a:tint val="60000"/>
-            <a:hueOff val="0"/>
-            <a:satOff val="0"/>
-            <a:lumOff val="0"/>
-            <a:alphaOff val="0"/>
-          </a:schemeClr>
-        </a:solidFill>
-        <a:ln>
-          <a:noFill/>
-        </a:ln>
-        <a:effectLst/>
-      </dsp:spPr>
-      <dsp:style>
-        <a:lnRef idx="0">
-          <a:scrgbClr r="0" g="0" b="0"/>
-        </a:lnRef>
-        <a:fillRef idx="1">
-          <a:scrgbClr r="0" g="0" b="0"/>
-        </a:fillRef>
-        <a:effectRef idx="0">
-          <a:scrgbClr r="0" g="0" b="0"/>
-        </a:effectRef>
-        <a:fontRef idx="minor">
-          <a:schemeClr val="lt1"/>
-        </a:fontRef>
-      </dsp:style>
-      <dsp:txBody>
-        <a:bodyPr spcFirstLastPara="0" vert="horz" wrap="square" lIns="0" tIns="0" rIns="0" bIns="0" numCol="1" spcCol="1270" anchor="ctr" anchorCtr="0">
-          <a:noAutofit/>
-        </a:bodyPr>
-        <a:lstStyle/>
-        <a:p>
-          <a:pPr lvl="0" algn="ctr" defTabSz="977900">
-            <a:lnSpc>
-              <a:spcPct val="90000"/>
-            </a:lnSpc>
-            <a:spcBef>
-              <a:spcPct val="0"/>
-            </a:spcBef>
-            <a:spcAft>
-              <a:spcPct val="35000"/>
-            </a:spcAft>
-          </a:pPr>
-          <a:endParaRPr lang="en-US" sz="2200" kern="1200"/>
-        </a:p>
-      </dsp:txBody>
-      <dsp:txXfrm>
-        <a:off x="5345112" y="524720"/>
-        <a:ext cx="316861" cy="317716"/>
-      </dsp:txXfrm>
-    </dsp:sp>
-    <dsp:sp modelId="{98CEBC32-BB00-4A7D-A55F-2F4CD992E347}">
-      <dsp:nvSpPr>
-        <dsp:cNvPr id="0" name=""/>
-        <dsp:cNvSpPr/>
-      </dsp:nvSpPr>
-      <dsp:spPr>
-        <a:xfrm>
-          <a:off x="5985668" y="43022"/>
-          <a:ext cx="2135187" cy="1281112"/>
-        </a:xfrm>
-        <a:prstGeom prst="roundRect">
-          <a:avLst>
-            <a:gd name="adj" fmla="val 10000"/>
-          </a:avLst>
-        </a:prstGeom>
-        <a:solidFill>
-          <a:schemeClr val="accent1">
-            <a:hueOff val="0"/>
-            <a:satOff val="0"/>
-            <a:lumOff val="0"/>
-            <a:alphaOff val="0"/>
-          </a:schemeClr>
-        </a:solidFill>
-        <a:ln w="15875" cap="flat" cmpd="sng" algn="ctr">
-          <a:solidFill>
-            <a:schemeClr val="lt1">
-              <a:hueOff val="0"/>
-              <a:satOff val="0"/>
-              <a:lumOff val="0"/>
-              <a:alphaOff val="0"/>
-            </a:schemeClr>
-          </a:solidFill>
-          <a:prstDash val="solid"/>
-        </a:ln>
-        <a:effectLst/>
-      </dsp:spPr>
-      <dsp:style>
-        <a:lnRef idx="2">
-          <a:scrgbClr r="0" g="0" b="0"/>
-        </a:lnRef>
-        <a:fillRef idx="1">
-          <a:scrgbClr r="0" g="0" b="0"/>
-        </a:fillRef>
-        <a:effectRef idx="0">
-          <a:scrgbClr r="0" g="0" b="0"/>
-        </a:effectRef>
-        <a:fontRef idx="minor">
-          <a:schemeClr val="lt1"/>
-        </a:fontRef>
-      </dsp:style>
-      <dsp:txBody>
-        <a:bodyPr spcFirstLastPara="0" vert="horz" wrap="square" lIns="106680" tIns="106680" rIns="106680" bIns="106680" numCol="1" spcCol="1270" anchor="ctr" anchorCtr="0">
-          <a:noAutofit/>
-        </a:bodyPr>
-        <a:lstStyle/>
-        <a:p>
-          <a:pPr lvl="0" algn="ctr" defTabSz="1244600">
-            <a:lnSpc>
-              <a:spcPct val="90000"/>
-            </a:lnSpc>
-            <a:spcBef>
-              <a:spcPct val="0"/>
-            </a:spcBef>
-            <a:spcAft>
-              <a:spcPct val="35000"/>
-            </a:spcAft>
-          </a:pPr>
-          <a:r>
-            <a:rPr lang="zh-CN" altLang="en-US" sz="2800" kern="1200" dirty="0" smtClean="0"/>
-            <a:t>大数据验证（小时级）</a:t>
-          </a:r>
-          <a:endParaRPr lang="en-US" sz="2800" kern="1200" dirty="0"/>
-        </a:p>
-      </dsp:txBody>
-      <dsp:txXfrm>
-        <a:off x="6023190" y="80544"/>
-        <a:ext cx="2060143" cy="1206068"/>
-      </dsp:txXfrm>
-    </dsp:sp>
   </dsp:spTree>
 </dsp:drawing>
 </file>
@@ -11579,63 +11204,12 @@
               <a:buChar char="•"/>
             </a:pPr>
             <a:r>
-              <a:rPr lang="en-US" sz="2400" dirty="0">
-                <a:latin typeface="Microsoft YaHei" panose="020B0503020204020204" pitchFamily="34" charset="-122"/>
-                <a:ea typeface="Microsoft YaHei" panose="020B0503020204020204" pitchFamily="34" charset="-122"/>
-              </a:rPr>
-              <a:t> </a:t>
-            </a:r>
-            <a:r>
-              <a:rPr lang="zh-CN" altLang="en-US" sz="2400" dirty="0" smtClean="0">
-                <a:latin typeface="Microsoft YaHei" panose="020B0503020204020204" pitchFamily="34" charset="-122"/>
-                <a:ea typeface="Microsoft YaHei" panose="020B0503020204020204" pitchFamily="34" charset="-122"/>
-              </a:rPr>
-              <a:t>毕业设计期间于</a:t>
-            </a:r>
-            <a:r>
-              <a:rPr lang="zh-CN" altLang="en-US" sz="2400" dirty="0" smtClean="0">
-                <a:latin typeface="Microsoft YaHei" panose="020B0503020204020204" pitchFamily="34" charset="-122"/>
-                <a:ea typeface="Microsoft YaHei" panose="020B0503020204020204" pitchFamily="34" charset="-122"/>
-              </a:rPr>
-              <a:t>微软亚洲研究</a:t>
-            </a:r>
-            <a:r>
-              <a:rPr lang="zh-CN" altLang="en-US" sz="2400" dirty="0" smtClean="0">
-                <a:latin typeface="Microsoft YaHei" panose="020B0503020204020204" pitchFamily="34" charset="-122"/>
-                <a:ea typeface="Microsoft YaHei" panose="020B0503020204020204" pitchFamily="34" charset="-122"/>
-              </a:rPr>
-              <a:t>院完</a:t>
-            </a:r>
-            <a:r>
-              <a:rPr lang="zh-CN" altLang="en-US" sz="2400" dirty="0" smtClean="0">
-                <a:latin typeface="Microsoft YaHei" panose="020B0503020204020204" pitchFamily="34" charset="-122"/>
-                <a:ea typeface="Microsoft YaHei" panose="020B0503020204020204" pitchFamily="34" charset="-122"/>
-              </a:rPr>
-              <a:t>成</a:t>
-            </a:r>
-            <a:endParaRPr lang="en-US" altLang="zh-CN" sz="2400" dirty="0" smtClean="0">
-              <a:latin typeface="Microsoft YaHei" panose="020B0503020204020204" pitchFamily="34" charset="-122"/>
-              <a:ea typeface="Microsoft YaHei" panose="020B0503020204020204" pitchFamily="34" charset="-122"/>
-            </a:endParaRPr>
-          </a:p>
-          <a:p>
-            <a:pPr>
-              <a:lnSpc>
-                <a:spcPct val="150000"/>
-              </a:lnSpc>
-              <a:buFont typeface="Arial" panose="020B0604020202020204" pitchFamily="34" charset="0"/>
-              <a:buChar char="•"/>
-            </a:pPr>
-            <a:r>
-              <a:rPr lang="en-US" sz="2400" dirty="0">
-                <a:latin typeface="Microsoft YaHei" panose="020B0503020204020204" pitchFamily="34" charset="-122"/>
-                <a:ea typeface="Microsoft YaHei" panose="020B0503020204020204" pitchFamily="34" charset="-122"/>
-              </a:rPr>
-              <a:t> </a:t>
+              <a:rPr lang="zh-CN" altLang="en-US" dirty="0" smtClean="0"/>
+              <a:t> 有</a:t>
             </a:r>
             <a:r>
               <a:rPr lang="zh-CN" altLang="en-US" dirty="0"/>
-              <a:t>有关商业秘密的内</a:t>
+              <a:t>关商业秘密的内</a:t>
             </a:r>
             <a:r>
               <a:rPr lang="zh-CN" altLang="en-US" dirty="0" smtClean="0"/>
@@ -13287,17 +12861,7 @@
                 <a:latin typeface="Microsoft YaHei" panose="020B0503020204020204" pitchFamily="34" charset="-122"/>
                 <a:ea typeface="Microsoft YaHei" panose="020B0503020204020204" pitchFamily="34" charset="-122"/>
               </a:rPr>
-              <a:t>对于决策者而言，他们只需要“大概精确”的结果就可以</a:t>
-            </a:r>
-            <a:r>
-              <a:rPr lang="zh-CN" altLang="en-US" sz="2800" dirty="0" smtClean="0">
-                <a:solidFill>
-                  <a:schemeClr val="accent2"/>
-                </a:solidFill>
-                <a:latin typeface="Microsoft YaHei" panose="020B0503020204020204" pitchFamily="34" charset="-122"/>
-                <a:ea typeface="Microsoft YaHei" panose="020B0503020204020204" pitchFamily="34" charset="-122"/>
-              </a:rPr>
-              <a:t>了！</a:t>
+              <a:t>对于决策者而言，他们只需要“大概精确”的结果就可以了！</a:t>
             </a:r>
             <a:endParaRPr lang="en-US" altLang="zh-CN" sz="2800" dirty="0">
               <a:solidFill>

--- a/毕业论文答辩 交互式大数据分析系统.pptx
+++ b/毕业论文答辩 交互式大数据分析系统.pptx
@@ -17,15 +17,15 @@
     <p:sldId id="268" r:id="rId11"/>
     <p:sldId id="269" r:id="rId12"/>
     <p:sldId id="265" r:id="rId13"/>
-    <p:sldId id="266" r:id="rId14"/>
-    <p:sldId id="270" r:id="rId15"/>
-    <p:sldId id="271" r:id="rId16"/>
-    <p:sldId id="272" r:id="rId17"/>
-    <p:sldId id="273" r:id="rId18"/>
-    <p:sldId id="274" r:id="rId19"/>
-    <p:sldId id="275" r:id="rId20"/>
-    <p:sldId id="277" r:id="rId21"/>
-    <p:sldId id="278" r:id="rId22"/>
+    <p:sldId id="270" r:id="rId14"/>
+    <p:sldId id="271" r:id="rId15"/>
+    <p:sldId id="273" r:id="rId16"/>
+    <p:sldId id="274" r:id="rId17"/>
+    <p:sldId id="277" r:id="rId18"/>
+    <p:sldId id="275" r:id="rId19"/>
+    <p:sldId id="278" r:id="rId20"/>
+    <p:sldId id="266" r:id="rId21"/>
+    <p:sldId id="272" r:id="rId22"/>
   </p:sldIdLst>
   <p:sldSz cx="12192000" cy="6858000"/>
   <p:notesSz cx="6858000" cy="9144000"/>
@@ -193,6 +193,7 @@
           </a:p>
         </c:rich>
       </c:tx>
+      <c:layout/>
       <c:overlay val="0"/>
       <c:spPr>
         <a:noFill/>
@@ -274,6 +275,7 @@
             <c:showLeaderLines val="0"/>
             <c:extLst>
               <c:ext xmlns:c15="http://schemas.microsoft.com/office/drawing/2012/chart" uri="{CE6537A1-D6FC-4f65-9D91-7224C49458BB}">
+                <c15:layout/>
                 <c15:showLeaderLines val="1"/>
                 <c15:leaderLines>
                   <c:spPr>
@@ -333,11 +335,11 @@
         </c:dLbls>
         <c:gapWidth val="219"/>
         <c:overlap val="-27"/>
-        <c:axId val="362492232"/>
-        <c:axId val="362493800"/>
+        <c:axId val="377007888"/>
+        <c:axId val="377010240"/>
       </c:barChart>
       <c:catAx>
-        <c:axId val="362492232"/>
+        <c:axId val="377007888"/>
         <c:scaling>
           <c:orientation val="minMax"/>
         </c:scaling>
@@ -380,7 +382,7 @@
             <a:endParaRPr lang="en-US"/>
           </a:p>
         </c:txPr>
-        <c:crossAx val="362493800"/>
+        <c:crossAx val="377010240"/>
         <c:crosses val="autoZero"/>
         <c:auto val="1"/>
         <c:lblAlgn val="ctr"/>
@@ -388,7 +390,7 @@
         <c:noMultiLvlLbl val="0"/>
       </c:catAx>
       <c:valAx>
-        <c:axId val="362493800"/>
+        <c:axId val="377010240"/>
         <c:scaling>
           <c:orientation val="minMax"/>
         </c:scaling>
@@ -439,7 +441,7 @@
             <a:endParaRPr lang="en-US"/>
           </a:p>
         </c:txPr>
-        <c:crossAx val="362492232"/>
+        <c:crossAx val="377007888"/>
         <c:crosses val="autoZero"/>
         <c:crossBetween val="between"/>
       </c:valAx>
@@ -453,6 +455,7 @@
     </c:plotArea>
     <c:legend>
       <c:legendPos val="r"/>
+      <c:layout/>
       <c:overlay val="0"/>
       <c:spPr>
         <a:noFill/>
@@ -555,11 +558,522 @@
                 <a:latin typeface="Microsoft YaHei" panose="020B0503020204020204" pitchFamily="34" charset="-122"/>
                 <a:ea typeface="Microsoft YaHei" panose="020B0503020204020204" pitchFamily="34" charset="-122"/>
               </a:rPr>
-              <a:t>两种采样算法的正确率对比</a:t>
-            </a:r>
+              <a:t>两种采样算法的平均相对误差对比</a:t>
+            </a:r>
+            <a:endParaRPr lang="en-US" sz="2400" dirty="0">
+              <a:latin typeface="Microsoft YaHei" panose="020B0503020204020204" pitchFamily="34" charset="-122"/>
+              <a:ea typeface="Microsoft YaHei" panose="020B0503020204020204" pitchFamily="34" charset="-122"/>
+            </a:endParaRPr>
           </a:p>
         </c:rich>
       </c:tx>
+      <c:layout/>
+      <c:overlay val="0"/>
+      <c:spPr>
+        <a:noFill/>
+        <a:ln>
+          <a:noFill/>
+        </a:ln>
+        <a:effectLst/>
+      </c:spPr>
+      <c:txPr>
+        <a:bodyPr rot="0" spcFirstLastPara="1" vertOverflow="ellipsis" vert="horz" wrap="square" anchor="ctr" anchorCtr="1"/>
+        <a:lstStyle/>
+        <a:p>
+          <a:pPr>
+            <a:defRPr sz="1862" b="0" i="0" u="none" strike="noStrike" kern="1200" spc="0" baseline="0">
+              <a:solidFill>
+                <a:schemeClr val="tx1">
+                  <a:lumMod val="65000"/>
+                  <a:lumOff val="35000"/>
+                </a:schemeClr>
+              </a:solidFill>
+              <a:latin typeface="+mn-lt"/>
+              <a:ea typeface="+mn-ea"/>
+              <a:cs typeface="+mn-cs"/>
+            </a:defRPr>
+          </a:pPr>
+          <a:endParaRPr lang="en-US"/>
+        </a:p>
+      </c:txPr>
+    </c:title>
+    <c:autoTitleDeleted val="0"/>
+    <c:plotArea>
+      <c:layout/>
+      <c:barChart>
+        <c:barDir val="col"/>
+        <c:grouping val="clustered"/>
+        <c:varyColors val="0"/>
+        <c:ser>
+          <c:idx val="0"/>
+          <c:order val="0"/>
+          <c:tx>
+            <c:strRef>
+              <c:f>Sheet2!$A$2</c:f>
+              <c:strCache>
+                <c:ptCount val="1"/>
+                <c:pt idx="0">
+                  <c:v>分层采样算法</c:v>
+                </c:pt>
+              </c:strCache>
+            </c:strRef>
+          </c:tx>
+          <c:spPr>
+            <a:solidFill>
+              <a:schemeClr val="accent1"/>
+            </a:solidFill>
+            <a:ln>
+              <a:noFill/>
+            </a:ln>
+            <a:effectLst/>
+          </c:spPr>
+          <c:invertIfNegative val="0"/>
+          <c:dLbls>
+            <c:spPr>
+              <a:noFill/>
+              <a:ln>
+                <a:noFill/>
+              </a:ln>
+              <a:effectLst/>
+            </c:spPr>
+            <c:txPr>
+              <a:bodyPr rot="0" spcFirstLastPara="1" vertOverflow="ellipsis" vert="horz" wrap="square" lIns="38100" tIns="19050" rIns="38100" bIns="19050" anchor="ctr" anchorCtr="1">
+                <a:spAutoFit/>
+              </a:bodyPr>
+              <a:lstStyle/>
+              <a:p>
+                <a:pPr>
+                  <a:defRPr sz="1197" b="0" i="0" u="none" strike="noStrike" kern="1200" baseline="0">
+                    <a:solidFill>
+                      <a:schemeClr val="tx1">
+                        <a:lumMod val="75000"/>
+                        <a:lumOff val="25000"/>
+                      </a:schemeClr>
+                    </a:solidFill>
+                    <a:latin typeface="+mn-lt"/>
+                    <a:ea typeface="+mn-ea"/>
+                    <a:cs typeface="+mn-cs"/>
+                  </a:defRPr>
+                </a:pPr>
+                <a:endParaRPr lang="en-US"/>
+              </a:p>
+            </c:txPr>
+            <c:dLblPos val="outEnd"/>
+            <c:showLegendKey val="0"/>
+            <c:showVal val="1"/>
+            <c:showCatName val="0"/>
+            <c:showSerName val="0"/>
+            <c:showPercent val="0"/>
+            <c:showBubbleSize val="0"/>
+            <c:showLeaderLines val="0"/>
+            <c:extLst>
+              <c:ext xmlns:c15="http://schemas.microsoft.com/office/drawing/2012/chart" uri="{CE6537A1-D6FC-4f65-9D91-7224C49458BB}">
+                <c15:layout/>
+                <c15:showLeaderLines val="1"/>
+                <c15:leaderLines>
+                  <c:spPr>
+                    <a:ln w="9525" cap="flat" cmpd="sng" algn="ctr">
+                      <a:solidFill>
+                        <a:schemeClr val="tx1">
+                          <a:lumMod val="35000"/>
+                          <a:lumOff val="65000"/>
+                        </a:schemeClr>
+                      </a:solidFill>
+                      <a:round/>
+                    </a:ln>
+                    <a:effectLst/>
+                  </c:spPr>
+                </c15:leaderLines>
+              </c:ext>
+            </c:extLst>
+          </c:dLbls>
+          <c:cat>
+            <c:strRef>
+              <c:f>Sheet2!$B$1:$D$1</c:f>
+              <c:strCache>
+                <c:ptCount val="3"/>
+                <c:pt idx="0">
+                  <c:v>预设列询问</c:v>
+                </c:pt>
+                <c:pt idx="1">
+                  <c:v>随机询问</c:v>
+                </c:pt>
+                <c:pt idx="2">
+                  <c:v>总平均误差</c:v>
+                </c:pt>
+              </c:strCache>
+            </c:strRef>
+          </c:cat>
+          <c:val>
+            <c:numRef>
+              <c:f>Sheet2!$B$2:$D$2</c:f>
+              <c:numCache>
+                <c:formatCode>0.00%</c:formatCode>
+                <c:ptCount val="3"/>
+                <c:pt idx="0">
+                  <c:v>0.15629999999999999</c:v>
+                </c:pt>
+                <c:pt idx="1">
+                  <c:v>0.34720000000000001</c:v>
+                </c:pt>
+                <c:pt idx="2">
+                  <c:v>0.19450000000000001</c:v>
+                </c:pt>
+              </c:numCache>
+            </c:numRef>
+          </c:val>
+        </c:ser>
+        <c:ser>
+          <c:idx val="1"/>
+          <c:order val="1"/>
+          <c:tx>
+            <c:strRef>
+              <c:f>Sheet2!$A$3</c:f>
+              <c:strCache>
+                <c:ptCount val="1"/>
+                <c:pt idx="0">
+                  <c:v>随机采样算法</c:v>
+                </c:pt>
+              </c:strCache>
+            </c:strRef>
+          </c:tx>
+          <c:spPr>
+            <a:solidFill>
+              <a:schemeClr val="accent2"/>
+            </a:solidFill>
+            <a:ln>
+              <a:noFill/>
+            </a:ln>
+            <a:effectLst/>
+          </c:spPr>
+          <c:invertIfNegative val="0"/>
+          <c:dLbls>
+            <c:spPr>
+              <a:noFill/>
+              <a:ln>
+                <a:noFill/>
+              </a:ln>
+              <a:effectLst/>
+            </c:spPr>
+            <c:txPr>
+              <a:bodyPr rot="0" spcFirstLastPara="1" vertOverflow="ellipsis" vert="horz" wrap="square" lIns="38100" tIns="19050" rIns="38100" bIns="19050" anchor="ctr" anchorCtr="1">
+                <a:spAutoFit/>
+              </a:bodyPr>
+              <a:lstStyle/>
+              <a:p>
+                <a:pPr>
+                  <a:defRPr sz="1600" b="0" i="0" u="none" strike="noStrike" kern="1200" baseline="0">
+                    <a:solidFill>
+                      <a:schemeClr val="tx1">
+                        <a:lumMod val="75000"/>
+                        <a:lumOff val="25000"/>
+                      </a:schemeClr>
+                    </a:solidFill>
+                    <a:latin typeface="+mn-lt"/>
+                    <a:ea typeface="+mn-ea"/>
+                    <a:cs typeface="+mn-cs"/>
+                  </a:defRPr>
+                </a:pPr>
+                <a:endParaRPr lang="en-US"/>
+              </a:p>
+            </c:txPr>
+            <c:dLblPos val="outEnd"/>
+            <c:showLegendKey val="0"/>
+            <c:showVal val="1"/>
+            <c:showCatName val="0"/>
+            <c:showSerName val="0"/>
+            <c:showPercent val="0"/>
+            <c:showBubbleSize val="0"/>
+            <c:showLeaderLines val="0"/>
+            <c:extLst>
+              <c:ext xmlns:c15="http://schemas.microsoft.com/office/drawing/2012/chart" uri="{CE6537A1-D6FC-4f65-9D91-7224C49458BB}">
+                <c15:layout/>
+                <c15:showLeaderLines val="1"/>
+                <c15:leaderLines>
+                  <c:spPr>
+                    <a:ln w="9525" cap="flat" cmpd="sng" algn="ctr">
+                      <a:solidFill>
+                        <a:schemeClr val="tx1">
+                          <a:lumMod val="35000"/>
+                          <a:lumOff val="65000"/>
+                        </a:schemeClr>
+                      </a:solidFill>
+                      <a:round/>
+                    </a:ln>
+                    <a:effectLst/>
+                  </c:spPr>
+                </c15:leaderLines>
+              </c:ext>
+            </c:extLst>
+          </c:dLbls>
+          <c:cat>
+            <c:strRef>
+              <c:f>Sheet2!$B$1:$D$1</c:f>
+              <c:strCache>
+                <c:ptCount val="3"/>
+                <c:pt idx="0">
+                  <c:v>预设列询问</c:v>
+                </c:pt>
+                <c:pt idx="1">
+                  <c:v>随机询问</c:v>
+                </c:pt>
+                <c:pt idx="2">
+                  <c:v>总平均误差</c:v>
+                </c:pt>
+              </c:strCache>
+            </c:strRef>
+          </c:cat>
+          <c:val>
+            <c:numRef>
+              <c:f>Sheet2!$B$3:$D$3</c:f>
+              <c:numCache>
+                <c:formatCode>0.00%</c:formatCode>
+                <c:ptCount val="3"/>
+                <c:pt idx="0">
+                  <c:v>0.48730000000000001</c:v>
+                </c:pt>
+                <c:pt idx="1">
+                  <c:v>0.38179999999999997</c:v>
+                </c:pt>
+                <c:pt idx="2">
+                  <c:v>0.4662</c:v>
+                </c:pt>
+              </c:numCache>
+            </c:numRef>
+          </c:val>
+        </c:ser>
+        <c:dLbls>
+          <c:dLblPos val="outEnd"/>
+          <c:showLegendKey val="0"/>
+          <c:showVal val="1"/>
+          <c:showCatName val="0"/>
+          <c:showSerName val="0"/>
+          <c:showPercent val="0"/>
+          <c:showBubbleSize val="0"/>
+        </c:dLbls>
+        <c:gapWidth val="219"/>
+        <c:overlap val="-27"/>
+        <c:axId val="378091056"/>
+        <c:axId val="378087920"/>
+      </c:barChart>
+      <c:catAx>
+        <c:axId val="378091056"/>
+        <c:scaling>
+          <c:orientation val="minMax"/>
+        </c:scaling>
+        <c:delete val="0"/>
+        <c:axPos val="b"/>
+        <c:numFmt formatCode="General" sourceLinked="1"/>
+        <c:majorTickMark val="none"/>
+        <c:minorTickMark val="none"/>
+        <c:tickLblPos val="nextTo"/>
+        <c:spPr>
+          <a:noFill/>
+          <a:ln w="9525" cap="flat" cmpd="sng" algn="ctr">
+            <a:solidFill>
+              <a:schemeClr val="tx1">
+                <a:lumMod val="15000"/>
+                <a:lumOff val="85000"/>
+              </a:schemeClr>
+            </a:solidFill>
+            <a:round/>
+          </a:ln>
+          <a:effectLst/>
+        </c:spPr>
+        <c:txPr>
+          <a:bodyPr rot="-60000000" spcFirstLastPara="1" vertOverflow="ellipsis" vert="horz" wrap="square" anchor="ctr" anchorCtr="1"/>
+          <a:lstStyle/>
+          <a:p>
+            <a:pPr>
+              <a:defRPr sz="1800" b="0" i="0" u="none" strike="noStrike" kern="1200" baseline="0">
+                <a:solidFill>
+                  <a:schemeClr val="tx1">
+                    <a:lumMod val="65000"/>
+                    <a:lumOff val="35000"/>
+                  </a:schemeClr>
+                </a:solidFill>
+                <a:latin typeface="+mn-lt"/>
+                <a:ea typeface="+mn-ea"/>
+                <a:cs typeface="+mn-cs"/>
+              </a:defRPr>
+            </a:pPr>
+            <a:endParaRPr lang="en-US"/>
+          </a:p>
+        </c:txPr>
+        <c:crossAx val="378087920"/>
+        <c:crosses val="autoZero"/>
+        <c:auto val="1"/>
+        <c:lblAlgn val="ctr"/>
+        <c:lblOffset val="100"/>
+        <c:noMultiLvlLbl val="0"/>
+      </c:catAx>
+      <c:valAx>
+        <c:axId val="378087920"/>
+        <c:scaling>
+          <c:orientation val="minMax"/>
+        </c:scaling>
+        <c:delete val="0"/>
+        <c:axPos val="l"/>
+        <c:majorGridlines>
+          <c:spPr>
+            <a:ln w="9525" cap="flat" cmpd="sng" algn="ctr">
+              <a:solidFill>
+                <a:schemeClr val="tx1">
+                  <a:lumMod val="15000"/>
+                  <a:lumOff val="85000"/>
+                </a:schemeClr>
+              </a:solidFill>
+              <a:round/>
+            </a:ln>
+            <a:effectLst/>
+          </c:spPr>
+        </c:majorGridlines>
+        <c:numFmt formatCode="0.00%" sourceLinked="1"/>
+        <c:majorTickMark val="none"/>
+        <c:minorTickMark val="none"/>
+        <c:tickLblPos val="nextTo"/>
+        <c:spPr>
+          <a:noFill/>
+          <a:ln>
+            <a:noFill/>
+          </a:ln>
+          <a:effectLst/>
+        </c:spPr>
+        <c:txPr>
+          <a:bodyPr rot="-60000000" spcFirstLastPara="1" vertOverflow="ellipsis" vert="horz" wrap="square" anchor="ctr" anchorCtr="1"/>
+          <a:lstStyle/>
+          <a:p>
+            <a:pPr>
+              <a:defRPr sz="1197" b="0" i="0" u="none" strike="noStrike" kern="1200" baseline="0">
+                <a:solidFill>
+                  <a:schemeClr val="tx1">
+                    <a:lumMod val="65000"/>
+                    <a:lumOff val="35000"/>
+                  </a:schemeClr>
+                </a:solidFill>
+                <a:latin typeface="+mn-lt"/>
+                <a:ea typeface="+mn-ea"/>
+                <a:cs typeface="+mn-cs"/>
+              </a:defRPr>
+            </a:pPr>
+            <a:endParaRPr lang="en-US"/>
+          </a:p>
+        </c:txPr>
+        <c:crossAx val="378091056"/>
+        <c:crosses val="autoZero"/>
+        <c:crossBetween val="between"/>
+      </c:valAx>
+      <c:spPr>
+        <a:noFill/>
+        <a:ln>
+          <a:noFill/>
+        </a:ln>
+        <a:effectLst/>
+      </c:spPr>
+    </c:plotArea>
+    <c:legend>
+      <c:legendPos val="b"/>
+      <c:layout/>
+      <c:overlay val="0"/>
+      <c:spPr>
+        <a:noFill/>
+        <a:ln>
+          <a:noFill/>
+        </a:ln>
+        <a:effectLst/>
+      </c:spPr>
+      <c:txPr>
+        <a:bodyPr rot="0" spcFirstLastPara="1" vertOverflow="ellipsis" vert="horz" wrap="square" anchor="ctr" anchorCtr="1"/>
+        <a:lstStyle/>
+        <a:p>
+          <a:pPr>
+            <a:defRPr sz="1800" b="0" i="0" u="none" strike="noStrike" kern="1200" baseline="0">
+              <a:solidFill>
+                <a:schemeClr val="tx1">
+                  <a:lumMod val="65000"/>
+                  <a:lumOff val="35000"/>
+                </a:schemeClr>
+              </a:solidFill>
+              <a:latin typeface="+mn-lt"/>
+              <a:ea typeface="+mn-ea"/>
+              <a:cs typeface="+mn-cs"/>
+            </a:defRPr>
+          </a:pPr>
+          <a:endParaRPr lang="en-US"/>
+        </a:p>
+      </c:txPr>
+    </c:legend>
+    <c:plotVisOnly val="1"/>
+    <c:dispBlanksAs val="gap"/>
+    <c:showDLblsOverMax val="0"/>
+  </c:chart>
+  <c:spPr>
+    <a:noFill/>
+    <a:ln>
+      <a:noFill/>
+    </a:ln>
+    <a:effectLst/>
+  </c:spPr>
+  <c:txPr>
+    <a:bodyPr/>
+    <a:lstStyle/>
+    <a:p>
+      <a:pPr>
+        <a:defRPr/>
+      </a:pPr>
+      <a:endParaRPr lang="en-US"/>
+    </a:p>
+  </c:txPr>
+  <c:externalData r:id="rId3">
+    <c:autoUpdate val="0"/>
+  </c:externalData>
+</c:chartSpace>
+</file>
+
+<file path=ppt/charts/chart3.xml><?xml version="1.0" encoding="utf-8"?>
+<c:chartSpace xmlns:c="http://schemas.openxmlformats.org/drawingml/2006/chart" xmlns:a="http://schemas.openxmlformats.org/drawingml/2006/main" xmlns:r="http://schemas.openxmlformats.org/officeDocument/2006/relationships">
+  <c:date1904 val="0"/>
+  <c:lang val="en-US"/>
+  <c:roundedCorners val="0"/>
+  <mc:AlternateContent xmlns:mc="http://schemas.openxmlformats.org/markup-compatibility/2006">
+    <mc:Choice xmlns:c14="http://schemas.microsoft.com/office/drawing/2007/8/2/chart" Requires="c14">
+      <c14:style val="102"/>
+    </mc:Choice>
+    <mc:Fallback>
+      <c:style val="2"/>
+    </mc:Fallback>
+  </mc:AlternateContent>
+  <c:chart>
+    <c:title>
+      <c:tx>
+        <c:rich>
+          <a:bodyPr rot="0" spcFirstLastPara="1" vertOverflow="ellipsis" vert="horz" wrap="square" anchor="ctr" anchorCtr="1"/>
+          <a:lstStyle/>
+          <a:p>
+            <a:pPr>
+              <a:defRPr sz="1862" b="0" i="0" u="none" strike="noStrike" kern="1200" spc="0" baseline="0">
+                <a:solidFill>
+                  <a:schemeClr val="tx1">
+                    <a:lumMod val="65000"/>
+                    <a:lumOff val="35000"/>
+                  </a:schemeClr>
+                </a:solidFill>
+                <a:latin typeface="+mn-lt"/>
+                <a:ea typeface="+mn-ea"/>
+                <a:cs typeface="+mn-cs"/>
+              </a:defRPr>
+            </a:pPr>
+            <a:r>
+              <a:rPr lang="zh-CN" sz="2400" dirty="0">
+                <a:latin typeface="Microsoft YaHei" panose="020B0503020204020204" pitchFamily="34" charset="-122"/>
+                <a:ea typeface="Microsoft YaHei" panose="020B0503020204020204" pitchFamily="34" charset="-122"/>
+              </a:rPr>
+              <a:t>两种采样算法的正确率对比</a:t>
+            </a:r>
+          </a:p>
+        </c:rich>
+      </c:tx>
+      <c:layout/>
       <c:overlay val="0"/>
       <c:spPr>
         <a:noFill/>
@@ -661,6 +1175,7 @@
             <c:showLeaderLines val="0"/>
             <c:extLst>
               <c:ext xmlns:c15="http://schemas.microsoft.com/office/drawing/2012/chart" uri="{CE6537A1-D6FC-4f65-9D91-7224C49458BB}">
+                <c15:layout/>
                 <c15:showLeaderLines val="1"/>
                 <c15:leaderLines>
                   <c:spPr>
@@ -779,6 +1294,7 @@
             <c:showLeaderLines val="0"/>
             <c:extLst>
               <c:ext xmlns:c15="http://schemas.microsoft.com/office/drawing/2012/chart" uri="{CE6537A1-D6FC-4f65-9D91-7224C49458BB}">
+                <c15:layout/>
                 <c15:showLeaderLines val="1"/>
                 <c15:leaderLines>
                   <c:spPr>
@@ -844,11 +1360,11 @@
         </c:dLbls>
         <c:gapWidth val="219"/>
         <c:overlap val="-27"/>
-        <c:axId val="362498896"/>
-        <c:axId val="362496544"/>
+        <c:axId val="377010632"/>
+        <c:axId val="378084392"/>
       </c:barChart>
       <c:catAx>
-        <c:axId val="362498896"/>
+        <c:axId val="377010632"/>
         <c:scaling>
           <c:orientation val="minMax"/>
         </c:scaling>
@@ -891,7 +1407,7 @@
             <a:endParaRPr lang="en-US"/>
           </a:p>
         </c:txPr>
-        <c:crossAx val="362496544"/>
+        <c:crossAx val="378084392"/>
         <c:crosses val="autoZero"/>
         <c:auto val="1"/>
         <c:lblAlgn val="ctr"/>
@@ -899,7 +1415,7 @@
         <c:noMultiLvlLbl val="0"/>
       </c:catAx>
       <c:valAx>
-        <c:axId val="362496544"/>
+        <c:axId val="378084392"/>
         <c:scaling>
           <c:orientation val="minMax"/>
         </c:scaling>
@@ -950,7 +1466,7 @@
             <a:endParaRPr lang="en-US"/>
           </a:p>
         </c:txPr>
-        <c:crossAx val="362498896"/>
+        <c:crossAx val="377010632"/>
         <c:crosses val="autoZero"/>
         <c:crossBetween val="between"/>
       </c:valAx>
@@ -964,512 +1480,7 @@
     </c:plotArea>
     <c:legend>
       <c:legendPos val="b"/>
-      <c:overlay val="0"/>
-      <c:spPr>
-        <a:noFill/>
-        <a:ln>
-          <a:noFill/>
-        </a:ln>
-        <a:effectLst/>
-      </c:spPr>
-      <c:txPr>
-        <a:bodyPr rot="0" spcFirstLastPara="1" vertOverflow="ellipsis" vert="horz" wrap="square" anchor="ctr" anchorCtr="1"/>
-        <a:lstStyle/>
-        <a:p>
-          <a:pPr>
-            <a:defRPr sz="1800" b="0" i="0" u="none" strike="noStrike" kern="1200" baseline="0">
-              <a:solidFill>
-                <a:schemeClr val="tx1">
-                  <a:lumMod val="65000"/>
-                  <a:lumOff val="35000"/>
-                </a:schemeClr>
-              </a:solidFill>
-              <a:latin typeface="+mn-lt"/>
-              <a:ea typeface="+mn-ea"/>
-              <a:cs typeface="+mn-cs"/>
-            </a:defRPr>
-          </a:pPr>
-          <a:endParaRPr lang="en-US"/>
-        </a:p>
-      </c:txPr>
-    </c:legend>
-    <c:plotVisOnly val="1"/>
-    <c:dispBlanksAs val="gap"/>
-    <c:showDLblsOverMax val="0"/>
-  </c:chart>
-  <c:spPr>
-    <a:noFill/>
-    <a:ln>
-      <a:noFill/>
-    </a:ln>
-    <a:effectLst/>
-  </c:spPr>
-  <c:txPr>
-    <a:bodyPr/>
-    <a:lstStyle/>
-    <a:p>
-      <a:pPr>
-        <a:defRPr/>
-      </a:pPr>
-      <a:endParaRPr lang="en-US"/>
-    </a:p>
-  </c:txPr>
-  <c:externalData r:id="rId3">
-    <c:autoUpdate val="0"/>
-  </c:externalData>
-</c:chartSpace>
-</file>
-
-<file path=ppt/charts/chart3.xml><?xml version="1.0" encoding="utf-8"?>
-<c:chartSpace xmlns:c="http://schemas.openxmlformats.org/drawingml/2006/chart" xmlns:a="http://schemas.openxmlformats.org/drawingml/2006/main" xmlns:r="http://schemas.openxmlformats.org/officeDocument/2006/relationships">
-  <c:date1904 val="0"/>
-  <c:lang val="en-US"/>
-  <c:roundedCorners val="0"/>
-  <mc:AlternateContent xmlns:mc="http://schemas.openxmlformats.org/markup-compatibility/2006">
-    <mc:Choice xmlns:c14="http://schemas.microsoft.com/office/drawing/2007/8/2/chart" Requires="c14">
-      <c14:style val="102"/>
-    </mc:Choice>
-    <mc:Fallback>
-      <c:style val="2"/>
-    </mc:Fallback>
-  </mc:AlternateContent>
-  <c:chart>
-    <c:title>
-      <c:tx>
-        <c:rich>
-          <a:bodyPr rot="0" spcFirstLastPara="1" vertOverflow="ellipsis" vert="horz" wrap="square" anchor="ctr" anchorCtr="1"/>
-          <a:lstStyle/>
-          <a:p>
-            <a:pPr>
-              <a:defRPr sz="1862" b="0" i="0" u="none" strike="noStrike" kern="1200" spc="0" baseline="0">
-                <a:solidFill>
-                  <a:schemeClr val="tx1">
-                    <a:lumMod val="65000"/>
-                    <a:lumOff val="35000"/>
-                  </a:schemeClr>
-                </a:solidFill>
-                <a:latin typeface="+mn-lt"/>
-                <a:ea typeface="+mn-ea"/>
-                <a:cs typeface="+mn-cs"/>
-              </a:defRPr>
-            </a:pPr>
-            <a:r>
-              <a:rPr lang="zh-CN" sz="2400" dirty="0">
-                <a:latin typeface="Microsoft YaHei" panose="020B0503020204020204" pitchFamily="34" charset="-122"/>
-                <a:ea typeface="Microsoft YaHei" panose="020B0503020204020204" pitchFamily="34" charset="-122"/>
-              </a:rPr>
-              <a:t>两种采样算法的平均相对误差对比</a:t>
-            </a:r>
-            <a:endParaRPr lang="en-US" sz="2400" dirty="0">
-              <a:latin typeface="Microsoft YaHei" panose="020B0503020204020204" pitchFamily="34" charset="-122"/>
-              <a:ea typeface="Microsoft YaHei" panose="020B0503020204020204" pitchFamily="34" charset="-122"/>
-            </a:endParaRPr>
-          </a:p>
-        </c:rich>
-      </c:tx>
-      <c:overlay val="0"/>
-      <c:spPr>
-        <a:noFill/>
-        <a:ln>
-          <a:noFill/>
-        </a:ln>
-        <a:effectLst/>
-      </c:spPr>
-      <c:txPr>
-        <a:bodyPr rot="0" spcFirstLastPara="1" vertOverflow="ellipsis" vert="horz" wrap="square" anchor="ctr" anchorCtr="1"/>
-        <a:lstStyle/>
-        <a:p>
-          <a:pPr>
-            <a:defRPr sz="1862" b="0" i="0" u="none" strike="noStrike" kern="1200" spc="0" baseline="0">
-              <a:solidFill>
-                <a:schemeClr val="tx1">
-                  <a:lumMod val="65000"/>
-                  <a:lumOff val="35000"/>
-                </a:schemeClr>
-              </a:solidFill>
-              <a:latin typeface="+mn-lt"/>
-              <a:ea typeface="+mn-ea"/>
-              <a:cs typeface="+mn-cs"/>
-            </a:defRPr>
-          </a:pPr>
-          <a:endParaRPr lang="en-US"/>
-        </a:p>
-      </c:txPr>
-    </c:title>
-    <c:autoTitleDeleted val="0"/>
-    <c:plotArea>
       <c:layout/>
-      <c:barChart>
-        <c:barDir val="col"/>
-        <c:grouping val="clustered"/>
-        <c:varyColors val="0"/>
-        <c:ser>
-          <c:idx val="0"/>
-          <c:order val="0"/>
-          <c:tx>
-            <c:strRef>
-              <c:f>Sheet2!$A$2</c:f>
-              <c:strCache>
-                <c:ptCount val="1"/>
-                <c:pt idx="0">
-                  <c:v>分层采样算法</c:v>
-                </c:pt>
-              </c:strCache>
-            </c:strRef>
-          </c:tx>
-          <c:spPr>
-            <a:solidFill>
-              <a:schemeClr val="accent1"/>
-            </a:solidFill>
-            <a:ln>
-              <a:noFill/>
-            </a:ln>
-            <a:effectLst/>
-          </c:spPr>
-          <c:invertIfNegative val="0"/>
-          <c:dLbls>
-            <c:spPr>
-              <a:noFill/>
-              <a:ln>
-                <a:noFill/>
-              </a:ln>
-              <a:effectLst/>
-            </c:spPr>
-            <c:txPr>
-              <a:bodyPr rot="0" spcFirstLastPara="1" vertOverflow="ellipsis" vert="horz" wrap="square" lIns="38100" tIns="19050" rIns="38100" bIns="19050" anchor="ctr" anchorCtr="1">
-                <a:spAutoFit/>
-              </a:bodyPr>
-              <a:lstStyle/>
-              <a:p>
-                <a:pPr>
-                  <a:defRPr sz="1197" b="0" i="0" u="none" strike="noStrike" kern="1200" baseline="0">
-                    <a:solidFill>
-                      <a:schemeClr val="tx1">
-                        <a:lumMod val="75000"/>
-                        <a:lumOff val="25000"/>
-                      </a:schemeClr>
-                    </a:solidFill>
-                    <a:latin typeface="+mn-lt"/>
-                    <a:ea typeface="+mn-ea"/>
-                    <a:cs typeface="+mn-cs"/>
-                  </a:defRPr>
-                </a:pPr>
-                <a:endParaRPr lang="en-US"/>
-              </a:p>
-            </c:txPr>
-            <c:dLblPos val="outEnd"/>
-            <c:showLegendKey val="0"/>
-            <c:showVal val="1"/>
-            <c:showCatName val="0"/>
-            <c:showSerName val="0"/>
-            <c:showPercent val="0"/>
-            <c:showBubbleSize val="0"/>
-            <c:showLeaderLines val="0"/>
-            <c:extLst>
-              <c:ext xmlns:c15="http://schemas.microsoft.com/office/drawing/2012/chart" uri="{CE6537A1-D6FC-4f65-9D91-7224C49458BB}">
-                <c15:showLeaderLines val="1"/>
-                <c15:leaderLines>
-                  <c:spPr>
-                    <a:ln w="9525" cap="flat" cmpd="sng" algn="ctr">
-                      <a:solidFill>
-                        <a:schemeClr val="tx1">
-                          <a:lumMod val="35000"/>
-                          <a:lumOff val="65000"/>
-                        </a:schemeClr>
-                      </a:solidFill>
-                      <a:round/>
-                    </a:ln>
-                    <a:effectLst/>
-                  </c:spPr>
-                </c15:leaderLines>
-              </c:ext>
-            </c:extLst>
-          </c:dLbls>
-          <c:cat>
-            <c:strRef>
-              <c:f>Sheet2!$B$1:$D$1</c:f>
-              <c:strCache>
-                <c:ptCount val="3"/>
-                <c:pt idx="0">
-                  <c:v>预设列询问</c:v>
-                </c:pt>
-                <c:pt idx="1">
-                  <c:v>随机询问</c:v>
-                </c:pt>
-                <c:pt idx="2">
-                  <c:v>总平均误差</c:v>
-                </c:pt>
-              </c:strCache>
-            </c:strRef>
-          </c:cat>
-          <c:val>
-            <c:numRef>
-              <c:f>Sheet2!$B$2:$D$2</c:f>
-              <c:numCache>
-                <c:formatCode>0.00%</c:formatCode>
-                <c:ptCount val="3"/>
-                <c:pt idx="0">
-                  <c:v>0.15629999999999999</c:v>
-                </c:pt>
-                <c:pt idx="1">
-                  <c:v>0.34720000000000001</c:v>
-                </c:pt>
-                <c:pt idx="2">
-                  <c:v>0.19450000000000001</c:v>
-                </c:pt>
-              </c:numCache>
-            </c:numRef>
-          </c:val>
-        </c:ser>
-        <c:ser>
-          <c:idx val="1"/>
-          <c:order val="1"/>
-          <c:tx>
-            <c:strRef>
-              <c:f>Sheet2!$A$3</c:f>
-              <c:strCache>
-                <c:ptCount val="1"/>
-                <c:pt idx="0">
-                  <c:v>随机采样算法</c:v>
-                </c:pt>
-              </c:strCache>
-            </c:strRef>
-          </c:tx>
-          <c:spPr>
-            <a:solidFill>
-              <a:schemeClr val="accent2"/>
-            </a:solidFill>
-            <a:ln>
-              <a:noFill/>
-            </a:ln>
-            <a:effectLst/>
-          </c:spPr>
-          <c:invertIfNegative val="0"/>
-          <c:dLbls>
-            <c:spPr>
-              <a:noFill/>
-              <a:ln>
-                <a:noFill/>
-              </a:ln>
-              <a:effectLst/>
-            </c:spPr>
-            <c:txPr>
-              <a:bodyPr rot="0" spcFirstLastPara="1" vertOverflow="ellipsis" vert="horz" wrap="square" lIns="38100" tIns="19050" rIns="38100" bIns="19050" anchor="ctr" anchorCtr="1">
-                <a:spAutoFit/>
-              </a:bodyPr>
-              <a:lstStyle/>
-              <a:p>
-                <a:pPr>
-                  <a:defRPr sz="1600" b="0" i="0" u="none" strike="noStrike" kern="1200" baseline="0">
-                    <a:solidFill>
-                      <a:schemeClr val="tx1">
-                        <a:lumMod val="75000"/>
-                        <a:lumOff val="25000"/>
-                      </a:schemeClr>
-                    </a:solidFill>
-                    <a:latin typeface="+mn-lt"/>
-                    <a:ea typeface="+mn-ea"/>
-                    <a:cs typeface="+mn-cs"/>
-                  </a:defRPr>
-                </a:pPr>
-                <a:endParaRPr lang="en-US"/>
-              </a:p>
-            </c:txPr>
-            <c:dLblPos val="outEnd"/>
-            <c:showLegendKey val="0"/>
-            <c:showVal val="1"/>
-            <c:showCatName val="0"/>
-            <c:showSerName val="0"/>
-            <c:showPercent val="0"/>
-            <c:showBubbleSize val="0"/>
-            <c:showLeaderLines val="0"/>
-            <c:extLst>
-              <c:ext xmlns:c15="http://schemas.microsoft.com/office/drawing/2012/chart" uri="{CE6537A1-D6FC-4f65-9D91-7224C49458BB}">
-                <c15:showLeaderLines val="1"/>
-                <c15:leaderLines>
-                  <c:spPr>
-                    <a:ln w="9525" cap="flat" cmpd="sng" algn="ctr">
-                      <a:solidFill>
-                        <a:schemeClr val="tx1">
-                          <a:lumMod val="35000"/>
-                          <a:lumOff val="65000"/>
-                        </a:schemeClr>
-                      </a:solidFill>
-                      <a:round/>
-                    </a:ln>
-                    <a:effectLst/>
-                  </c:spPr>
-                </c15:leaderLines>
-              </c:ext>
-            </c:extLst>
-          </c:dLbls>
-          <c:cat>
-            <c:strRef>
-              <c:f>Sheet2!$B$1:$D$1</c:f>
-              <c:strCache>
-                <c:ptCount val="3"/>
-                <c:pt idx="0">
-                  <c:v>预设列询问</c:v>
-                </c:pt>
-                <c:pt idx="1">
-                  <c:v>随机询问</c:v>
-                </c:pt>
-                <c:pt idx="2">
-                  <c:v>总平均误差</c:v>
-                </c:pt>
-              </c:strCache>
-            </c:strRef>
-          </c:cat>
-          <c:val>
-            <c:numRef>
-              <c:f>Sheet2!$B$3:$D$3</c:f>
-              <c:numCache>
-                <c:formatCode>0.00%</c:formatCode>
-                <c:ptCount val="3"/>
-                <c:pt idx="0">
-                  <c:v>0.48730000000000001</c:v>
-                </c:pt>
-                <c:pt idx="1">
-                  <c:v>0.38179999999999997</c:v>
-                </c:pt>
-                <c:pt idx="2">
-                  <c:v>0.4662</c:v>
-                </c:pt>
-              </c:numCache>
-            </c:numRef>
-          </c:val>
-        </c:ser>
-        <c:dLbls>
-          <c:dLblPos val="outEnd"/>
-          <c:showLegendKey val="0"/>
-          <c:showVal val="1"/>
-          <c:showCatName val="0"/>
-          <c:showSerName val="0"/>
-          <c:showPercent val="0"/>
-          <c:showBubbleSize val="0"/>
-        </c:dLbls>
-        <c:gapWidth val="219"/>
-        <c:overlap val="-27"/>
-        <c:axId val="362494192"/>
-        <c:axId val="362493408"/>
-      </c:barChart>
-      <c:catAx>
-        <c:axId val="362494192"/>
-        <c:scaling>
-          <c:orientation val="minMax"/>
-        </c:scaling>
-        <c:delete val="0"/>
-        <c:axPos val="b"/>
-        <c:numFmt formatCode="General" sourceLinked="1"/>
-        <c:majorTickMark val="none"/>
-        <c:minorTickMark val="none"/>
-        <c:tickLblPos val="nextTo"/>
-        <c:spPr>
-          <a:noFill/>
-          <a:ln w="9525" cap="flat" cmpd="sng" algn="ctr">
-            <a:solidFill>
-              <a:schemeClr val="tx1">
-                <a:lumMod val="15000"/>
-                <a:lumOff val="85000"/>
-              </a:schemeClr>
-            </a:solidFill>
-            <a:round/>
-          </a:ln>
-          <a:effectLst/>
-        </c:spPr>
-        <c:txPr>
-          <a:bodyPr rot="-60000000" spcFirstLastPara="1" vertOverflow="ellipsis" vert="horz" wrap="square" anchor="ctr" anchorCtr="1"/>
-          <a:lstStyle/>
-          <a:p>
-            <a:pPr>
-              <a:defRPr sz="1800" b="0" i="0" u="none" strike="noStrike" kern="1200" baseline="0">
-                <a:solidFill>
-                  <a:schemeClr val="tx1">
-                    <a:lumMod val="65000"/>
-                    <a:lumOff val="35000"/>
-                  </a:schemeClr>
-                </a:solidFill>
-                <a:latin typeface="+mn-lt"/>
-                <a:ea typeface="+mn-ea"/>
-                <a:cs typeface="+mn-cs"/>
-              </a:defRPr>
-            </a:pPr>
-            <a:endParaRPr lang="en-US"/>
-          </a:p>
-        </c:txPr>
-        <c:crossAx val="362493408"/>
-        <c:crosses val="autoZero"/>
-        <c:auto val="1"/>
-        <c:lblAlgn val="ctr"/>
-        <c:lblOffset val="100"/>
-        <c:noMultiLvlLbl val="0"/>
-      </c:catAx>
-      <c:valAx>
-        <c:axId val="362493408"/>
-        <c:scaling>
-          <c:orientation val="minMax"/>
-        </c:scaling>
-        <c:delete val="0"/>
-        <c:axPos val="l"/>
-        <c:majorGridlines>
-          <c:spPr>
-            <a:ln w="9525" cap="flat" cmpd="sng" algn="ctr">
-              <a:solidFill>
-                <a:schemeClr val="tx1">
-                  <a:lumMod val="15000"/>
-                  <a:lumOff val="85000"/>
-                </a:schemeClr>
-              </a:solidFill>
-              <a:round/>
-            </a:ln>
-            <a:effectLst/>
-          </c:spPr>
-        </c:majorGridlines>
-        <c:numFmt formatCode="0.00%" sourceLinked="1"/>
-        <c:majorTickMark val="none"/>
-        <c:minorTickMark val="none"/>
-        <c:tickLblPos val="nextTo"/>
-        <c:spPr>
-          <a:noFill/>
-          <a:ln>
-            <a:noFill/>
-          </a:ln>
-          <a:effectLst/>
-        </c:spPr>
-        <c:txPr>
-          <a:bodyPr rot="-60000000" spcFirstLastPara="1" vertOverflow="ellipsis" vert="horz" wrap="square" anchor="ctr" anchorCtr="1"/>
-          <a:lstStyle/>
-          <a:p>
-            <a:pPr>
-              <a:defRPr sz="1197" b="0" i="0" u="none" strike="noStrike" kern="1200" baseline="0">
-                <a:solidFill>
-                  <a:schemeClr val="tx1">
-                    <a:lumMod val="65000"/>
-                    <a:lumOff val="35000"/>
-                  </a:schemeClr>
-                </a:solidFill>
-                <a:latin typeface="+mn-lt"/>
-                <a:ea typeface="+mn-ea"/>
-                <a:cs typeface="+mn-cs"/>
-              </a:defRPr>
-            </a:pPr>
-            <a:endParaRPr lang="en-US"/>
-          </a:p>
-        </c:txPr>
-        <c:crossAx val="362494192"/>
-        <c:crosses val="autoZero"/>
-        <c:crossBetween val="between"/>
-      </c:valAx>
-      <c:spPr>
-        <a:noFill/>
-        <a:ln>
-          <a:noFill/>
-        </a:ln>
-        <a:effectLst/>
-      </c:spPr>
-    </c:plotArea>
-    <c:legend>
-      <c:legendPos val="b"/>
       <c:overlay val="0"/>
       <c:spPr>
         <a:noFill/>
@@ -3614,6 +3625,381 @@
       <dsp:cNvGrpSpPr/>
     </dsp:nvGrpSpPr>
     <dsp:grpSpPr/>
+    <dsp:sp modelId="{DBD18C5E-90D2-4385-BCB3-B129D25161EC}">
+      <dsp:nvSpPr>
+        <dsp:cNvPr id="0" name=""/>
+        <dsp:cNvSpPr/>
+      </dsp:nvSpPr>
+      <dsp:spPr>
+        <a:xfrm>
+          <a:off x="7143" y="43022"/>
+          <a:ext cx="2135187" cy="1281112"/>
+        </a:xfrm>
+        <a:prstGeom prst="roundRect">
+          <a:avLst>
+            <a:gd name="adj" fmla="val 10000"/>
+          </a:avLst>
+        </a:prstGeom>
+        <a:solidFill>
+          <a:schemeClr val="accent1">
+            <a:hueOff val="0"/>
+            <a:satOff val="0"/>
+            <a:lumOff val="0"/>
+            <a:alphaOff val="0"/>
+          </a:schemeClr>
+        </a:solidFill>
+        <a:ln w="15875" cap="flat" cmpd="sng" algn="ctr">
+          <a:solidFill>
+            <a:schemeClr val="lt1">
+              <a:hueOff val="0"/>
+              <a:satOff val="0"/>
+              <a:lumOff val="0"/>
+              <a:alphaOff val="0"/>
+            </a:schemeClr>
+          </a:solidFill>
+          <a:prstDash val="solid"/>
+        </a:ln>
+        <a:effectLst/>
+      </dsp:spPr>
+      <dsp:style>
+        <a:lnRef idx="2">
+          <a:scrgbClr r="0" g="0" b="0"/>
+        </a:lnRef>
+        <a:fillRef idx="1">
+          <a:scrgbClr r="0" g="0" b="0"/>
+        </a:fillRef>
+        <a:effectRef idx="0">
+          <a:scrgbClr r="0" g="0" b="0"/>
+        </a:effectRef>
+        <a:fontRef idx="minor">
+          <a:schemeClr val="lt1"/>
+        </a:fontRef>
+      </dsp:style>
+      <dsp:txBody>
+        <a:bodyPr spcFirstLastPara="0" vert="horz" wrap="square" lIns="106680" tIns="106680" rIns="106680" bIns="106680" numCol="1" spcCol="1270" anchor="ctr" anchorCtr="0">
+          <a:noAutofit/>
+        </a:bodyPr>
+        <a:lstStyle/>
+        <a:p>
+          <a:pPr lvl="0" algn="ctr" defTabSz="1244600">
+            <a:lnSpc>
+              <a:spcPct val="90000"/>
+            </a:lnSpc>
+            <a:spcBef>
+              <a:spcPct val="0"/>
+            </a:spcBef>
+            <a:spcAft>
+              <a:spcPct val="35000"/>
+            </a:spcAft>
+          </a:pPr>
+          <a:r>
+            <a:rPr lang="zh-CN" altLang="en-US" sz="2800" kern="1200" dirty="0" smtClean="0"/>
+            <a:t>创建样本</a:t>
+          </a:r>
+          <a:endParaRPr lang="en-US" sz="2800" kern="1200" dirty="0"/>
+        </a:p>
+      </dsp:txBody>
+      <dsp:txXfrm>
+        <a:off x="44665" y="80544"/>
+        <a:ext cx="2060143" cy="1206068"/>
+      </dsp:txXfrm>
+    </dsp:sp>
+    <dsp:sp modelId="{31B978FC-5E24-408A-AC6A-3096BA4CEE8D}">
+      <dsp:nvSpPr>
+        <dsp:cNvPr id="0" name=""/>
+        <dsp:cNvSpPr/>
+      </dsp:nvSpPr>
+      <dsp:spPr>
+        <a:xfrm>
+          <a:off x="2355850" y="418815"/>
+          <a:ext cx="452659" cy="529526"/>
+        </a:xfrm>
+        <a:prstGeom prst="rightArrow">
+          <a:avLst>
+            <a:gd name="adj1" fmla="val 60000"/>
+            <a:gd name="adj2" fmla="val 50000"/>
+          </a:avLst>
+        </a:prstGeom>
+        <a:solidFill>
+          <a:schemeClr val="accent1">
+            <a:tint val="60000"/>
+            <a:hueOff val="0"/>
+            <a:satOff val="0"/>
+            <a:lumOff val="0"/>
+            <a:alphaOff val="0"/>
+          </a:schemeClr>
+        </a:solidFill>
+        <a:ln>
+          <a:noFill/>
+        </a:ln>
+        <a:effectLst/>
+      </dsp:spPr>
+      <dsp:style>
+        <a:lnRef idx="0">
+          <a:scrgbClr r="0" g="0" b="0"/>
+        </a:lnRef>
+        <a:fillRef idx="1">
+          <a:scrgbClr r="0" g="0" b="0"/>
+        </a:fillRef>
+        <a:effectRef idx="0">
+          <a:scrgbClr r="0" g="0" b="0"/>
+        </a:effectRef>
+        <a:fontRef idx="minor">
+          <a:schemeClr val="lt1"/>
+        </a:fontRef>
+      </dsp:style>
+      <dsp:txBody>
+        <a:bodyPr spcFirstLastPara="0" vert="horz" wrap="square" lIns="0" tIns="0" rIns="0" bIns="0" numCol="1" spcCol="1270" anchor="ctr" anchorCtr="0">
+          <a:noAutofit/>
+        </a:bodyPr>
+        <a:lstStyle/>
+        <a:p>
+          <a:pPr lvl="0" algn="ctr" defTabSz="977900">
+            <a:lnSpc>
+              <a:spcPct val="90000"/>
+            </a:lnSpc>
+            <a:spcBef>
+              <a:spcPct val="0"/>
+            </a:spcBef>
+            <a:spcAft>
+              <a:spcPct val="35000"/>
+            </a:spcAft>
+          </a:pPr>
+          <a:endParaRPr lang="en-US" sz="2200" kern="1200"/>
+        </a:p>
+      </dsp:txBody>
+      <dsp:txXfrm>
+        <a:off x="2355850" y="524720"/>
+        <a:ext cx="316861" cy="317716"/>
+      </dsp:txXfrm>
+    </dsp:sp>
+    <dsp:sp modelId="{7E87DED9-B82E-4C4E-B82C-718D16C58520}">
+      <dsp:nvSpPr>
+        <dsp:cNvPr id="0" name=""/>
+        <dsp:cNvSpPr/>
+      </dsp:nvSpPr>
+      <dsp:spPr>
+        <a:xfrm>
+          <a:off x="2996406" y="43022"/>
+          <a:ext cx="2135187" cy="1281112"/>
+        </a:xfrm>
+        <a:prstGeom prst="roundRect">
+          <a:avLst>
+            <a:gd name="adj" fmla="val 10000"/>
+          </a:avLst>
+        </a:prstGeom>
+        <a:solidFill>
+          <a:schemeClr val="accent1">
+            <a:hueOff val="0"/>
+            <a:satOff val="0"/>
+            <a:lumOff val="0"/>
+            <a:alphaOff val="0"/>
+          </a:schemeClr>
+        </a:solidFill>
+        <a:ln w="15875" cap="flat" cmpd="sng" algn="ctr">
+          <a:solidFill>
+            <a:schemeClr val="lt1">
+              <a:hueOff val="0"/>
+              <a:satOff val="0"/>
+              <a:lumOff val="0"/>
+              <a:alphaOff val="0"/>
+            </a:schemeClr>
+          </a:solidFill>
+          <a:prstDash val="solid"/>
+        </a:ln>
+        <a:effectLst/>
+      </dsp:spPr>
+      <dsp:style>
+        <a:lnRef idx="2">
+          <a:scrgbClr r="0" g="0" b="0"/>
+        </a:lnRef>
+        <a:fillRef idx="1">
+          <a:scrgbClr r="0" g="0" b="0"/>
+        </a:fillRef>
+        <a:effectRef idx="0">
+          <a:scrgbClr r="0" g="0" b="0"/>
+        </a:effectRef>
+        <a:fontRef idx="minor">
+          <a:schemeClr val="lt1"/>
+        </a:fontRef>
+      </dsp:style>
+      <dsp:txBody>
+        <a:bodyPr spcFirstLastPara="0" vert="horz" wrap="square" lIns="106680" tIns="106680" rIns="106680" bIns="106680" numCol="1" spcCol="1270" anchor="ctr" anchorCtr="0">
+          <a:noAutofit/>
+        </a:bodyPr>
+        <a:lstStyle/>
+        <a:p>
+          <a:pPr lvl="0" algn="ctr" defTabSz="1244600">
+            <a:lnSpc>
+              <a:spcPct val="90000"/>
+            </a:lnSpc>
+            <a:spcBef>
+              <a:spcPct val="0"/>
+            </a:spcBef>
+            <a:spcAft>
+              <a:spcPct val="35000"/>
+            </a:spcAft>
+          </a:pPr>
+          <a:r>
+            <a:rPr lang="zh-CN" altLang="en-US" sz="2800" kern="1200" dirty="0" smtClean="0"/>
+            <a:t>探索查询（秒级）</a:t>
+          </a:r>
+          <a:endParaRPr lang="en-US" sz="2800" kern="1200" dirty="0"/>
+        </a:p>
+      </dsp:txBody>
+      <dsp:txXfrm>
+        <a:off x="3033928" y="80544"/>
+        <a:ext cx="2060143" cy="1206068"/>
+      </dsp:txXfrm>
+    </dsp:sp>
+    <dsp:sp modelId="{3BAECF52-D91D-4C80-BBBF-878B6D6031B4}">
+      <dsp:nvSpPr>
+        <dsp:cNvPr id="0" name=""/>
+        <dsp:cNvSpPr/>
+      </dsp:nvSpPr>
+      <dsp:spPr>
+        <a:xfrm>
+          <a:off x="5345112" y="418815"/>
+          <a:ext cx="452659" cy="529526"/>
+        </a:xfrm>
+        <a:prstGeom prst="rightArrow">
+          <a:avLst>
+            <a:gd name="adj1" fmla="val 60000"/>
+            <a:gd name="adj2" fmla="val 50000"/>
+          </a:avLst>
+        </a:prstGeom>
+        <a:solidFill>
+          <a:schemeClr val="accent1">
+            <a:tint val="60000"/>
+            <a:hueOff val="0"/>
+            <a:satOff val="0"/>
+            <a:lumOff val="0"/>
+            <a:alphaOff val="0"/>
+          </a:schemeClr>
+        </a:solidFill>
+        <a:ln>
+          <a:noFill/>
+        </a:ln>
+        <a:effectLst/>
+      </dsp:spPr>
+      <dsp:style>
+        <a:lnRef idx="0">
+          <a:scrgbClr r="0" g="0" b="0"/>
+        </a:lnRef>
+        <a:fillRef idx="1">
+          <a:scrgbClr r="0" g="0" b="0"/>
+        </a:fillRef>
+        <a:effectRef idx="0">
+          <a:scrgbClr r="0" g="0" b="0"/>
+        </a:effectRef>
+        <a:fontRef idx="minor">
+          <a:schemeClr val="lt1"/>
+        </a:fontRef>
+      </dsp:style>
+      <dsp:txBody>
+        <a:bodyPr spcFirstLastPara="0" vert="horz" wrap="square" lIns="0" tIns="0" rIns="0" bIns="0" numCol="1" spcCol="1270" anchor="ctr" anchorCtr="0">
+          <a:noAutofit/>
+        </a:bodyPr>
+        <a:lstStyle/>
+        <a:p>
+          <a:pPr lvl="0" algn="ctr" defTabSz="977900">
+            <a:lnSpc>
+              <a:spcPct val="90000"/>
+            </a:lnSpc>
+            <a:spcBef>
+              <a:spcPct val="0"/>
+            </a:spcBef>
+            <a:spcAft>
+              <a:spcPct val="35000"/>
+            </a:spcAft>
+          </a:pPr>
+          <a:endParaRPr lang="en-US" sz="2200" kern="1200"/>
+        </a:p>
+      </dsp:txBody>
+      <dsp:txXfrm>
+        <a:off x="5345112" y="524720"/>
+        <a:ext cx="316861" cy="317716"/>
+      </dsp:txXfrm>
+    </dsp:sp>
+    <dsp:sp modelId="{98CEBC32-BB00-4A7D-A55F-2F4CD992E347}">
+      <dsp:nvSpPr>
+        <dsp:cNvPr id="0" name=""/>
+        <dsp:cNvSpPr/>
+      </dsp:nvSpPr>
+      <dsp:spPr>
+        <a:xfrm>
+          <a:off x="5985668" y="43022"/>
+          <a:ext cx="2135187" cy="1281112"/>
+        </a:xfrm>
+        <a:prstGeom prst="roundRect">
+          <a:avLst>
+            <a:gd name="adj" fmla="val 10000"/>
+          </a:avLst>
+        </a:prstGeom>
+        <a:solidFill>
+          <a:schemeClr val="accent1">
+            <a:hueOff val="0"/>
+            <a:satOff val="0"/>
+            <a:lumOff val="0"/>
+            <a:alphaOff val="0"/>
+          </a:schemeClr>
+        </a:solidFill>
+        <a:ln w="15875" cap="flat" cmpd="sng" algn="ctr">
+          <a:solidFill>
+            <a:schemeClr val="lt1">
+              <a:hueOff val="0"/>
+              <a:satOff val="0"/>
+              <a:lumOff val="0"/>
+              <a:alphaOff val="0"/>
+            </a:schemeClr>
+          </a:solidFill>
+          <a:prstDash val="solid"/>
+        </a:ln>
+        <a:effectLst/>
+      </dsp:spPr>
+      <dsp:style>
+        <a:lnRef idx="2">
+          <a:scrgbClr r="0" g="0" b="0"/>
+        </a:lnRef>
+        <a:fillRef idx="1">
+          <a:scrgbClr r="0" g="0" b="0"/>
+        </a:fillRef>
+        <a:effectRef idx="0">
+          <a:scrgbClr r="0" g="0" b="0"/>
+        </a:effectRef>
+        <a:fontRef idx="minor">
+          <a:schemeClr val="lt1"/>
+        </a:fontRef>
+      </dsp:style>
+      <dsp:txBody>
+        <a:bodyPr spcFirstLastPara="0" vert="horz" wrap="square" lIns="106680" tIns="106680" rIns="106680" bIns="106680" numCol="1" spcCol="1270" anchor="ctr" anchorCtr="0">
+          <a:noAutofit/>
+        </a:bodyPr>
+        <a:lstStyle/>
+        <a:p>
+          <a:pPr lvl="0" algn="ctr" defTabSz="1244600">
+            <a:lnSpc>
+              <a:spcPct val="90000"/>
+            </a:lnSpc>
+            <a:spcBef>
+              <a:spcPct val="0"/>
+            </a:spcBef>
+            <a:spcAft>
+              <a:spcPct val="35000"/>
+            </a:spcAft>
+          </a:pPr>
+          <a:r>
+            <a:rPr lang="zh-CN" altLang="en-US" sz="2800" kern="1200" dirty="0" smtClean="0"/>
+            <a:t>大数据验证（小时级）</a:t>
+          </a:r>
+          <a:endParaRPr lang="en-US" sz="2800" kern="1200" dirty="0"/>
+        </a:p>
+      </dsp:txBody>
+      <dsp:txXfrm>
+        <a:off x="6023190" y="80544"/>
+        <a:ext cx="2060143" cy="1206068"/>
+      </dsp:txXfrm>
+    </dsp:sp>
   </dsp:spTree>
 </dsp:drawing>
 </file>
@@ -5024,7 +5410,7 @@
           <a:p>
             <a:fld id="{3A5F2B64-BCAF-4891-9776-99A410A52B5D}" type="datetimeFigureOut">
               <a:rPr lang="en-US" smtClean="0"/>
-              <a:t>5/30/2016</a:t>
+              <a:t>6/6/2016</a:t>
             </a:fld>
             <a:endParaRPr lang="en-US"/>
           </a:p>
@@ -5232,7 +5618,7 @@
           <a:p>
             <a:fld id="{3A5F2B64-BCAF-4891-9776-99A410A52B5D}" type="datetimeFigureOut">
               <a:rPr lang="en-US" smtClean="0"/>
-              <a:t>5/30/2016</a:t>
+              <a:t>6/6/2016</a:t>
             </a:fld>
             <a:endParaRPr lang="en-US"/>
           </a:p>
@@ -5488,7 +5874,7 @@
           <a:p>
             <a:fld id="{3A5F2B64-BCAF-4891-9776-99A410A52B5D}" type="datetimeFigureOut">
               <a:rPr lang="en-US" smtClean="0"/>
-              <a:t>5/30/2016</a:t>
+              <a:t>6/6/2016</a:t>
             </a:fld>
             <a:endParaRPr lang="en-US"/>
           </a:p>
@@ -5698,7 +6084,7 @@
           <a:p>
             <a:fld id="{3A5F2B64-BCAF-4891-9776-99A410A52B5D}" type="datetimeFigureOut">
               <a:rPr lang="en-US" smtClean="0"/>
-              <a:t>5/30/2016</a:t>
+              <a:t>6/6/2016</a:t>
             </a:fld>
             <a:endParaRPr lang="en-US"/>
           </a:p>
@@ -6041,7 +6427,7 @@
           <a:p>
             <a:fld id="{3A5F2B64-BCAF-4891-9776-99A410A52B5D}" type="datetimeFigureOut">
               <a:rPr lang="en-US" smtClean="0"/>
-              <a:t>5/30/2016</a:t>
+              <a:t>6/6/2016</a:t>
             </a:fld>
             <a:endParaRPr lang="en-US"/>
           </a:p>
@@ -6316,7 +6702,7 @@
           <a:p>
             <a:fld id="{3A5F2B64-BCAF-4891-9776-99A410A52B5D}" type="datetimeFigureOut">
               <a:rPr lang="en-US" smtClean="0"/>
-              <a:t>5/30/2016</a:t>
+              <a:t>6/6/2016</a:t>
             </a:fld>
             <a:endParaRPr lang="en-US"/>
           </a:p>
@@ -6695,7 +7081,7 @@
           <a:p>
             <a:fld id="{3A5F2B64-BCAF-4891-9776-99A410A52B5D}" type="datetimeFigureOut">
               <a:rPr lang="en-US" smtClean="0"/>
-              <a:t>5/30/2016</a:t>
+              <a:t>6/6/2016</a:t>
             </a:fld>
             <a:endParaRPr lang="en-US"/>
           </a:p>
@@ -6813,7 +7199,7 @@
           <a:p>
             <a:fld id="{3A5F2B64-BCAF-4891-9776-99A410A52B5D}" type="datetimeFigureOut">
               <a:rPr lang="en-US" smtClean="0"/>
-              <a:t>5/30/2016</a:t>
+              <a:t>6/6/2016</a:t>
             </a:fld>
             <a:endParaRPr lang="en-US"/>
           </a:p>
@@ -6984,7 +7370,7 @@
           <a:p>
             <a:fld id="{3A5F2B64-BCAF-4891-9776-99A410A52B5D}" type="datetimeFigureOut">
               <a:rPr lang="en-US" smtClean="0"/>
-              <a:t>5/30/2016</a:t>
+              <a:t>6/6/2016</a:t>
             </a:fld>
             <a:endParaRPr lang="en-US"/>
           </a:p>
@@ -7338,7 +7724,7 @@
           <a:p>
             <a:fld id="{3A5F2B64-BCAF-4891-9776-99A410A52B5D}" type="datetimeFigureOut">
               <a:rPr lang="en-US" smtClean="0"/>
-              <a:t>5/30/2016</a:t>
+              <a:t>6/6/2016</a:t>
             </a:fld>
             <a:endParaRPr lang="en-US"/>
           </a:p>
@@ -7720,7 +8106,7 @@
           <a:p>
             <a:fld id="{3A5F2B64-BCAF-4891-9776-99A410A52B5D}" type="datetimeFigureOut">
               <a:rPr lang="en-US" smtClean="0"/>
-              <a:t>5/30/2016</a:t>
+              <a:t>6/6/2016</a:t>
             </a:fld>
             <a:endParaRPr lang="en-US"/>
           </a:p>
@@ -8007,7 +8393,7 @@
           <a:p>
             <a:fld id="{3A5F2B64-BCAF-4891-9776-99A410A52B5D}" type="datetimeFigureOut">
               <a:rPr lang="en-US" smtClean="0"/>
-              <a:t>5/30/2016</a:t>
+              <a:t>6/6/2016</a:t>
             </a:fld>
             <a:endParaRPr lang="en-US"/>
           </a:p>
@@ -8644,6 +9030,13 @@
   <p:clrMapOvr>
     <a:masterClrMapping/>
   </p:clrMapOvr>
+  <p:timing>
+    <p:tnLst>
+      <p:par>
+        <p:cTn id="1" dur="indefinite" restart="never" nodeType="tmRoot"/>
+      </p:par>
+    </p:tnLst>
+  </p:timing>
 </p:sld>
 </file>
 
@@ -8825,84 +9218,12 @@
               <a:buChar char="•"/>
             </a:pPr>
             <a:r>
-              <a:rPr lang="en-US" dirty="0" smtClean="0"/>
-              <a:t> </a:t>
-            </a:r>
-            <a:r>
               <a:rPr lang="zh-CN" altLang="en-US" dirty="0" smtClean="0"/>
-              <a:t>核心问题：</a:t>
-            </a:r>
-            <a:r>
-              <a:rPr lang="zh-CN" altLang="en-US" dirty="0" smtClean="0">
-                <a:solidFill>
-                  <a:schemeClr val="accent2"/>
-                </a:solidFill>
-              </a:rPr>
-              <a:t>以哪一列（哪几列）为组？</a:t>
-            </a:r>
-            <a:endParaRPr lang="en-US" altLang="zh-CN" dirty="0" smtClean="0">
-              <a:solidFill>
-                <a:schemeClr val="accent2"/>
-              </a:solidFill>
-            </a:endParaRPr>
-          </a:p>
-          <a:p>
-            <a:pPr>
-              <a:lnSpc>
-                <a:spcPct val="125000"/>
-              </a:lnSpc>
-              <a:buFont typeface="Arial" panose="020B0604020202020204" pitchFamily="34" charset="0"/>
-              <a:buChar char="•"/>
-            </a:pPr>
-            <a:r>
-              <a:rPr lang="en-US" dirty="0"/>
-              <a:t> </a:t>
+              <a:t> 让</a:t>
             </a:r>
             <a:r>
               <a:rPr lang="zh-CN" altLang="en-US" dirty="0" smtClean="0"/>
-              <a:t>“</a:t>
-            </a:r>
-            <a:r>
-              <a:rPr lang="en-US" altLang="zh-CN" dirty="0" smtClean="0"/>
-              <a:t>90%</a:t>
-            </a:r>
-            <a:r>
-              <a:rPr lang="zh-CN" altLang="en-US" dirty="0" smtClean="0"/>
-              <a:t>的查询落在</a:t>
-            </a:r>
-            <a:r>
-              <a:rPr lang="en-US" altLang="zh-CN" dirty="0" smtClean="0"/>
-              <a:t>20%</a:t>
-            </a:r>
-            <a:r>
-              <a:rPr lang="zh-CN" altLang="en-US" dirty="0" smtClean="0"/>
-              <a:t>的列组合上”</a:t>
-            </a:r>
-            <a:r>
-              <a:rPr lang="en-US" altLang="zh-CN" dirty="0" smtClean="0"/>
-              <a:t>——</a:t>
-            </a:r>
-            <a:r>
-              <a:rPr lang="en-US" altLang="zh-CN" dirty="0" err="1" smtClean="0"/>
-              <a:t>BlinkDB</a:t>
-            </a:r>
-            <a:endParaRPr lang="en-US" altLang="zh-CN" dirty="0" smtClean="0"/>
-          </a:p>
-          <a:p>
-            <a:pPr>
-              <a:lnSpc>
-                <a:spcPct val="125000"/>
-              </a:lnSpc>
-              <a:buFont typeface="Arial" panose="020B0604020202020204" pitchFamily="34" charset="0"/>
-              <a:buChar char="•"/>
-            </a:pPr>
-            <a:r>
-              <a:rPr lang="en-US" dirty="0"/>
-              <a:t> </a:t>
-            </a:r>
-            <a:r>
-              <a:rPr lang="zh-CN" altLang="en-US" dirty="0" smtClean="0"/>
-              <a:t>让用户自己选定较为感兴趣的列，以这些列分组</a:t>
+              <a:t>用户自己选定较为感兴趣的列，以这些列分组</a:t>
             </a:r>
             <a:endParaRPr lang="en-US" altLang="zh-CN" dirty="0" smtClean="0"/>
           </a:p>
@@ -9171,6 +9492,1334 @@
 </file>
 
 <file path=ppt/slides/slide13.xml><?xml version="1.0" encoding="utf-8"?>
+<p:sld xmlns:a="http://schemas.openxmlformats.org/drawingml/2006/main" xmlns:r="http://schemas.openxmlformats.org/officeDocument/2006/relationships" xmlns:p="http://schemas.openxmlformats.org/presentationml/2006/main">
+  <p:cSld>
+    <p:spTree>
+      <p:nvGrpSpPr>
+        <p:cNvPr id="1" name=""/>
+        <p:cNvGrpSpPr/>
+        <p:nvPr/>
+      </p:nvGrpSpPr>
+      <p:grpSpPr>
+        <a:xfrm>
+          <a:off x="0" y="0"/>
+          <a:ext cx="0" cy="0"/>
+          <a:chOff x="0" y="0"/>
+          <a:chExt cx="0" cy="0"/>
+        </a:xfrm>
+      </p:grpSpPr>
+      <p:sp>
+        <p:nvSpPr>
+          <p:cNvPr id="2" name="Title 1"/>
+          <p:cNvSpPr>
+            <a:spLocks noGrp="1"/>
+          </p:cNvSpPr>
+          <p:nvPr>
+            <p:ph type="title"/>
+          </p:nvPr>
+        </p:nvSpPr>
+        <p:spPr/>
+        <p:txBody>
+          <a:bodyPr/>
+          <a:lstStyle/>
+          <a:p>
+            <a:r>
+              <a:rPr lang="zh-CN" altLang="en-US" dirty="0" smtClean="0"/>
+              <a:t>系统结构</a:t>
+            </a:r>
+            <a:endParaRPr lang="en-US" dirty="0"/>
+          </a:p>
+        </p:txBody>
+      </p:sp>
+      <p:pic>
+        <p:nvPicPr>
+          <p:cNvPr id="4" name="Picture 3"/>
+          <p:cNvPicPr/>
+          <p:nvPr/>
+        </p:nvPicPr>
+        <p:blipFill>
+          <a:blip r:embed="rId2"/>
+          <a:stretch>
+            <a:fillRect/>
+          </a:stretch>
+        </p:blipFill>
+        <p:spPr>
+          <a:xfrm>
+            <a:off x="2423806" y="1873169"/>
+            <a:ext cx="5887275" cy="4442059"/>
+          </a:xfrm>
+          <a:prstGeom prst="rect">
+            <a:avLst/>
+          </a:prstGeom>
+        </p:spPr>
+      </p:pic>
+    </p:spTree>
+    <p:extLst>
+      <p:ext uri="{BB962C8B-B14F-4D97-AF65-F5344CB8AC3E}">
+        <p14:creationId xmlns:p14="http://schemas.microsoft.com/office/powerpoint/2010/main" val="1414086569"/>
+      </p:ext>
+    </p:extLst>
+  </p:cSld>
+  <p:clrMapOvr>
+    <a:masterClrMapping/>
+  </p:clrMapOvr>
+  <p:timing>
+    <p:tnLst>
+      <p:par>
+        <p:cTn id="1" dur="indefinite" restart="never" nodeType="tmRoot"/>
+      </p:par>
+    </p:tnLst>
+  </p:timing>
+</p:sld>
+</file>
+
+<file path=ppt/slides/slide14.xml><?xml version="1.0" encoding="utf-8"?>
+<p:sld xmlns:a="http://schemas.openxmlformats.org/drawingml/2006/main" xmlns:r="http://schemas.openxmlformats.org/officeDocument/2006/relationships" xmlns:p="http://schemas.openxmlformats.org/presentationml/2006/main">
+  <p:cSld>
+    <p:spTree>
+      <p:nvGrpSpPr>
+        <p:cNvPr id="1" name=""/>
+        <p:cNvGrpSpPr/>
+        <p:nvPr/>
+      </p:nvGrpSpPr>
+      <p:grpSpPr>
+        <a:xfrm>
+          <a:off x="0" y="0"/>
+          <a:ext cx="0" cy="0"/>
+          <a:chOff x="0" y="0"/>
+          <a:chExt cx="0" cy="0"/>
+        </a:xfrm>
+      </p:grpSpPr>
+      <p:sp>
+        <p:nvSpPr>
+          <p:cNvPr id="2" name="Title 1"/>
+          <p:cNvSpPr>
+            <a:spLocks noGrp="1"/>
+          </p:cNvSpPr>
+          <p:nvPr>
+            <p:ph type="title" idx="4294967295"/>
+          </p:nvPr>
+        </p:nvSpPr>
+        <p:spPr>
+          <a:xfrm>
+            <a:off x="217714" y="315686"/>
+            <a:ext cx="2754086" cy="811439"/>
+          </a:xfrm>
+        </p:spPr>
+        <p:txBody>
+          <a:bodyPr/>
+          <a:lstStyle/>
+          <a:p>
+            <a:r>
+              <a:rPr lang="zh-CN" altLang="en-US" dirty="0" smtClean="0">
+                <a:latin typeface="Microsoft YaHei" panose="020B0503020204020204" pitchFamily="34" charset="-122"/>
+                <a:ea typeface="Microsoft YaHei" panose="020B0503020204020204" pitchFamily="34" charset="-122"/>
+              </a:rPr>
+              <a:t>实验结果</a:t>
+            </a:r>
+            <a:endParaRPr lang="en-US" dirty="0">
+              <a:latin typeface="Microsoft YaHei" panose="020B0503020204020204" pitchFamily="34" charset="-122"/>
+              <a:ea typeface="Microsoft YaHei" panose="020B0503020204020204" pitchFamily="34" charset="-122"/>
+            </a:endParaRPr>
+          </a:p>
+        </p:txBody>
+      </p:sp>
+      <p:graphicFrame>
+        <p:nvGraphicFramePr>
+          <p:cNvPr id="5" name="Chart 4"/>
+          <p:cNvGraphicFramePr/>
+          <p:nvPr>
+            <p:extLst>
+              <p:ext uri="{D42A27DB-BD31-4B8C-83A1-F6EECF244321}">
+                <p14:modId xmlns:p14="http://schemas.microsoft.com/office/powerpoint/2010/main" val="171521813"/>
+              </p:ext>
+            </p:extLst>
+          </p:nvPr>
+        </p:nvGraphicFramePr>
+        <p:xfrm>
+          <a:off x="2369950" y="2002969"/>
+          <a:ext cx="8025907" cy="4278087"/>
+        </p:xfrm>
+        <a:graphic>
+          <a:graphicData uri="http://schemas.openxmlformats.org/drawingml/2006/chart">
+            <c:chart xmlns:c="http://schemas.openxmlformats.org/drawingml/2006/chart" xmlns:r="http://schemas.openxmlformats.org/officeDocument/2006/relationships" r:id="rId2"/>
+          </a:graphicData>
+        </a:graphic>
+      </p:graphicFrame>
+      <p:sp>
+        <p:nvSpPr>
+          <p:cNvPr id="6" name="TextBox 5"/>
+          <p:cNvSpPr txBox="1"/>
+          <p:nvPr/>
+        </p:nvSpPr>
+        <p:spPr>
+          <a:xfrm>
+            <a:off x="217714" y="1334215"/>
+            <a:ext cx="10047514" cy="461665"/>
+          </a:xfrm>
+          <a:prstGeom prst="rect">
+            <a:avLst/>
+          </a:prstGeom>
+          <a:noFill/>
+        </p:spPr>
+        <p:txBody>
+          <a:bodyPr wrap="square" rtlCol="0">
+            <a:spAutoFit/>
+          </a:bodyPr>
+          <a:lstStyle/>
+          <a:p>
+            <a:pPr marL="285750" indent="-285750">
+              <a:buFont typeface="Arial" panose="020B0604020202020204" pitchFamily="34" charset="0"/>
+              <a:buChar char="•"/>
+            </a:pPr>
+            <a:r>
+              <a:rPr lang="en-US" sz="2400" dirty="0" smtClean="0">
+                <a:latin typeface="Microsoft YaHei" panose="020B0503020204020204" pitchFamily="34" charset="-122"/>
+                <a:ea typeface="Microsoft YaHei" panose="020B0503020204020204" pitchFamily="34" charset="-122"/>
+              </a:rPr>
+              <a:t>10</a:t>
+            </a:r>
+            <a:r>
+              <a:rPr lang="zh-CN" altLang="en-US" sz="2400" dirty="0" smtClean="0">
+                <a:latin typeface="Microsoft YaHei" panose="020B0503020204020204" pitchFamily="34" charset="-122"/>
+                <a:ea typeface="Microsoft YaHei" panose="020B0503020204020204" pitchFamily="34" charset="-122"/>
+              </a:rPr>
+              <a:t>条随机查询的总时间</a:t>
+            </a:r>
+            <a:endParaRPr lang="en-US" sz="2400" dirty="0">
+              <a:latin typeface="Microsoft YaHei" panose="020B0503020204020204" pitchFamily="34" charset="-122"/>
+              <a:ea typeface="Microsoft YaHei" panose="020B0503020204020204" pitchFamily="34" charset="-122"/>
+            </a:endParaRPr>
+          </a:p>
+        </p:txBody>
+      </p:sp>
+    </p:spTree>
+    <p:extLst>
+      <p:ext uri="{BB962C8B-B14F-4D97-AF65-F5344CB8AC3E}">
+        <p14:creationId xmlns:p14="http://schemas.microsoft.com/office/powerpoint/2010/main" val="2156255086"/>
+      </p:ext>
+    </p:extLst>
+  </p:cSld>
+  <p:clrMapOvr>
+    <a:masterClrMapping/>
+  </p:clrMapOvr>
+  <p:timing>
+    <p:tnLst>
+      <p:par>
+        <p:cTn id="1" dur="indefinite" restart="never" nodeType="tmRoot"/>
+      </p:par>
+    </p:tnLst>
+  </p:timing>
+</p:sld>
+</file>
+
+<file path=ppt/slides/slide15.xml><?xml version="1.0" encoding="utf-8"?>
+<p:sld xmlns:a="http://schemas.openxmlformats.org/drawingml/2006/main" xmlns:r="http://schemas.openxmlformats.org/officeDocument/2006/relationships" xmlns:p="http://schemas.openxmlformats.org/presentationml/2006/main">
+  <p:cSld>
+    <p:spTree>
+      <p:nvGrpSpPr>
+        <p:cNvPr id="1" name=""/>
+        <p:cNvGrpSpPr/>
+        <p:nvPr/>
+      </p:nvGrpSpPr>
+      <p:grpSpPr>
+        <a:xfrm>
+          <a:off x="0" y="0"/>
+          <a:ext cx="0" cy="0"/>
+          <a:chOff x="0" y="0"/>
+          <a:chExt cx="0" cy="0"/>
+        </a:xfrm>
+      </p:grpSpPr>
+      <p:sp>
+        <p:nvSpPr>
+          <p:cNvPr id="2" name="Title 1"/>
+          <p:cNvSpPr>
+            <a:spLocks noGrp="1"/>
+          </p:cNvSpPr>
+          <p:nvPr>
+            <p:ph type="title" idx="4294967295"/>
+          </p:nvPr>
+        </p:nvSpPr>
+        <p:spPr>
+          <a:xfrm>
+            <a:off x="228600" y="239486"/>
+            <a:ext cx="2579914" cy="811439"/>
+          </a:xfrm>
+        </p:spPr>
+        <p:txBody>
+          <a:bodyPr>
+            <a:normAutofit fontScale="90000"/>
+          </a:bodyPr>
+          <a:lstStyle/>
+          <a:p>
+            <a:r>
+              <a:rPr lang="zh-CN" altLang="en-US" dirty="0" smtClean="0">
+                <a:latin typeface="Microsoft YaHei" panose="020B0503020204020204" pitchFamily="34" charset="-122"/>
+                <a:ea typeface="Microsoft YaHei" panose="020B0503020204020204" pitchFamily="34" charset="-122"/>
+              </a:rPr>
+              <a:t>实验结果</a:t>
+            </a:r>
+            <a:endParaRPr lang="en-US" dirty="0">
+              <a:latin typeface="Microsoft YaHei" panose="020B0503020204020204" pitchFamily="34" charset="-122"/>
+              <a:ea typeface="Microsoft YaHei" panose="020B0503020204020204" pitchFamily="34" charset="-122"/>
+            </a:endParaRPr>
+          </a:p>
+        </p:txBody>
+      </p:sp>
+      <p:sp>
+        <p:nvSpPr>
+          <p:cNvPr id="6" name="TextBox 5"/>
+          <p:cNvSpPr txBox="1"/>
+          <p:nvPr/>
+        </p:nvSpPr>
+        <p:spPr>
+          <a:xfrm>
+            <a:off x="228599" y="1162594"/>
+            <a:ext cx="11310257" cy="461665"/>
+          </a:xfrm>
+          <a:prstGeom prst="rect">
+            <a:avLst/>
+          </a:prstGeom>
+          <a:noFill/>
+        </p:spPr>
+        <p:txBody>
+          <a:bodyPr wrap="square" rtlCol="0">
+            <a:spAutoFit/>
+          </a:bodyPr>
+          <a:lstStyle/>
+          <a:p>
+            <a:pPr marL="285750" indent="-285750">
+              <a:buFont typeface="Arial" panose="020B0604020202020204" pitchFamily="34" charset="0"/>
+              <a:buChar char="•"/>
+            </a:pPr>
+            <a:r>
+              <a:rPr lang="en-US" sz="2400" dirty="0" smtClean="0">
+                <a:latin typeface="Microsoft YaHei" panose="020B0503020204020204" pitchFamily="34" charset="-122"/>
+                <a:ea typeface="Microsoft YaHei" panose="020B0503020204020204" pitchFamily="34" charset="-122"/>
+              </a:rPr>
+              <a:t>100</a:t>
+            </a:r>
+            <a:r>
+              <a:rPr lang="zh-CN" altLang="en-US" sz="2400" dirty="0" smtClean="0">
+                <a:latin typeface="Microsoft YaHei" panose="020B0503020204020204" pitchFamily="34" charset="-122"/>
+                <a:ea typeface="Microsoft YaHei" panose="020B0503020204020204" pitchFamily="34" charset="-122"/>
+              </a:rPr>
+              <a:t>条随机查询（</a:t>
+            </a:r>
+            <a:r>
+              <a:rPr lang="en-US" altLang="zh-CN" sz="2400" dirty="0" smtClean="0">
+                <a:latin typeface="Microsoft YaHei" panose="020B0503020204020204" pitchFamily="34" charset="-122"/>
+                <a:ea typeface="Microsoft YaHei" panose="020B0503020204020204" pitchFamily="34" charset="-122"/>
+              </a:rPr>
+              <a:t>80</a:t>
+            </a:r>
+            <a:r>
+              <a:rPr lang="zh-CN" altLang="en-US" sz="2400" dirty="0" smtClean="0">
+                <a:latin typeface="Microsoft YaHei" panose="020B0503020204020204" pitchFamily="34" charset="-122"/>
+                <a:ea typeface="Microsoft YaHei" panose="020B0503020204020204" pitchFamily="34" charset="-122"/>
+              </a:rPr>
+              <a:t>条预设列查询）的平均相对误差</a:t>
+            </a:r>
+            <a:endParaRPr lang="en-US" sz="2400" dirty="0">
+              <a:latin typeface="Microsoft YaHei" panose="020B0503020204020204" pitchFamily="34" charset="-122"/>
+              <a:ea typeface="Microsoft YaHei" panose="020B0503020204020204" pitchFamily="34" charset="-122"/>
+            </a:endParaRPr>
+          </a:p>
+        </p:txBody>
+      </p:sp>
+      <p:graphicFrame>
+        <p:nvGraphicFramePr>
+          <p:cNvPr id="5" name="Chart 4"/>
+          <p:cNvGraphicFramePr/>
+          <p:nvPr>
+            <p:extLst>
+              <p:ext uri="{D42A27DB-BD31-4B8C-83A1-F6EECF244321}">
+                <p14:modId xmlns:p14="http://schemas.microsoft.com/office/powerpoint/2010/main" val="1454220938"/>
+              </p:ext>
+            </p:extLst>
+          </p:nvPr>
+        </p:nvGraphicFramePr>
+        <p:xfrm>
+          <a:off x="1477794" y="1930650"/>
+          <a:ext cx="8825050" cy="4316242"/>
+        </p:xfrm>
+        <a:graphic>
+          <a:graphicData uri="http://schemas.openxmlformats.org/drawingml/2006/chart">
+            <c:chart xmlns:c="http://schemas.openxmlformats.org/drawingml/2006/chart" xmlns:r="http://schemas.openxmlformats.org/officeDocument/2006/relationships" r:id="rId2"/>
+          </a:graphicData>
+        </a:graphic>
+      </p:graphicFrame>
+    </p:spTree>
+    <p:extLst>
+      <p:ext uri="{BB962C8B-B14F-4D97-AF65-F5344CB8AC3E}">
+        <p14:creationId xmlns:p14="http://schemas.microsoft.com/office/powerpoint/2010/main" val="3155686409"/>
+      </p:ext>
+    </p:extLst>
+  </p:cSld>
+  <p:clrMapOvr>
+    <a:masterClrMapping/>
+  </p:clrMapOvr>
+  <p:timing>
+    <p:tnLst>
+      <p:par>
+        <p:cTn id="1" dur="indefinite" restart="never" nodeType="tmRoot"/>
+      </p:par>
+    </p:tnLst>
+  </p:timing>
+</p:sld>
+</file>
+
+<file path=ppt/slides/slide16.xml><?xml version="1.0" encoding="utf-8"?>
+<p:sld xmlns:a="http://schemas.openxmlformats.org/drawingml/2006/main" xmlns:r="http://schemas.openxmlformats.org/officeDocument/2006/relationships" xmlns:p="http://schemas.openxmlformats.org/presentationml/2006/main">
+  <p:cSld>
+    <p:spTree>
+      <p:nvGrpSpPr>
+        <p:cNvPr id="1" name=""/>
+        <p:cNvGrpSpPr/>
+        <p:nvPr/>
+      </p:nvGrpSpPr>
+      <p:grpSpPr>
+        <a:xfrm>
+          <a:off x="0" y="0"/>
+          <a:ext cx="0" cy="0"/>
+          <a:chOff x="0" y="0"/>
+          <a:chExt cx="0" cy="0"/>
+        </a:xfrm>
+      </p:grpSpPr>
+      <p:sp>
+        <p:nvSpPr>
+          <p:cNvPr id="2" name="Title 1"/>
+          <p:cNvSpPr>
+            <a:spLocks noGrp="1"/>
+          </p:cNvSpPr>
+          <p:nvPr>
+            <p:ph type="title"/>
+          </p:nvPr>
+        </p:nvSpPr>
+        <p:spPr/>
+        <p:txBody>
+          <a:bodyPr/>
+          <a:lstStyle/>
+          <a:p>
+            <a:r>
+              <a:rPr lang="zh-CN" altLang="en-US" dirty="0" smtClean="0"/>
+              <a:t>结论</a:t>
+            </a:r>
+            <a:endParaRPr lang="en-US" dirty="0"/>
+          </a:p>
+        </p:txBody>
+      </p:sp>
+      <p:sp>
+        <p:nvSpPr>
+          <p:cNvPr id="3" name="Content Placeholder 2"/>
+          <p:cNvSpPr>
+            <a:spLocks noGrp="1"/>
+          </p:cNvSpPr>
+          <p:nvPr>
+            <p:ph idx="1"/>
+          </p:nvPr>
+        </p:nvSpPr>
+        <p:spPr/>
+        <p:txBody>
+          <a:bodyPr/>
+          <a:lstStyle/>
+          <a:p>
+            <a:pPr>
+              <a:lnSpc>
+                <a:spcPct val="150000"/>
+              </a:lnSpc>
+              <a:buFont typeface="Arial" panose="020B0604020202020204" pitchFamily="34" charset="0"/>
+              <a:buChar char="•"/>
+            </a:pPr>
+            <a:r>
+              <a:rPr lang="en-US" dirty="0" smtClean="0"/>
+              <a:t> </a:t>
+            </a:r>
+            <a:r>
+              <a:rPr lang="zh-CN" altLang="en-US" dirty="0" smtClean="0"/>
+              <a:t>比起直接用</a:t>
+            </a:r>
+            <a:r>
+              <a:rPr lang="en-US" altLang="zh-CN" dirty="0" smtClean="0"/>
+              <a:t>Spark</a:t>
+            </a:r>
+            <a:r>
+              <a:rPr lang="zh-CN" altLang="en-US" dirty="0" smtClean="0"/>
+              <a:t>等大数据框架查询，采样推断可以</a:t>
+            </a:r>
+            <a:r>
+              <a:rPr lang="zh-CN" altLang="en-US" dirty="0" smtClean="0">
+                <a:solidFill>
+                  <a:schemeClr val="accent2"/>
+                </a:solidFill>
+              </a:rPr>
+              <a:t>极大缩短查询的时间</a:t>
+            </a:r>
+            <a:endParaRPr lang="en-US" altLang="zh-CN" dirty="0" smtClean="0">
+              <a:solidFill>
+                <a:schemeClr val="accent2"/>
+              </a:solidFill>
+            </a:endParaRPr>
+          </a:p>
+          <a:p>
+            <a:pPr lvl="1">
+              <a:lnSpc>
+                <a:spcPct val="150000"/>
+              </a:lnSpc>
+              <a:buFont typeface="Arial" panose="020B0604020202020204" pitchFamily="34" charset="0"/>
+              <a:buChar char="•"/>
+            </a:pPr>
+            <a:r>
+              <a:rPr lang="zh-CN" altLang="en-US" dirty="0">
+                <a:solidFill>
+                  <a:schemeClr val="tx1"/>
+                </a:solidFill>
+              </a:rPr>
+              <a:t>数据量</a:t>
+            </a:r>
+            <a:r>
+              <a:rPr lang="zh-CN" altLang="en-US" dirty="0" smtClean="0">
+                <a:solidFill>
+                  <a:schemeClr val="tx1"/>
+                </a:solidFill>
+              </a:rPr>
+              <a:t>小，复杂度低</a:t>
+            </a:r>
+            <a:endParaRPr lang="en-US" altLang="zh-CN" dirty="0" smtClean="0">
+              <a:solidFill>
+                <a:schemeClr val="tx1"/>
+              </a:solidFill>
+            </a:endParaRPr>
+          </a:p>
+          <a:p>
+            <a:pPr lvl="1">
+              <a:lnSpc>
+                <a:spcPct val="150000"/>
+              </a:lnSpc>
+              <a:buFont typeface="Arial" panose="020B0604020202020204" pitchFamily="34" charset="0"/>
+              <a:buChar char="•"/>
+            </a:pPr>
+            <a:r>
+              <a:rPr lang="zh-CN" altLang="en-US" dirty="0" smtClean="0">
+                <a:solidFill>
+                  <a:schemeClr val="tx1"/>
+                </a:solidFill>
+              </a:rPr>
+              <a:t>所有数据都在单机内存里，读取速度快</a:t>
+            </a:r>
+            <a:endParaRPr lang="en-US" altLang="zh-CN" dirty="0" smtClean="0">
+              <a:solidFill>
+                <a:schemeClr val="tx1"/>
+              </a:solidFill>
+            </a:endParaRPr>
+          </a:p>
+          <a:p>
+            <a:pPr>
+              <a:lnSpc>
+                <a:spcPct val="150000"/>
+              </a:lnSpc>
+              <a:buFont typeface="Arial" panose="020B0604020202020204" pitchFamily="34" charset="0"/>
+              <a:buChar char="•"/>
+            </a:pPr>
+            <a:r>
+              <a:rPr lang="en-US" altLang="zh-CN" dirty="0">
+                <a:solidFill>
+                  <a:schemeClr val="accent2"/>
+                </a:solidFill>
+              </a:rPr>
+              <a:t> </a:t>
+            </a:r>
+            <a:r>
+              <a:rPr lang="zh-CN" altLang="en-US" dirty="0" smtClean="0">
+                <a:solidFill>
+                  <a:schemeClr val="tx1"/>
+                </a:solidFill>
+              </a:rPr>
+              <a:t>分层采样的准确率和相对误差要</a:t>
+            </a:r>
+            <a:r>
+              <a:rPr lang="zh-CN" altLang="en-US" dirty="0" smtClean="0">
+                <a:solidFill>
+                  <a:schemeClr val="accent2"/>
+                </a:solidFill>
+              </a:rPr>
+              <a:t>明显好于随机采样算法</a:t>
+            </a:r>
+            <a:endParaRPr lang="en-US" altLang="zh-CN" dirty="0" smtClean="0">
+              <a:solidFill>
+                <a:schemeClr val="accent2"/>
+              </a:solidFill>
+            </a:endParaRPr>
+          </a:p>
+          <a:p>
+            <a:pPr lvl="1">
+              <a:lnSpc>
+                <a:spcPct val="150000"/>
+              </a:lnSpc>
+              <a:buFont typeface="Arial" panose="020B0604020202020204" pitchFamily="34" charset="0"/>
+              <a:buChar char="•"/>
+            </a:pPr>
+            <a:r>
+              <a:rPr lang="zh-CN" altLang="en-US" dirty="0">
+                <a:solidFill>
+                  <a:schemeClr val="tx1"/>
+                </a:solidFill>
+              </a:rPr>
+              <a:t>只</a:t>
+            </a:r>
+            <a:r>
+              <a:rPr lang="zh-CN" altLang="en-US" dirty="0" smtClean="0">
+                <a:solidFill>
+                  <a:schemeClr val="tx1"/>
+                </a:solidFill>
+              </a:rPr>
+              <a:t>要询问与选定的预设列基本吻合，准确度就非常令人满意</a:t>
+            </a:r>
+            <a:endParaRPr lang="en-US" altLang="zh-CN" dirty="0" smtClean="0">
+              <a:solidFill>
+                <a:schemeClr val="tx1"/>
+              </a:solidFill>
+            </a:endParaRPr>
+          </a:p>
+        </p:txBody>
+      </p:sp>
+    </p:spTree>
+    <p:extLst>
+      <p:ext uri="{BB962C8B-B14F-4D97-AF65-F5344CB8AC3E}">
+        <p14:creationId xmlns:p14="http://schemas.microsoft.com/office/powerpoint/2010/main" val="2464027010"/>
+      </p:ext>
+    </p:extLst>
+  </p:cSld>
+  <p:clrMapOvr>
+    <a:masterClrMapping/>
+  </p:clrMapOvr>
+  <p:timing>
+    <p:tnLst>
+      <p:par>
+        <p:cTn id="1" dur="indefinite" restart="never" nodeType="tmRoot"/>
+      </p:par>
+    </p:tnLst>
+  </p:timing>
+</p:sld>
+</file>
+
+<file path=ppt/slides/slide17.xml><?xml version="1.0" encoding="utf-8"?>
+<p:sld xmlns:a="http://schemas.openxmlformats.org/drawingml/2006/main" xmlns:r="http://schemas.openxmlformats.org/officeDocument/2006/relationships" xmlns:p="http://schemas.openxmlformats.org/presentationml/2006/main">
+  <p:cSld>
+    <p:spTree>
+      <p:nvGrpSpPr>
+        <p:cNvPr id="1" name=""/>
+        <p:cNvGrpSpPr/>
+        <p:nvPr/>
+      </p:nvGrpSpPr>
+      <p:grpSpPr>
+        <a:xfrm>
+          <a:off x="0" y="0"/>
+          <a:ext cx="0" cy="0"/>
+          <a:chOff x="0" y="0"/>
+          <a:chExt cx="0" cy="0"/>
+        </a:xfrm>
+      </p:grpSpPr>
+      <p:sp>
+        <p:nvSpPr>
+          <p:cNvPr id="2" name="Title 1"/>
+          <p:cNvSpPr>
+            <a:spLocks noGrp="1"/>
+          </p:cNvSpPr>
+          <p:nvPr>
+            <p:ph type="ctrTitle"/>
+          </p:nvPr>
+        </p:nvSpPr>
+        <p:spPr/>
+        <p:txBody>
+          <a:bodyPr>
+            <a:normAutofit/>
+          </a:bodyPr>
+          <a:lstStyle/>
+          <a:p>
+            <a:r>
+              <a:rPr lang="zh-CN" altLang="en-US" sz="8800" dirty="0" smtClean="0">
+                <a:latin typeface="Microsoft YaHei" panose="020B0503020204020204" pitchFamily="34" charset="-122"/>
+                <a:ea typeface="Microsoft YaHei" panose="020B0503020204020204" pitchFamily="34" charset="-122"/>
+              </a:rPr>
+              <a:t>谢谢！</a:t>
+            </a:r>
+            <a:endParaRPr lang="en-US" sz="8800" dirty="0">
+              <a:latin typeface="Microsoft YaHei" panose="020B0503020204020204" pitchFamily="34" charset="-122"/>
+              <a:ea typeface="Microsoft YaHei" panose="020B0503020204020204" pitchFamily="34" charset="-122"/>
+            </a:endParaRPr>
+          </a:p>
+        </p:txBody>
+      </p:sp>
+      <p:sp>
+        <p:nvSpPr>
+          <p:cNvPr id="4" name="Subtitle 3"/>
+          <p:cNvSpPr>
+            <a:spLocks noGrp="1"/>
+          </p:cNvSpPr>
+          <p:nvPr>
+            <p:ph type="subTitle" idx="1"/>
+          </p:nvPr>
+        </p:nvSpPr>
+        <p:spPr/>
+        <p:txBody>
+          <a:bodyPr/>
+          <a:lstStyle/>
+          <a:p>
+            <a:r>
+              <a:rPr lang="en-US" altLang="zh-CN" b="1" dirty="0" smtClean="0"/>
+              <a:t>Thank you</a:t>
+            </a:r>
+            <a:r>
+              <a:rPr lang="zh-CN" altLang="en-US" b="1" dirty="0" smtClean="0"/>
+              <a:t>！</a:t>
+            </a:r>
+            <a:endParaRPr lang="en-US" b="1" dirty="0"/>
+          </a:p>
+        </p:txBody>
+      </p:sp>
+    </p:spTree>
+    <p:extLst>
+      <p:ext uri="{BB962C8B-B14F-4D97-AF65-F5344CB8AC3E}">
+        <p14:creationId xmlns:p14="http://schemas.microsoft.com/office/powerpoint/2010/main" val="3279628881"/>
+      </p:ext>
+    </p:extLst>
+  </p:cSld>
+  <p:clrMapOvr>
+    <a:masterClrMapping/>
+  </p:clrMapOvr>
+  <p:timing>
+    <p:tnLst>
+      <p:par>
+        <p:cTn id="1" dur="indefinite" restart="never" nodeType="tmRoot"/>
+      </p:par>
+    </p:tnLst>
+  </p:timing>
+</p:sld>
+</file>
+
+<file path=ppt/slides/slide18.xml><?xml version="1.0" encoding="utf-8"?>
+<p:sld xmlns:a="http://schemas.openxmlformats.org/drawingml/2006/main" xmlns:r="http://schemas.openxmlformats.org/officeDocument/2006/relationships" xmlns:p="http://schemas.openxmlformats.org/presentationml/2006/main">
+  <p:cSld>
+    <p:spTree>
+      <p:nvGrpSpPr>
+        <p:cNvPr id="1" name=""/>
+        <p:cNvGrpSpPr/>
+        <p:nvPr/>
+      </p:nvGrpSpPr>
+      <p:grpSpPr>
+        <a:xfrm>
+          <a:off x="0" y="0"/>
+          <a:ext cx="0" cy="0"/>
+          <a:chOff x="0" y="0"/>
+          <a:chExt cx="0" cy="0"/>
+        </a:xfrm>
+      </p:grpSpPr>
+      <p:sp>
+        <p:nvSpPr>
+          <p:cNvPr id="2" name="Title 1"/>
+          <p:cNvSpPr>
+            <a:spLocks noGrp="1"/>
+          </p:cNvSpPr>
+          <p:nvPr>
+            <p:ph type="title"/>
+          </p:nvPr>
+        </p:nvSpPr>
+        <p:spPr/>
+        <p:txBody>
+          <a:bodyPr/>
+          <a:lstStyle/>
+          <a:p>
+            <a:r>
+              <a:rPr lang="zh-CN" altLang="en-US" dirty="0" smtClean="0"/>
+              <a:t>未来工作</a:t>
+            </a:r>
+            <a:endParaRPr lang="en-US" dirty="0"/>
+          </a:p>
+        </p:txBody>
+      </p:sp>
+      <p:sp>
+        <p:nvSpPr>
+          <p:cNvPr id="3" name="Content Placeholder 2"/>
+          <p:cNvSpPr>
+            <a:spLocks noGrp="1"/>
+          </p:cNvSpPr>
+          <p:nvPr>
+            <p:ph idx="1"/>
+          </p:nvPr>
+        </p:nvSpPr>
+        <p:spPr/>
+        <p:txBody>
+          <a:bodyPr/>
+          <a:lstStyle/>
+          <a:p>
+            <a:pPr>
+              <a:lnSpc>
+                <a:spcPct val="150000"/>
+              </a:lnSpc>
+              <a:buFont typeface="Arial" panose="020B0604020202020204" pitchFamily="34" charset="0"/>
+              <a:buChar char="•"/>
+            </a:pPr>
+            <a:r>
+              <a:rPr lang="en-US" dirty="0" smtClean="0"/>
+              <a:t> </a:t>
+            </a:r>
+            <a:r>
+              <a:rPr lang="zh-CN" altLang="en-US" dirty="0" smtClean="0"/>
+              <a:t>有没有办法让系统自动选择预设列？</a:t>
+            </a:r>
+            <a:endParaRPr lang="en-US" altLang="zh-CN" dirty="0" smtClean="0"/>
+          </a:p>
+          <a:p>
+            <a:pPr>
+              <a:lnSpc>
+                <a:spcPct val="150000"/>
+              </a:lnSpc>
+              <a:buFont typeface="Arial" panose="020B0604020202020204" pitchFamily="34" charset="0"/>
+              <a:buChar char="•"/>
+            </a:pPr>
+            <a:r>
+              <a:rPr lang="en-US" dirty="0"/>
+              <a:t> </a:t>
+            </a:r>
+            <a:r>
+              <a:rPr lang="zh-CN" altLang="en-US" dirty="0" smtClean="0"/>
+              <a:t>有没有办法解决值不均的问题？</a:t>
+            </a:r>
+            <a:endParaRPr lang="en-US" altLang="zh-CN" dirty="0" smtClean="0"/>
+          </a:p>
+          <a:p>
+            <a:pPr>
+              <a:lnSpc>
+                <a:spcPct val="150000"/>
+              </a:lnSpc>
+              <a:buFont typeface="Arial" panose="020B0604020202020204" pitchFamily="34" charset="0"/>
+              <a:buChar char="•"/>
+            </a:pPr>
+            <a:r>
+              <a:rPr lang="en-US" dirty="0"/>
+              <a:t> </a:t>
+            </a:r>
+            <a:r>
+              <a:rPr lang="zh-CN" altLang="en-US" dirty="0" smtClean="0"/>
+              <a:t>与自动化数据挖掘工具的结合</a:t>
+            </a:r>
+            <a:endParaRPr lang="en-US" dirty="0"/>
+          </a:p>
+        </p:txBody>
+      </p:sp>
+    </p:spTree>
+    <p:extLst>
+      <p:ext uri="{BB962C8B-B14F-4D97-AF65-F5344CB8AC3E}">
+        <p14:creationId xmlns:p14="http://schemas.microsoft.com/office/powerpoint/2010/main" val="2373087516"/>
+      </p:ext>
+    </p:extLst>
+  </p:cSld>
+  <p:clrMapOvr>
+    <a:masterClrMapping/>
+  </p:clrMapOvr>
+  <p:timing>
+    <p:tnLst>
+      <p:par>
+        <p:cTn id="1" dur="indefinite" restart="never" nodeType="tmRoot"/>
+      </p:par>
+    </p:tnLst>
+  </p:timing>
+</p:sld>
+</file>
+
+<file path=ppt/slides/slide19.xml><?xml version="1.0" encoding="utf-8"?>
+<p:sld xmlns:a="http://schemas.openxmlformats.org/drawingml/2006/main" xmlns:r="http://schemas.openxmlformats.org/officeDocument/2006/relationships" xmlns:p="http://schemas.openxmlformats.org/presentationml/2006/main">
+  <p:cSld>
+    <p:spTree>
+      <p:nvGrpSpPr>
+        <p:cNvPr id="1" name=""/>
+        <p:cNvGrpSpPr/>
+        <p:nvPr/>
+      </p:nvGrpSpPr>
+      <p:grpSpPr>
+        <a:xfrm>
+          <a:off x="0" y="0"/>
+          <a:ext cx="0" cy="0"/>
+          <a:chOff x="0" y="0"/>
+          <a:chExt cx="0" cy="0"/>
+        </a:xfrm>
+      </p:grpSpPr>
+      <p:sp>
+        <p:nvSpPr>
+          <p:cNvPr id="2" name="Title 1"/>
+          <p:cNvSpPr>
+            <a:spLocks noGrp="1"/>
+          </p:cNvSpPr>
+          <p:nvPr>
+            <p:ph type="title"/>
+          </p:nvPr>
+        </p:nvSpPr>
+        <p:spPr/>
+        <p:txBody>
+          <a:bodyPr/>
+          <a:lstStyle/>
+          <a:p>
+            <a:r>
+              <a:rPr lang="zh-CN" altLang="en-US" dirty="0" smtClean="0"/>
+              <a:t>相关工作</a:t>
+            </a:r>
+            <a:endParaRPr lang="en-US" dirty="0"/>
+          </a:p>
+        </p:txBody>
+      </p:sp>
+      <p:sp>
+        <p:nvSpPr>
+          <p:cNvPr id="3" name="Content Placeholder 2"/>
+          <p:cNvSpPr>
+            <a:spLocks noGrp="1"/>
+          </p:cNvSpPr>
+          <p:nvPr>
+            <p:ph idx="1"/>
+          </p:nvPr>
+        </p:nvSpPr>
+        <p:spPr>
+          <a:xfrm>
+            <a:off x="1097280" y="1845734"/>
+            <a:ext cx="10058400" cy="4455478"/>
+          </a:xfrm>
+        </p:spPr>
+        <p:txBody>
+          <a:bodyPr/>
+          <a:lstStyle/>
+          <a:p>
+            <a:pPr>
+              <a:buFont typeface="Arial" panose="020B0604020202020204" pitchFamily="34" charset="0"/>
+              <a:buChar char="•"/>
+            </a:pPr>
+            <a:r>
+              <a:rPr lang="en-US" dirty="0" smtClean="0"/>
+              <a:t> </a:t>
+            </a:r>
+            <a:r>
+              <a:rPr lang="en-US" altLang="zh-CN" dirty="0" smtClean="0"/>
+              <a:t>Map Reduce</a:t>
+            </a:r>
+            <a:r>
+              <a:rPr lang="zh-CN" altLang="en-US" dirty="0" smtClean="0"/>
+              <a:t>系列方法</a:t>
+            </a:r>
+            <a:endParaRPr lang="en-US" altLang="zh-CN" dirty="0" smtClean="0"/>
+          </a:p>
+          <a:p>
+            <a:pPr lvl="1">
+              <a:buFont typeface="Arial" panose="020B0604020202020204" pitchFamily="34" charset="0"/>
+              <a:buChar char="•"/>
+            </a:pPr>
+            <a:r>
+              <a:rPr lang="zh-CN" altLang="en-US" dirty="0"/>
+              <a:t>分</a:t>
+            </a:r>
+            <a:r>
+              <a:rPr lang="zh-CN" altLang="en-US" dirty="0" smtClean="0"/>
+              <a:t>割数据，并行计算</a:t>
+            </a:r>
+            <a:endParaRPr lang="en-US" altLang="zh-CN" dirty="0" smtClean="0"/>
+          </a:p>
+          <a:p>
+            <a:pPr lvl="1">
+              <a:buFont typeface="Arial" panose="020B0604020202020204" pitchFamily="34" charset="0"/>
+              <a:buChar char="•"/>
+            </a:pPr>
+            <a:r>
+              <a:rPr lang="zh-CN" altLang="en-US" dirty="0" smtClean="0">
+                <a:solidFill>
+                  <a:schemeClr val="accent1"/>
+                </a:solidFill>
+              </a:rPr>
+              <a:t>计</a:t>
+            </a:r>
+            <a:r>
+              <a:rPr lang="zh-CN" altLang="en-US" dirty="0">
+                <a:solidFill>
+                  <a:schemeClr val="accent1"/>
+                </a:solidFill>
+              </a:rPr>
+              <a:t>算</a:t>
+            </a:r>
+            <a:r>
+              <a:rPr lang="zh-CN" altLang="en-US" dirty="0" smtClean="0">
+                <a:solidFill>
+                  <a:schemeClr val="accent1"/>
+                </a:solidFill>
+              </a:rPr>
+              <a:t>出精确结果</a:t>
+            </a:r>
+            <a:endParaRPr lang="en-US" altLang="zh-CN" dirty="0" smtClean="0">
+              <a:solidFill>
+                <a:schemeClr val="accent1"/>
+              </a:solidFill>
+            </a:endParaRPr>
+          </a:p>
+          <a:p>
+            <a:pPr lvl="1">
+              <a:buFont typeface="Arial" panose="020B0604020202020204" pitchFamily="34" charset="0"/>
+              <a:buChar char="•"/>
+            </a:pPr>
+            <a:r>
+              <a:rPr lang="zh-CN" altLang="en-US" dirty="0" smtClean="0">
+                <a:solidFill>
+                  <a:schemeClr val="bg2">
+                    <a:lumMod val="75000"/>
+                  </a:schemeClr>
+                </a:solidFill>
+              </a:rPr>
+              <a:t>响应时间太长</a:t>
+            </a:r>
+            <a:endParaRPr lang="en-US" altLang="zh-CN" dirty="0" smtClean="0">
+              <a:solidFill>
+                <a:schemeClr val="bg2">
+                  <a:lumMod val="75000"/>
+                </a:schemeClr>
+              </a:solidFill>
+            </a:endParaRPr>
+          </a:p>
+          <a:p>
+            <a:pPr>
+              <a:buFont typeface="Arial" panose="020B0604020202020204" pitchFamily="34" charset="0"/>
+              <a:buChar char="•"/>
+            </a:pPr>
+            <a:r>
+              <a:rPr lang="en-US" dirty="0" smtClean="0"/>
+              <a:t> </a:t>
+            </a:r>
+            <a:r>
+              <a:rPr lang="zh-CN" altLang="en-US" dirty="0" smtClean="0"/>
+              <a:t>随机采样</a:t>
+            </a:r>
+            <a:endParaRPr lang="en-US" altLang="zh-CN" dirty="0" smtClean="0"/>
+          </a:p>
+          <a:p>
+            <a:pPr lvl="1">
+              <a:buFont typeface="Arial" panose="020B0604020202020204" pitchFamily="34" charset="0"/>
+              <a:buChar char="•"/>
+            </a:pPr>
+            <a:r>
+              <a:rPr lang="zh-CN" altLang="en-US" dirty="0">
+                <a:solidFill>
+                  <a:schemeClr val="accent1"/>
+                </a:solidFill>
+              </a:rPr>
+              <a:t>预处理时间最</a:t>
+            </a:r>
+            <a:r>
+              <a:rPr lang="zh-CN" altLang="en-US" dirty="0" smtClean="0">
+                <a:solidFill>
+                  <a:schemeClr val="accent1"/>
+                </a:solidFill>
+              </a:rPr>
+              <a:t>短，不受维数影响</a:t>
+            </a:r>
+            <a:endParaRPr lang="en-US" altLang="zh-CN" dirty="0" smtClean="0">
+              <a:solidFill>
+                <a:schemeClr val="accent1"/>
+              </a:solidFill>
+            </a:endParaRPr>
+          </a:p>
+          <a:p>
+            <a:pPr lvl="1">
+              <a:buFont typeface="Arial" panose="020B0604020202020204" pitchFamily="34" charset="0"/>
+              <a:buChar char="•"/>
+            </a:pPr>
+            <a:r>
+              <a:rPr lang="zh-CN" altLang="en-US" dirty="0">
+                <a:solidFill>
+                  <a:schemeClr val="bg2">
+                    <a:lumMod val="75000"/>
+                  </a:schemeClr>
+                </a:solidFill>
+              </a:rPr>
+              <a:t>丢组问</a:t>
+            </a:r>
+            <a:r>
+              <a:rPr lang="zh-CN" altLang="en-US" dirty="0" smtClean="0">
+                <a:solidFill>
+                  <a:schemeClr val="bg2">
+                    <a:lumMod val="75000"/>
+                  </a:schemeClr>
+                </a:solidFill>
+              </a:rPr>
+              <a:t>题</a:t>
+            </a:r>
+            <a:endParaRPr lang="en-US" altLang="zh-CN" dirty="0" smtClean="0">
+              <a:solidFill>
+                <a:schemeClr val="bg2">
+                  <a:lumMod val="75000"/>
+                </a:schemeClr>
+              </a:solidFill>
+            </a:endParaRPr>
+          </a:p>
+          <a:p>
+            <a:pPr>
+              <a:buFont typeface="Arial" panose="020B0604020202020204" pitchFamily="34" charset="0"/>
+              <a:buChar char="•"/>
+            </a:pPr>
+            <a:r>
+              <a:rPr lang="en-US" dirty="0"/>
+              <a:t> </a:t>
+            </a:r>
+            <a:r>
+              <a:rPr lang="zh-CN" altLang="en-US" dirty="0" smtClean="0"/>
+              <a:t>直方图，小波变换</a:t>
+            </a:r>
+            <a:endParaRPr lang="en-US" altLang="zh-CN" dirty="0" smtClean="0"/>
+          </a:p>
+          <a:p>
+            <a:pPr lvl="1">
+              <a:buFont typeface="Arial" panose="020B0604020202020204" pitchFamily="34" charset="0"/>
+              <a:buChar char="•"/>
+            </a:pPr>
+            <a:r>
+              <a:rPr lang="zh-CN" altLang="en-US" dirty="0" smtClean="0">
+                <a:solidFill>
+                  <a:schemeClr val="accent1"/>
+                </a:solidFill>
+              </a:rPr>
+              <a:t>低维下效果比采样要好</a:t>
+            </a:r>
+            <a:endParaRPr lang="en-US" altLang="zh-CN" dirty="0" smtClean="0">
+              <a:solidFill>
+                <a:schemeClr val="accent1"/>
+              </a:solidFill>
+            </a:endParaRPr>
+          </a:p>
+          <a:p>
+            <a:pPr lvl="1">
+              <a:buFont typeface="Arial" panose="020B0604020202020204" pitchFamily="34" charset="0"/>
+              <a:buChar char="•"/>
+            </a:pPr>
+            <a:r>
+              <a:rPr lang="zh-CN" altLang="en-US" dirty="0" smtClean="0">
+                <a:solidFill>
+                  <a:schemeClr val="bg2">
+                    <a:lumMod val="75000"/>
+                  </a:schemeClr>
+                </a:solidFill>
+              </a:rPr>
+              <a:t>高维下复</a:t>
+            </a:r>
+            <a:r>
+              <a:rPr lang="zh-CN" altLang="en-US" dirty="0">
+                <a:solidFill>
+                  <a:schemeClr val="bg2">
+                    <a:lumMod val="75000"/>
+                  </a:schemeClr>
+                </a:solidFill>
+              </a:rPr>
+              <a:t>杂度非常</a:t>
+            </a:r>
+            <a:r>
+              <a:rPr lang="zh-CN" altLang="en-US" dirty="0" smtClean="0">
+                <a:solidFill>
+                  <a:schemeClr val="bg2">
+                    <a:lumMod val="75000"/>
+                  </a:schemeClr>
+                </a:solidFill>
+              </a:rPr>
+              <a:t>高，高维诅咒</a:t>
+            </a:r>
+            <a:endParaRPr lang="en-US" dirty="0">
+              <a:solidFill>
+                <a:schemeClr val="bg2">
+                  <a:lumMod val="75000"/>
+                </a:schemeClr>
+              </a:solidFill>
+            </a:endParaRPr>
+          </a:p>
+        </p:txBody>
+      </p:sp>
+    </p:spTree>
+    <p:extLst>
+      <p:ext uri="{BB962C8B-B14F-4D97-AF65-F5344CB8AC3E}">
+        <p14:creationId xmlns:p14="http://schemas.microsoft.com/office/powerpoint/2010/main" val="4139026208"/>
+      </p:ext>
+    </p:extLst>
+  </p:cSld>
+  <p:clrMapOvr>
+    <a:masterClrMapping/>
+  </p:clrMapOvr>
+  <p:timing>
+    <p:tnLst>
+      <p:par>
+        <p:cTn id="1" dur="indefinite" restart="never" nodeType="tmRoot"/>
+      </p:par>
+    </p:tnLst>
+  </p:timing>
+</p:sld>
+</file>
+
+<file path=ppt/slides/slide2.xml><?xml version="1.0" encoding="utf-8"?>
+<p:sld xmlns:a="http://schemas.openxmlformats.org/drawingml/2006/main" xmlns:r="http://schemas.openxmlformats.org/officeDocument/2006/relationships" xmlns:p="http://schemas.openxmlformats.org/presentationml/2006/main">
+  <p:cSld>
+    <p:spTree>
+      <p:nvGrpSpPr>
+        <p:cNvPr id="1" name=""/>
+        <p:cNvGrpSpPr/>
+        <p:nvPr/>
+      </p:nvGrpSpPr>
+      <p:grpSpPr>
+        <a:xfrm>
+          <a:off x="0" y="0"/>
+          <a:ext cx="0" cy="0"/>
+          <a:chOff x="0" y="0"/>
+          <a:chExt cx="0" cy="0"/>
+        </a:xfrm>
+      </p:grpSpPr>
+      <p:sp>
+        <p:nvSpPr>
+          <p:cNvPr id="2" name="Title 1"/>
+          <p:cNvSpPr>
+            <a:spLocks noGrp="1"/>
+          </p:cNvSpPr>
+          <p:nvPr>
+            <p:ph type="title"/>
+          </p:nvPr>
+        </p:nvSpPr>
+        <p:spPr/>
+        <p:txBody>
+          <a:bodyPr/>
+          <a:lstStyle/>
+          <a:p>
+            <a:r>
+              <a:rPr lang="zh-CN" altLang="en-US" dirty="0" smtClean="0">
+                <a:latin typeface="Microsoft YaHei" panose="020B0503020204020204" pitchFamily="34" charset="-122"/>
+                <a:ea typeface="Microsoft YaHei" panose="020B0503020204020204" pitchFamily="34" charset="-122"/>
+              </a:rPr>
+              <a:t>课题介绍</a:t>
+            </a:r>
+            <a:endParaRPr lang="en-US" dirty="0">
+              <a:latin typeface="Microsoft YaHei" panose="020B0503020204020204" pitchFamily="34" charset="-122"/>
+              <a:ea typeface="Microsoft YaHei" panose="020B0503020204020204" pitchFamily="34" charset="-122"/>
+            </a:endParaRPr>
+          </a:p>
+        </p:txBody>
+      </p:sp>
+      <p:sp>
+        <p:nvSpPr>
+          <p:cNvPr id="3" name="Content Placeholder 2"/>
+          <p:cNvSpPr>
+            <a:spLocks noGrp="1"/>
+          </p:cNvSpPr>
+          <p:nvPr>
+            <p:ph idx="1"/>
+          </p:nvPr>
+        </p:nvSpPr>
+        <p:spPr>
+          <a:xfrm>
+            <a:off x="1097280" y="1955548"/>
+            <a:ext cx="10058400" cy="3913545"/>
+          </a:xfrm>
+        </p:spPr>
+        <p:txBody>
+          <a:bodyPr>
+            <a:normAutofit/>
+          </a:bodyPr>
+          <a:lstStyle/>
+          <a:p>
+            <a:pPr>
+              <a:lnSpc>
+                <a:spcPct val="150000"/>
+              </a:lnSpc>
+              <a:buFont typeface="Arial" panose="020B0604020202020204" pitchFamily="34" charset="0"/>
+              <a:buChar char="•"/>
+            </a:pPr>
+            <a:r>
+              <a:rPr lang="en-US" sz="2400" dirty="0" smtClean="0">
+                <a:latin typeface="Microsoft YaHei" panose="020B0503020204020204" pitchFamily="34" charset="-122"/>
+                <a:ea typeface="Microsoft YaHei" panose="020B0503020204020204" pitchFamily="34" charset="-122"/>
+              </a:rPr>
+              <a:t> </a:t>
+            </a:r>
+            <a:r>
+              <a:rPr lang="zh-CN" altLang="en-US" sz="2400" dirty="0" smtClean="0">
+                <a:latin typeface="Microsoft YaHei" panose="020B0503020204020204" pitchFamily="34" charset="-122"/>
+                <a:ea typeface="Microsoft YaHei" panose="020B0503020204020204" pitchFamily="34" charset="-122"/>
+              </a:rPr>
+              <a:t>课题来自微软亚洲研究院</a:t>
+            </a:r>
+            <a:r>
+              <a:rPr lang="zh-CN" altLang="en-US" sz="2400" b="1" dirty="0" smtClean="0">
+                <a:solidFill>
+                  <a:srgbClr val="FF0000"/>
+                </a:solidFill>
+                <a:latin typeface="Microsoft YaHei" panose="020B0503020204020204" pitchFamily="34" charset="-122"/>
+                <a:ea typeface="Microsoft YaHei" panose="020B0503020204020204" pitchFamily="34" charset="-122"/>
+              </a:rPr>
+              <a:t>真实研究项目</a:t>
+            </a:r>
+            <a:endParaRPr lang="en-US" altLang="zh-CN" sz="2400" b="1" dirty="0" smtClean="0">
+              <a:solidFill>
+                <a:srgbClr val="FF0000"/>
+              </a:solidFill>
+              <a:latin typeface="Microsoft YaHei" panose="020B0503020204020204" pitchFamily="34" charset="-122"/>
+              <a:ea typeface="Microsoft YaHei" panose="020B0503020204020204" pitchFamily="34" charset="-122"/>
+            </a:endParaRPr>
+          </a:p>
+          <a:p>
+            <a:pPr>
+              <a:lnSpc>
+                <a:spcPct val="150000"/>
+              </a:lnSpc>
+              <a:buFont typeface="Arial" panose="020B0604020202020204" pitchFamily="34" charset="0"/>
+              <a:buChar char="•"/>
+            </a:pPr>
+            <a:r>
+              <a:rPr lang="zh-CN" altLang="en-US" dirty="0" smtClean="0"/>
+              <a:t> 有</a:t>
+            </a:r>
+            <a:r>
+              <a:rPr lang="zh-CN" altLang="en-US" dirty="0"/>
+              <a:t>关商业秘密的内</a:t>
+            </a:r>
+            <a:r>
+              <a:rPr lang="zh-CN" altLang="en-US" dirty="0" smtClean="0"/>
+              <a:t>容</a:t>
+            </a:r>
+            <a:r>
+              <a:rPr lang="zh-CN" altLang="en-US" dirty="0"/>
+              <a:t>不</a:t>
+            </a:r>
+            <a:r>
+              <a:rPr lang="zh-CN" altLang="en-US" dirty="0" smtClean="0"/>
+              <a:t>便给</a:t>
+            </a:r>
+            <a:r>
+              <a:rPr lang="zh-CN" altLang="en-US" dirty="0"/>
+              <a:t>出</a:t>
+            </a:r>
+            <a:endParaRPr lang="en-US" sz="2400" dirty="0">
+              <a:latin typeface="Microsoft YaHei" panose="020B0503020204020204" pitchFamily="34" charset="-122"/>
+              <a:ea typeface="Microsoft YaHei" panose="020B0503020204020204" pitchFamily="34" charset="-122"/>
+            </a:endParaRPr>
+          </a:p>
+        </p:txBody>
+      </p:sp>
+    </p:spTree>
+    <p:extLst>
+      <p:ext uri="{BB962C8B-B14F-4D97-AF65-F5344CB8AC3E}">
+        <p14:creationId xmlns:p14="http://schemas.microsoft.com/office/powerpoint/2010/main" val="1461601574"/>
+      </p:ext>
+    </p:extLst>
+  </p:cSld>
+  <p:clrMapOvr>
+    <a:masterClrMapping/>
+  </p:clrMapOvr>
+  <p:timing>
+    <p:tnLst>
+      <p:par>
+        <p:cTn id="1" dur="indefinite" restart="never" nodeType="tmRoot"/>
+      </p:par>
+    </p:tnLst>
+  </p:timing>
+</p:sld>
+</file>
+
+<file path=ppt/slides/slide20.xml><?xml version="1.0" encoding="utf-8"?>
 <p:sld xmlns:a="http://schemas.openxmlformats.org/drawingml/2006/main" xmlns:r="http://schemas.openxmlformats.org/officeDocument/2006/relationships" xmlns:p="http://schemas.openxmlformats.org/presentationml/2006/main">
   <p:cSld>
     <p:spTree>
@@ -10190,229 +11839,7 @@
 </p:sld>
 </file>
 
-<file path=ppt/slides/slide14.xml><?xml version="1.0" encoding="utf-8"?>
-<p:sld xmlns:a="http://schemas.openxmlformats.org/drawingml/2006/main" xmlns:r="http://schemas.openxmlformats.org/officeDocument/2006/relationships" xmlns:p="http://schemas.openxmlformats.org/presentationml/2006/main">
-  <p:cSld>
-    <p:spTree>
-      <p:nvGrpSpPr>
-        <p:cNvPr id="1" name=""/>
-        <p:cNvGrpSpPr/>
-        <p:nvPr/>
-      </p:nvGrpSpPr>
-      <p:grpSpPr>
-        <a:xfrm>
-          <a:off x="0" y="0"/>
-          <a:ext cx="0" cy="0"/>
-          <a:chOff x="0" y="0"/>
-          <a:chExt cx="0" cy="0"/>
-        </a:xfrm>
-      </p:grpSpPr>
-      <p:sp>
-        <p:nvSpPr>
-          <p:cNvPr id="2" name="Title 1"/>
-          <p:cNvSpPr>
-            <a:spLocks noGrp="1"/>
-          </p:cNvSpPr>
-          <p:nvPr>
-            <p:ph type="title"/>
-          </p:nvPr>
-        </p:nvSpPr>
-        <p:spPr/>
-        <p:txBody>
-          <a:bodyPr/>
-          <a:lstStyle/>
-          <a:p>
-            <a:r>
-              <a:rPr lang="zh-CN" altLang="en-US" dirty="0" smtClean="0"/>
-              <a:t>系统结构</a:t>
-            </a:r>
-            <a:endParaRPr lang="en-US" dirty="0"/>
-          </a:p>
-        </p:txBody>
-      </p:sp>
-      <p:pic>
-        <p:nvPicPr>
-          <p:cNvPr id="4" name="Picture 3"/>
-          <p:cNvPicPr/>
-          <p:nvPr/>
-        </p:nvPicPr>
-        <p:blipFill>
-          <a:blip r:embed="rId2"/>
-          <a:stretch>
-            <a:fillRect/>
-          </a:stretch>
-        </p:blipFill>
-        <p:spPr>
-          <a:xfrm>
-            <a:off x="2423806" y="1873169"/>
-            <a:ext cx="5887275" cy="4442059"/>
-          </a:xfrm>
-          <a:prstGeom prst="rect">
-            <a:avLst/>
-          </a:prstGeom>
-        </p:spPr>
-      </p:pic>
-    </p:spTree>
-    <p:extLst>
-      <p:ext uri="{BB962C8B-B14F-4D97-AF65-F5344CB8AC3E}">
-        <p14:creationId xmlns:p14="http://schemas.microsoft.com/office/powerpoint/2010/main" val="1414086569"/>
-      </p:ext>
-    </p:extLst>
-  </p:cSld>
-  <p:clrMapOvr>
-    <a:masterClrMapping/>
-  </p:clrMapOvr>
-  <p:timing>
-    <p:tnLst>
-      <p:par>
-        <p:cTn id="1" dur="indefinite" restart="never" nodeType="tmRoot"/>
-      </p:par>
-    </p:tnLst>
-  </p:timing>
-</p:sld>
-</file>
-
-<file path=ppt/slides/slide15.xml><?xml version="1.0" encoding="utf-8"?>
-<p:sld xmlns:a="http://schemas.openxmlformats.org/drawingml/2006/main" xmlns:r="http://schemas.openxmlformats.org/officeDocument/2006/relationships" xmlns:p="http://schemas.openxmlformats.org/presentationml/2006/main">
-  <p:cSld>
-    <p:spTree>
-      <p:nvGrpSpPr>
-        <p:cNvPr id="1" name=""/>
-        <p:cNvGrpSpPr/>
-        <p:nvPr/>
-      </p:nvGrpSpPr>
-      <p:grpSpPr>
-        <a:xfrm>
-          <a:off x="0" y="0"/>
-          <a:ext cx="0" cy="0"/>
-          <a:chOff x="0" y="0"/>
-          <a:chExt cx="0" cy="0"/>
-        </a:xfrm>
-      </p:grpSpPr>
-      <p:sp>
-        <p:nvSpPr>
-          <p:cNvPr id="2" name="Title 1"/>
-          <p:cNvSpPr>
-            <a:spLocks noGrp="1"/>
-          </p:cNvSpPr>
-          <p:nvPr>
-            <p:ph type="title" idx="4294967295"/>
-          </p:nvPr>
-        </p:nvSpPr>
-        <p:spPr>
-          <a:xfrm>
-            <a:off x="217714" y="315686"/>
-            <a:ext cx="2754086" cy="811439"/>
-          </a:xfrm>
-        </p:spPr>
-        <p:txBody>
-          <a:bodyPr/>
-          <a:lstStyle/>
-          <a:p>
-            <a:r>
-              <a:rPr lang="zh-CN" altLang="en-US" dirty="0" smtClean="0">
-                <a:latin typeface="Microsoft YaHei" panose="020B0503020204020204" pitchFamily="34" charset="-122"/>
-                <a:ea typeface="Microsoft YaHei" panose="020B0503020204020204" pitchFamily="34" charset="-122"/>
-              </a:rPr>
-              <a:t>实验结果</a:t>
-            </a:r>
-            <a:endParaRPr lang="en-US" dirty="0">
-              <a:latin typeface="Microsoft YaHei" panose="020B0503020204020204" pitchFamily="34" charset="-122"/>
-              <a:ea typeface="Microsoft YaHei" panose="020B0503020204020204" pitchFamily="34" charset="-122"/>
-            </a:endParaRPr>
-          </a:p>
-        </p:txBody>
-      </p:sp>
-      <p:graphicFrame>
-        <p:nvGraphicFramePr>
-          <p:cNvPr id="5" name="Chart 4"/>
-          <p:cNvGraphicFramePr/>
-          <p:nvPr>
-            <p:extLst>
-              <p:ext uri="{D42A27DB-BD31-4B8C-83A1-F6EECF244321}">
-                <p14:modId xmlns:p14="http://schemas.microsoft.com/office/powerpoint/2010/main" val="171521813"/>
-              </p:ext>
-            </p:extLst>
-          </p:nvPr>
-        </p:nvGraphicFramePr>
-        <p:xfrm>
-          <a:off x="2369950" y="2002969"/>
-          <a:ext cx="8025907" cy="4278087"/>
-        </p:xfrm>
-        <a:graphic>
-          <a:graphicData uri="http://schemas.openxmlformats.org/drawingml/2006/chart">
-            <c:chart xmlns:c="http://schemas.openxmlformats.org/drawingml/2006/chart" xmlns:r="http://schemas.openxmlformats.org/officeDocument/2006/relationships" r:id="rId2"/>
-          </a:graphicData>
-        </a:graphic>
-      </p:graphicFrame>
-      <p:sp>
-        <p:nvSpPr>
-          <p:cNvPr id="6" name="TextBox 5"/>
-          <p:cNvSpPr txBox="1"/>
-          <p:nvPr/>
-        </p:nvSpPr>
-        <p:spPr>
-          <a:xfrm>
-            <a:off x="217714" y="1334215"/>
-            <a:ext cx="10047514" cy="461665"/>
-          </a:xfrm>
-          <a:prstGeom prst="rect">
-            <a:avLst/>
-          </a:prstGeom>
-          <a:noFill/>
-        </p:spPr>
-        <p:txBody>
-          <a:bodyPr wrap="square" rtlCol="0">
-            <a:spAutoFit/>
-          </a:bodyPr>
-          <a:lstStyle/>
-          <a:p>
-            <a:pPr marL="285750" indent="-285750">
-              <a:buFont typeface="Arial" panose="020B0604020202020204" pitchFamily="34" charset="0"/>
-              <a:buChar char="•"/>
-            </a:pPr>
-            <a:r>
-              <a:rPr lang="en-US" sz="2400" dirty="0" smtClean="0">
-                <a:latin typeface="Microsoft YaHei" panose="020B0503020204020204" pitchFamily="34" charset="-122"/>
-                <a:ea typeface="Microsoft YaHei" panose="020B0503020204020204" pitchFamily="34" charset="-122"/>
-              </a:rPr>
-              <a:t>10</a:t>
-            </a:r>
-            <a:r>
-              <a:rPr lang="zh-CN" altLang="en-US" sz="2400" dirty="0" smtClean="0">
-                <a:latin typeface="Microsoft YaHei" panose="020B0503020204020204" pitchFamily="34" charset="-122"/>
-                <a:ea typeface="Microsoft YaHei" panose="020B0503020204020204" pitchFamily="34" charset="-122"/>
-              </a:rPr>
-              <a:t>条随机查询的总时间</a:t>
-            </a:r>
-            <a:endParaRPr lang="en-US" sz="2400" dirty="0">
-              <a:latin typeface="Microsoft YaHei" panose="020B0503020204020204" pitchFamily="34" charset="-122"/>
-              <a:ea typeface="Microsoft YaHei" panose="020B0503020204020204" pitchFamily="34" charset="-122"/>
-            </a:endParaRPr>
-          </a:p>
-        </p:txBody>
-      </p:sp>
-    </p:spTree>
-    <p:extLst>
-      <p:ext uri="{BB962C8B-B14F-4D97-AF65-F5344CB8AC3E}">
-        <p14:creationId xmlns:p14="http://schemas.microsoft.com/office/powerpoint/2010/main" val="2156255086"/>
-      </p:ext>
-    </p:extLst>
-  </p:cSld>
-  <p:clrMapOvr>
-    <a:masterClrMapping/>
-  </p:clrMapOvr>
-  <p:timing>
-    <p:tnLst>
-      <p:par>
-        <p:cTn id="1" dur="indefinite" restart="never" nodeType="tmRoot"/>
-      </p:par>
-    </p:tnLst>
-  </p:timing>
-</p:sld>
-</file>
-
-<file path=ppt/slides/slide16.xml><?xml version="1.0" encoding="utf-8"?>
+<file path=ppt/slides/slide21.xml><?xml version="1.0" encoding="utf-8"?>
 <p:sld xmlns:a="http://schemas.openxmlformats.org/drawingml/2006/main" xmlns:r="http://schemas.openxmlformats.org/officeDocument/2006/relationships" xmlns:p="http://schemas.openxmlformats.org/presentationml/2006/main">
   <p:cSld>
     <p:spTree>
@@ -10565,1098 +11992,6 @@
       </p:par>
     </p:tnLst>
   </p:timing>
-</p:sld>
-</file>
-
-<file path=ppt/slides/slide17.xml><?xml version="1.0" encoding="utf-8"?>
-<p:sld xmlns:a="http://schemas.openxmlformats.org/drawingml/2006/main" xmlns:r="http://schemas.openxmlformats.org/officeDocument/2006/relationships" xmlns:p="http://schemas.openxmlformats.org/presentationml/2006/main">
-  <p:cSld>
-    <p:spTree>
-      <p:nvGrpSpPr>
-        <p:cNvPr id="1" name=""/>
-        <p:cNvGrpSpPr/>
-        <p:nvPr/>
-      </p:nvGrpSpPr>
-      <p:grpSpPr>
-        <a:xfrm>
-          <a:off x="0" y="0"/>
-          <a:ext cx="0" cy="0"/>
-          <a:chOff x="0" y="0"/>
-          <a:chExt cx="0" cy="0"/>
-        </a:xfrm>
-      </p:grpSpPr>
-      <p:sp>
-        <p:nvSpPr>
-          <p:cNvPr id="2" name="Title 1"/>
-          <p:cNvSpPr>
-            <a:spLocks noGrp="1"/>
-          </p:cNvSpPr>
-          <p:nvPr>
-            <p:ph type="title" idx="4294967295"/>
-          </p:nvPr>
-        </p:nvSpPr>
-        <p:spPr>
-          <a:xfrm>
-            <a:off x="228600" y="239486"/>
-            <a:ext cx="2579914" cy="811439"/>
-          </a:xfrm>
-        </p:spPr>
-        <p:txBody>
-          <a:bodyPr>
-            <a:normAutofit fontScale="90000"/>
-          </a:bodyPr>
-          <a:lstStyle/>
-          <a:p>
-            <a:r>
-              <a:rPr lang="zh-CN" altLang="en-US" dirty="0" smtClean="0">
-                <a:latin typeface="Microsoft YaHei" panose="020B0503020204020204" pitchFamily="34" charset="-122"/>
-                <a:ea typeface="Microsoft YaHei" panose="020B0503020204020204" pitchFamily="34" charset="-122"/>
-              </a:rPr>
-              <a:t>实验结果</a:t>
-            </a:r>
-            <a:endParaRPr lang="en-US" dirty="0">
-              <a:latin typeface="Microsoft YaHei" panose="020B0503020204020204" pitchFamily="34" charset="-122"/>
-              <a:ea typeface="Microsoft YaHei" panose="020B0503020204020204" pitchFamily="34" charset="-122"/>
-            </a:endParaRPr>
-          </a:p>
-        </p:txBody>
-      </p:sp>
-      <p:sp>
-        <p:nvSpPr>
-          <p:cNvPr id="6" name="TextBox 5"/>
-          <p:cNvSpPr txBox="1"/>
-          <p:nvPr/>
-        </p:nvSpPr>
-        <p:spPr>
-          <a:xfrm>
-            <a:off x="228599" y="1162594"/>
-            <a:ext cx="11310257" cy="461665"/>
-          </a:xfrm>
-          <a:prstGeom prst="rect">
-            <a:avLst/>
-          </a:prstGeom>
-          <a:noFill/>
-        </p:spPr>
-        <p:txBody>
-          <a:bodyPr wrap="square" rtlCol="0">
-            <a:spAutoFit/>
-          </a:bodyPr>
-          <a:lstStyle/>
-          <a:p>
-            <a:pPr marL="285750" indent="-285750">
-              <a:buFont typeface="Arial" panose="020B0604020202020204" pitchFamily="34" charset="0"/>
-              <a:buChar char="•"/>
-            </a:pPr>
-            <a:r>
-              <a:rPr lang="en-US" sz="2400" dirty="0" smtClean="0">
-                <a:latin typeface="Microsoft YaHei" panose="020B0503020204020204" pitchFamily="34" charset="-122"/>
-                <a:ea typeface="Microsoft YaHei" panose="020B0503020204020204" pitchFamily="34" charset="-122"/>
-              </a:rPr>
-              <a:t>100</a:t>
-            </a:r>
-            <a:r>
-              <a:rPr lang="zh-CN" altLang="en-US" sz="2400" dirty="0" smtClean="0">
-                <a:latin typeface="Microsoft YaHei" panose="020B0503020204020204" pitchFamily="34" charset="-122"/>
-                <a:ea typeface="Microsoft YaHei" panose="020B0503020204020204" pitchFamily="34" charset="-122"/>
-              </a:rPr>
-              <a:t>条随机查询（</a:t>
-            </a:r>
-            <a:r>
-              <a:rPr lang="en-US" altLang="zh-CN" sz="2400" dirty="0" smtClean="0">
-                <a:latin typeface="Microsoft YaHei" panose="020B0503020204020204" pitchFamily="34" charset="-122"/>
-                <a:ea typeface="Microsoft YaHei" panose="020B0503020204020204" pitchFamily="34" charset="-122"/>
-              </a:rPr>
-              <a:t>80</a:t>
-            </a:r>
-            <a:r>
-              <a:rPr lang="zh-CN" altLang="en-US" sz="2400" dirty="0" smtClean="0">
-                <a:latin typeface="Microsoft YaHei" panose="020B0503020204020204" pitchFamily="34" charset="-122"/>
-                <a:ea typeface="Microsoft YaHei" panose="020B0503020204020204" pitchFamily="34" charset="-122"/>
-              </a:rPr>
-              <a:t>条预设列查询）的平均相对误差</a:t>
-            </a:r>
-            <a:endParaRPr lang="en-US" sz="2400" dirty="0">
-              <a:latin typeface="Microsoft YaHei" panose="020B0503020204020204" pitchFamily="34" charset="-122"/>
-              <a:ea typeface="Microsoft YaHei" panose="020B0503020204020204" pitchFamily="34" charset="-122"/>
-            </a:endParaRPr>
-          </a:p>
-        </p:txBody>
-      </p:sp>
-      <p:graphicFrame>
-        <p:nvGraphicFramePr>
-          <p:cNvPr id="5" name="Chart 4"/>
-          <p:cNvGraphicFramePr/>
-          <p:nvPr>
-            <p:extLst>
-              <p:ext uri="{D42A27DB-BD31-4B8C-83A1-F6EECF244321}">
-                <p14:modId xmlns:p14="http://schemas.microsoft.com/office/powerpoint/2010/main" val="1454220938"/>
-              </p:ext>
-            </p:extLst>
-          </p:nvPr>
-        </p:nvGraphicFramePr>
-        <p:xfrm>
-          <a:off x="1477794" y="1930650"/>
-          <a:ext cx="8825050" cy="4316242"/>
-        </p:xfrm>
-        <a:graphic>
-          <a:graphicData uri="http://schemas.openxmlformats.org/drawingml/2006/chart">
-            <c:chart xmlns:c="http://schemas.openxmlformats.org/drawingml/2006/chart" xmlns:r="http://schemas.openxmlformats.org/officeDocument/2006/relationships" r:id="rId2"/>
-          </a:graphicData>
-        </a:graphic>
-      </p:graphicFrame>
-    </p:spTree>
-    <p:extLst>
-      <p:ext uri="{BB962C8B-B14F-4D97-AF65-F5344CB8AC3E}">
-        <p14:creationId xmlns:p14="http://schemas.microsoft.com/office/powerpoint/2010/main" val="3155686409"/>
-      </p:ext>
-    </p:extLst>
-  </p:cSld>
-  <p:clrMapOvr>
-    <a:masterClrMapping/>
-  </p:clrMapOvr>
-  <p:timing>
-    <p:tnLst>
-      <p:par>
-        <p:cTn id="1" dur="indefinite" restart="never" nodeType="tmRoot"/>
-      </p:par>
-    </p:tnLst>
-  </p:timing>
-</p:sld>
-</file>
-
-<file path=ppt/slides/slide18.xml><?xml version="1.0" encoding="utf-8"?>
-<p:sld xmlns:a="http://schemas.openxmlformats.org/drawingml/2006/main" xmlns:r="http://schemas.openxmlformats.org/officeDocument/2006/relationships" xmlns:p="http://schemas.openxmlformats.org/presentationml/2006/main">
-  <p:cSld>
-    <p:spTree>
-      <p:nvGrpSpPr>
-        <p:cNvPr id="1" name=""/>
-        <p:cNvGrpSpPr/>
-        <p:nvPr/>
-      </p:nvGrpSpPr>
-      <p:grpSpPr>
-        <a:xfrm>
-          <a:off x="0" y="0"/>
-          <a:ext cx="0" cy="0"/>
-          <a:chOff x="0" y="0"/>
-          <a:chExt cx="0" cy="0"/>
-        </a:xfrm>
-      </p:grpSpPr>
-      <p:sp>
-        <p:nvSpPr>
-          <p:cNvPr id="2" name="Title 1"/>
-          <p:cNvSpPr>
-            <a:spLocks noGrp="1"/>
-          </p:cNvSpPr>
-          <p:nvPr>
-            <p:ph type="title"/>
-          </p:nvPr>
-        </p:nvSpPr>
-        <p:spPr/>
-        <p:txBody>
-          <a:bodyPr/>
-          <a:lstStyle/>
-          <a:p>
-            <a:r>
-              <a:rPr lang="zh-CN" altLang="en-US" dirty="0" smtClean="0"/>
-              <a:t>结论</a:t>
-            </a:r>
-            <a:endParaRPr lang="en-US" dirty="0"/>
-          </a:p>
-        </p:txBody>
-      </p:sp>
-      <p:sp>
-        <p:nvSpPr>
-          <p:cNvPr id="3" name="Content Placeholder 2"/>
-          <p:cNvSpPr>
-            <a:spLocks noGrp="1"/>
-          </p:cNvSpPr>
-          <p:nvPr>
-            <p:ph idx="1"/>
-          </p:nvPr>
-        </p:nvSpPr>
-        <p:spPr/>
-        <p:txBody>
-          <a:bodyPr/>
-          <a:lstStyle/>
-          <a:p>
-            <a:pPr>
-              <a:lnSpc>
-                <a:spcPct val="150000"/>
-              </a:lnSpc>
-              <a:buFont typeface="Arial" panose="020B0604020202020204" pitchFamily="34" charset="0"/>
-              <a:buChar char="•"/>
-            </a:pPr>
-            <a:r>
-              <a:rPr lang="en-US" dirty="0" smtClean="0"/>
-              <a:t> </a:t>
-            </a:r>
-            <a:r>
-              <a:rPr lang="zh-CN" altLang="en-US" dirty="0" smtClean="0"/>
-              <a:t>比起直接用</a:t>
-            </a:r>
-            <a:r>
-              <a:rPr lang="en-US" altLang="zh-CN" dirty="0" smtClean="0"/>
-              <a:t>Spark</a:t>
-            </a:r>
-            <a:r>
-              <a:rPr lang="zh-CN" altLang="en-US" dirty="0" smtClean="0"/>
-              <a:t>等大数据框架查询，采样推断可以</a:t>
-            </a:r>
-            <a:r>
-              <a:rPr lang="zh-CN" altLang="en-US" dirty="0" smtClean="0">
-                <a:solidFill>
-                  <a:schemeClr val="accent2"/>
-                </a:solidFill>
-              </a:rPr>
-              <a:t>极大缩短查询的时间</a:t>
-            </a:r>
-            <a:endParaRPr lang="en-US" altLang="zh-CN" dirty="0" smtClean="0">
-              <a:solidFill>
-                <a:schemeClr val="accent2"/>
-              </a:solidFill>
-            </a:endParaRPr>
-          </a:p>
-          <a:p>
-            <a:pPr lvl="1">
-              <a:lnSpc>
-                <a:spcPct val="150000"/>
-              </a:lnSpc>
-              <a:buFont typeface="Arial" panose="020B0604020202020204" pitchFamily="34" charset="0"/>
-              <a:buChar char="•"/>
-            </a:pPr>
-            <a:r>
-              <a:rPr lang="zh-CN" altLang="en-US" dirty="0">
-                <a:solidFill>
-                  <a:schemeClr val="tx1"/>
-                </a:solidFill>
-              </a:rPr>
-              <a:t>数据量</a:t>
-            </a:r>
-            <a:r>
-              <a:rPr lang="zh-CN" altLang="en-US" dirty="0" smtClean="0">
-                <a:solidFill>
-                  <a:schemeClr val="tx1"/>
-                </a:solidFill>
-              </a:rPr>
-              <a:t>小，复杂度低</a:t>
-            </a:r>
-            <a:endParaRPr lang="en-US" altLang="zh-CN" dirty="0" smtClean="0">
-              <a:solidFill>
-                <a:schemeClr val="tx1"/>
-              </a:solidFill>
-            </a:endParaRPr>
-          </a:p>
-          <a:p>
-            <a:pPr lvl="1">
-              <a:lnSpc>
-                <a:spcPct val="150000"/>
-              </a:lnSpc>
-              <a:buFont typeface="Arial" panose="020B0604020202020204" pitchFamily="34" charset="0"/>
-              <a:buChar char="•"/>
-            </a:pPr>
-            <a:r>
-              <a:rPr lang="zh-CN" altLang="en-US" dirty="0" smtClean="0">
-                <a:solidFill>
-                  <a:schemeClr val="tx1"/>
-                </a:solidFill>
-              </a:rPr>
-              <a:t>所有数据都在单机内存里，读取速度快</a:t>
-            </a:r>
-            <a:endParaRPr lang="en-US" altLang="zh-CN" dirty="0" smtClean="0">
-              <a:solidFill>
-                <a:schemeClr val="tx1"/>
-              </a:solidFill>
-            </a:endParaRPr>
-          </a:p>
-          <a:p>
-            <a:pPr>
-              <a:lnSpc>
-                <a:spcPct val="150000"/>
-              </a:lnSpc>
-              <a:buFont typeface="Arial" panose="020B0604020202020204" pitchFamily="34" charset="0"/>
-              <a:buChar char="•"/>
-            </a:pPr>
-            <a:r>
-              <a:rPr lang="en-US" altLang="zh-CN" dirty="0">
-                <a:solidFill>
-                  <a:schemeClr val="accent2"/>
-                </a:solidFill>
-              </a:rPr>
-              <a:t> </a:t>
-            </a:r>
-            <a:r>
-              <a:rPr lang="zh-CN" altLang="en-US" dirty="0" smtClean="0">
-                <a:solidFill>
-                  <a:schemeClr val="tx1"/>
-                </a:solidFill>
-              </a:rPr>
-              <a:t>分层采样的准确率和相对误差要</a:t>
-            </a:r>
-            <a:r>
-              <a:rPr lang="zh-CN" altLang="en-US" dirty="0" smtClean="0">
-                <a:solidFill>
-                  <a:schemeClr val="accent2"/>
-                </a:solidFill>
-              </a:rPr>
-              <a:t>明显好于随机采样算法</a:t>
-            </a:r>
-            <a:endParaRPr lang="en-US" altLang="zh-CN" dirty="0" smtClean="0">
-              <a:solidFill>
-                <a:schemeClr val="accent2"/>
-              </a:solidFill>
-            </a:endParaRPr>
-          </a:p>
-          <a:p>
-            <a:pPr lvl="1">
-              <a:lnSpc>
-                <a:spcPct val="150000"/>
-              </a:lnSpc>
-              <a:buFont typeface="Arial" panose="020B0604020202020204" pitchFamily="34" charset="0"/>
-              <a:buChar char="•"/>
-            </a:pPr>
-            <a:r>
-              <a:rPr lang="zh-CN" altLang="en-US" dirty="0">
-                <a:solidFill>
-                  <a:schemeClr val="tx1"/>
-                </a:solidFill>
-              </a:rPr>
-              <a:t>只</a:t>
-            </a:r>
-            <a:r>
-              <a:rPr lang="zh-CN" altLang="en-US" dirty="0" smtClean="0">
-                <a:solidFill>
-                  <a:schemeClr val="tx1"/>
-                </a:solidFill>
-              </a:rPr>
-              <a:t>要询问与选定的预设列基本吻合，准确度就非常令人满意</a:t>
-            </a:r>
-            <a:endParaRPr lang="en-US" altLang="zh-CN" dirty="0" smtClean="0">
-              <a:solidFill>
-                <a:schemeClr val="tx1"/>
-              </a:solidFill>
-            </a:endParaRPr>
-          </a:p>
-        </p:txBody>
-      </p:sp>
-    </p:spTree>
-    <p:extLst>
-      <p:ext uri="{BB962C8B-B14F-4D97-AF65-F5344CB8AC3E}">
-        <p14:creationId xmlns:p14="http://schemas.microsoft.com/office/powerpoint/2010/main" val="2464027010"/>
-      </p:ext>
-    </p:extLst>
-  </p:cSld>
-  <p:clrMapOvr>
-    <a:masterClrMapping/>
-  </p:clrMapOvr>
-  <p:timing>
-    <p:tnLst>
-      <p:par>
-        <p:cTn id="1" dur="indefinite" restart="never" nodeType="tmRoot"/>
-      </p:par>
-    </p:tnLst>
-  </p:timing>
-</p:sld>
-</file>
-
-<file path=ppt/slides/slide19.xml><?xml version="1.0" encoding="utf-8"?>
-<p:sld xmlns:a="http://schemas.openxmlformats.org/drawingml/2006/main" xmlns:r="http://schemas.openxmlformats.org/officeDocument/2006/relationships" xmlns:p="http://schemas.openxmlformats.org/presentationml/2006/main">
-  <p:cSld>
-    <p:spTree>
-      <p:nvGrpSpPr>
-        <p:cNvPr id="1" name=""/>
-        <p:cNvGrpSpPr/>
-        <p:nvPr/>
-      </p:nvGrpSpPr>
-      <p:grpSpPr>
-        <a:xfrm>
-          <a:off x="0" y="0"/>
-          <a:ext cx="0" cy="0"/>
-          <a:chOff x="0" y="0"/>
-          <a:chExt cx="0" cy="0"/>
-        </a:xfrm>
-      </p:grpSpPr>
-      <p:sp>
-        <p:nvSpPr>
-          <p:cNvPr id="2" name="Title 1"/>
-          <p:cNvSpPr>
-            <a:spLocks noGrp="1"/>
-          </p:cNvSpPr>
-          <p:nvPr>
-            <p:ph type="title"/>
-          </p:nvPr>
-        </p:nvSpPr>
-        <p:spPr/>
-        <p:txBody>
-          <a:bodyPr/>
-          <a:lstStyle/>
-          <a:p>
-            <a:r>
-              <a:rPr lang="zh-CN" altLang="en-US" dirty="0" smtClean="0"/>
-              <a:t>未来工作</a:t>
-            </a:r>
-            <a:endParaRPr lang="en-US" dirty="0"/>
-          </a:p>
-        </p:txBody>
-      </p:sp>
-      <p:sp>
-        <p:nvSpPr>
-          <p:cNvPr id="3" name="Content Placeholder 2"/>
-          <p:cNvSpPr>
-            <a:spLocks noGrp="1"/>
-          </p:cNvSpPr>
-          <p:nvPr>
-            <p:ph idx="1"/>
-          </p:nvPr>
-        </p:nvSpPr>
-        <p:spPr/>
-        <p:txBody>
-          <a:bodyPr/>
-          <a:lstStyle/>
-          <a:p>
-            <a:pPr>
-              <a:lnSpc>
-                <a:spcPct val="150000"/>
-              </a:lnSpc>
-              <a:buFont typeface="Arial" panose="020B0604020202020204" pitchFamily="34" charset="0"/>
-              <a:buChar char="•"/>
-            </a:pPr>
-            <a:r>
-              <a:rPr lang="en-US" dirty="0" smtClean="0"/>
-              <a:t> </a:t>
-            </a:r>
-            <a:r>
-              <a:rPr lang="zh-CN" altLang="en-US" dirty="0" smtClean="0"/>
-              <a:t>有没有办法让系统自动选择预设列？</a:t>
-            </a:r>
-            <a:endParaRPr lang="en-US" altLang="zh-CN" dirty="0" smtClean="0"/>
-          </a:p>
-          <a:p>
-            <a:pPr>
-              <a:lnSpc>
-                <a:spcPct val="150000"/>
-              </a:lnSpc>
-              <a:buFont typeface="Arial" panose="020B0604020202020204" pitchFamily="34" charset="0"/>
-              <a:buChar char="•"/>
-            </a:pPr>
-            <a:r>
-              <a:rPr lang="en-US" dirty="0"/>
-              <a:t> </a:t>
-            </a:r>
-            <a:r>
-              <a:rPr lang="zh-CN" altLang="en-US" dirty="0" smtClean="0"/>
-              <a:t>有没有办法解决值不均的问题？</a:t>
-            </a:r>
-            <a:endParaRPr lang="en-US" altLang="zh-CN" dirty="0" smtClean="0"/>
-          </a:p>
-          <a:p>
-            <a:pPr>
-              <a:lnSpc>
-                <a:spcPct val="150000"/>
-              </a:lnSpc>
-              <a:buFont typeface="Arial" panose="020B0604020202020204" pitchFamily="34" charset="0"/>
-              <a:buChar char="•"/>
-            </a:pPr>
-            <a:r>
-              <a:rPr lang="en-US" dirty="0"/>
-              <a:t> </a:t>
-            </a:r>
-            <a:r>
-              <a:rPr lang="zh-CN" altLang="en-US" dirty="0" smtClean="0"/>
-              <a:t>与自动化数据挖掘工具的结合</a:t>
-            </a:r>
-            <a:endParaRPr lang="en-US" dirty="0"/>
-          </a:p>
-        </p:txBody>
-      </p:sp>
-    </p:spTree>
-    <p:extLst>
-      <p:ext uri="{BB962C8B-B14F-4D97-AF65-F5344CB8AC3E}">
-        <p14:creationId xmlns:p14="http://schemas.microsoft.com/office/powerpoint/2010/main" val="2373087516"/>
-      </p:ext>
-    </p:extLst>
-  </p:cSld>
-  <p:clrMapOvr>
-    <a:masterClrMapping/>
-  </p:clrMapOvr>
-  <p:timing>
-    <p:tnLst>
-      <p:par>
-        <p:cTn id="1" dur="indefinite" restart="never" nodeType="tmRoot"/>
-      </p:par>
-    </p:tnLst>
-  </p:timing>
-</p:sld>
-</file>
-
-<file path=ppt/slides/slide2.xml><?xml version="1.0" encoding="utf-8"?>
-<p:sld xmlns:a="http://schemas.openxmlformats.org/drawingml/2006/main" xmlns:r="http://schemas.openxmlformats.org/officeDocument/2006/relationships" xmlns:p="http://schemas.openxmlformats.org/presentationml/2006/main">
-  <p:cSld>
-    <p:spTree>
-      <p:nvGrpSpPr>
-        <p:cNvPr id="1" name=""/>
-        <p:cNvGrpSpPr/>
-        <p:nvPr/>
-      </p:nvGrpSpPr>
-      <p:grpSpPr>
-        <a:xfrm>
-          <a:off x="0" y="0"/>
-          <a:ext cx="0" cy="0"/>
-          <a:chOff x="0" y="0"/>
-          <a:chExt cx="0" cy="0"/>
-        </a:xfrm>
-      </p:grpSpPr>
-      <p:sp>
-        <p:nvSpPr>
-          <p:cNvPr id="2" name="Title 1"/>
-          <p:cNvSpPr>
-            <a:spLocks noGrp="1"/>
-          </p:cNvSpPr>
-          <p:nvPr>
-            <p:ph type="title"/>
-          </p:nvPr>
-        </p:nvSpPr>
-        <p:spPr/>
-        <p:txBody>
-          <a:bodyPr/>
-          <a:lstStyle/>
-          <a:p>
-            <a:r>
-              <a:rPr lang="zh-CN" altLang="en-US" dirty="0" smtClean="0">
-                <a:latin typeface="Microsoft YaHei" panose="020B0503020204020204" pitchFamily="34" charset="-122"/>
-                <a:ea typeface="Microsoft YaHei" panose="020B0503020204020204" pitchFamily="34" charset="-122"/>
-              </a:rPr>
-              <a:t>课题介绍</a:t>
-            </a:r>
-            <a:endParaRPr lang="en-US" dirty="0">
-              <a:latin typeface="Microsoft YaHei" panose="020B0503020204020204" pitchFamily="34" charset="-122"/>
-              <a:ea typeface="Microsoft YaHei" panose="020B0503020204020204" pitchFamily="34" charset="-122"/>
-            </a:endParaRPr>
-          </a:p>
-        </p:txBody>
-      </p:sp>
-      <p:sp>
-        <p:nvSpPr>
-          <p:cNvPr id="3" name="Content Placeholder 2"/>
-          <p:cNvSpPr>
-            <a:spLocks noGrp="1"/>
-          </p:cNvSpPr>
-          <p:nvPr>
-            <p:ph idx="1"/>
-          </p:nvPr>
-        </p:nvSpPr>
-        <p:spPr>
-          <a:xfrm>
-            <a:off x="1097280" y="1955548"/>
-            <a:ext cx="10058400" cy="3913545"/>
-          </a:xfrm>
-        </p:spPr>
-        <p:txBody>
-          <a:bodyPr>
-            <a:normAutofit/>
-          </a:bodyPr>
-          <a:lstStyle/>
-          <a:p>
-            <a:pPr>
-              <a:lnSpc>
-                <a:spcPct val="150000"/>
-              </a:lnSpc>
-              <a:buFont typeface="Arial" panose="020B0604020202020204" pitchFamily="34" charset="0"/>
-              <a:buChar char="•"/>
-            </a:pPr>
-            <a:r>
-              <a:rPr lang="en-US" sz="2400" dirty="0" smtClean="0">
-                <a:latin typeface="Microsoft YaHei" panose="020B0503020204020204" pitchFamily="34" charset="-122"/>
-                <a:ea typeface="Microsoft YaHei" panose="020B0503020204020204" pitchFamily="34" charset="-122"/>
-              </a:rPr>
-              <a:t> </a:t>
-            </a:r>
-            <a:r>
-              <a:rPr lang="zh-CN" altLang="en-US" sz="2400" dirty="0" smtClean="0">
-                <a:latin typeface="Microsoft YaHei" panose="020B0503020204020204" pitchFamily="34" charset="-122"/>
-                <a:ea typeface="Microsoft YaHei" panose="020B0503020204020204" pitchFamily="34" charset="-122"/>
-              </a:rPr>
-              <a:t>课题来自微软亚洲研究院</a:t>
-            </a:r>
-            <a:r>
-              <a:rPr lang="zh-CN" altLang="en-US" sz="2400" b="1" dirty="0" smtClean="0">
-                <a:solidFill>
-                  <a:srgbClr val="FF0000"/>
-                </a:solidFill>
-                <a:latin typeface="Microsoft YaHei" panose="020B0503020204020204" pitchFamily="34" charset="-122"/>
-                <a:ea typeface="Microsoft YaHei" panose="020B0503020204020204" pitchFamily="34" charset="-122"/>
-              </a:rPr>
-              <a:t>真实研究项目</a:t>
-            </a:r>
-            <a:endParaRPr lang="en-US" altLang="zh-CN" sz="2400" b="1" dirty="0" smtClean="0">
-              <a:solidFill>
-                <a:srgbClr val="FF0000"/>
-              </a:solidFill>
-              <a:latin typeface="Microsoft YaHei" panose="020B0503020204020204" pitchFamily="34" charset="-122"/>
-              <a:ea typeface="Microsoft YaHei" panose="020B0503020204020204" pitchFamily="34" charset="-122"/>
-            </a:endParaRPr>
-          </a:p>
-          <a:p>
-            <a:pPr>
-              <a:lnSpc>
-                <a:spcPct val="150000"/>
-              </a:lnSpc>
-              <a:buFont typeface="Arial" panose="020B0604020202020204" pitchFamily="34" charset="0"/>
-              <a:buChar char="•"/>
-            </a:pPr>
-            <a:r>
-              <a:rPr lang="zh-CN" altLang="en-US" dirty="0" smtClean="0"/>
-              <a:t> 有</a:t>
-            </a:r>
-            <a:r>
-              <a:rPr lang="zh-CN" altLang="en-US" dirty="0"/>
-              <a:t>关商业秘密的内</a:t>
-            </a:r>
-            <a:r>
-              <a:rPr lang="zh-CN" altLang="en-US" dirty="0" smtClean="0"/>
-              <a:t>容</a:t>
-            </a:r>
-            <a:r>
-              <a:rPr lang="zh-CN" altLang="en-US" dirty="0"/>
-              <a:t>不</a:t>
-            </a:r>
-            <a:r>
-              <a:rPr lang="zh-CN" altLang="en-US" dirty="0" smtClean="0"/>
-              <a:t>便给</a:t>
-            </a:r>
-            <a:r>
-              <a:rPr lang="zh-CN" altLang="en-US" dirty="0"/>
-              <a:t>出</a:t>
-            </a:r>
-            <a:endParaRPr lang="en-US" sz="2400" dirty="0">
-              <a:latin typeface="Microsoft YaHei" panose="020B0503020204020204" pitchFamily="34" charset="-122"/>
-              <a:ea typeface="Microsoft YaHei" panose="020B0503020204020204" pitchFamily="34" charset="-122"/>
-            </a:endParaRPr>
-          </a:p>
-        </p:txBody>
-      </p:sp>
-    </p:spTree>
-    <p:extLst>
-      <p:ext uri="{BB962C8B-B14F-4D97-AF65-F5344CB8AC3E}">
-        <p14:creationId xmlns:p14="http://schemas.microsoft.com/office/powerpoint/2010/main" val="1461601574"/>
-      </p:ext>
-    </p:extLst>
-  </p:cSld>
-  <p:clrMapOvr>
-    <a:masterClrMapping/>
-  </p:clrMapOvr>
-</p:sld>
-</file>
-
-<file path=ppt/slides/slide20.xml><?xml version="1.0" encoding="utf-8"?>
-<p:sld xmlns:a="http://schemas.openxmlformats.org/drawingml/2006/main" xmlns:r="http://schemas.openxmlformats.org/officeDocument/2006/relationships" xmlns:p="http://schemas.openxmlformats.org/presentationml/2006/main">
-  <p:cSld>
-    <p:spTree>
-      <p:nvGrpSpPr>
-        <p:cNvPr id="1" name=""/>
-        <p:cNvGrpSpPr/>
-        <p:nvPr/>
-      </p:nvGrpSpPr>
-      <p:grpSpPr>
-        <a:xfrm>
-          <a:off x="0" y="0"/>
-          <a:ext cx="0" cy="0"/>
-          <a:chOff x="0" y="0"/>
-          <a:chExt cx="0" cy="0"/>
-        </a:xfrm>
-      </p:grpSpPr>
-      <p:sp>
-        <p:nvSpPr>
-          <p:cNvPr id="2" name="Title 1"/>
-          <p:cNvSpPr>
-            <a:spLocks noGrp="1"/>
-          </p:cNvSpPr>
-          <p:nvPr>
-            <p:ph type="ctrTitle"/>
-          </p:nvPr>
-        </p:nvSpPr>
-        <p:spPr/>
-        <p:txBody>
-          <a:bodyPr>
-            <a:normAutofit/>
-          </a:bodyPr>
-          <a:lstStyle/>
-          <a:p>
-            <a:r>
-              <a:rPr lang="zh-CN" altLang="en-US" sz="8800" dirty="0" smtClean="0">
-                <a:latin typeface="Microsoft YaHei" panose="020B0503020204020204" pitchFamily="34" charset="-122"/>
-                <a:ea typeface="Microsoft YaHei" panose="020B0503020204020204" pitchFamily="34" charset="-122"/>
-              </a:rPr>
-              <a:t>谢谢！</a:t>
-            </a:r>
-            <a:endParaRPr lang="en-US" sz="8800" dirty="0">
-              <a:latin typeface="Microsoft YaHei" panose="020B0503020204020204" pitchFamily="34" charset="-122"/>
-              <a:ea typeface="Microsoft YaHei" panose="020B0503020204020204" pitchFamily="34" charset="-122"/>
-            </a:endParaRPr>
-          </a:p>
-        </p:txBody>
-      </p:sp>
-      <p:sp>
-        <p:nvSpPr>
-          <p:cNvPr id="4" name="Subtitle 3"/>
-          <p:cNvSpPr>
-            <a:spLocks noGrp="1"/>
-          </p:cNvSpPr>
-          <p:nvPr>
-            <p:ph type="subTitle" idx="1"/>
-          </p:nvPr>
-        </p:nvSpPr>
-        <p:spPr/>
-        <p:txBody>
-          <a:bodyPr/>
-          <a:lstStyle/>
-          <a:p>
-            <a:r>
-              <a:rPr lang="en-US" altLang="zh-CN" b="1" dirty="0" smtClean="0"/>
-              <a:t>Thank you</a:t>
-            </a:r>
-            <a:r>
-              <a:rPr lang="zh-CN" altLang="en-US" b="1" dirty="0" smtClean="0"/>
-              <a:t>！</a:t>
-            </a:r>
-            <a:endParaRPr lang="en-US" b="1" dirty="0"/>
-          </a:p>
-        </p:txBody>
-      </p:sp>
-    </p:spTree>
-    <p:extLst>
-      <p:ext uri="{BB962C8B-B14F-4D97-AF65-F5344CB8AC3E}">
-        <p14:creationId xmlns:p14="http://schemas.microsoft.com/office/powerpoint/2010/main" val="3279628881"/>
-      </p:ext>
-    </p:extLst>
-  </p:cSld>
-  <p:clrMapOvr>
-    <a:masterClrMapping/>
-  </p:clrMapOvr>
-  <p:timing>
-    <p:tnLst>
-      <p:par>
-        <p:cTn id="1" dur="indefinite" restart="never" nodeType="tmRoot"/>
-      </p:par>
-    </p:tnLst>
-  </p:timing>
-</p:sld>
-</file>
-
-<file path=ppt/slides/slide21.xml><?xml version="1.0" encoding="utf-8"?>
-<p:sld xmlns:a="http://schemas.openxmlformats.org/drawingml/2006/main" xmlns:r="http://schemas.openxmlformats.org/officeDocument/2006/relationships" xmlns:p="http://schemas.openxmlformats.org/presentationml/2006/main">
-  <p:cSld>
-    <p:spTree>
-      <p:nvGrpSpPr>
-        <p:cNvPr id="1" name=""/>
-        <p:cNvGrpSpPr/>
-        <p:nvPr/>
-      </p:nvGrpSpPr>
-      <p:grpSpPr>
-        <a:xfrm>
-          <a:off x="0" y="0"/>
-          <a:ext cx="0" cy="0"/>
-          <a:chOff x="0" y="0"/>
-          <a:chExt cx="0" cy="0"/>
-        </a:xfrm>
-      </p:grpSpPr>
-      <p:sp>
-        <p:nvSpPr>
-          <p:cNvPr id="2" name="Title 1"/>
-          <p:cNvSpPr>
-            <a:spLocks noGrp="1"/>
-          </p:cNvSpPr>
-          <p:nvPr>
-            <p:ph type="title"/>
-          </p:nvPr>
-        </p:nvSpPr>
-        <p:spPr/>
-        <p:txBody>
-          <a:bodyPr/>
-          <a:lstStyle/>
-          <a:p>
-            <a:r>
-              <a:rPr lang="zh-CN" altLang="en-US" dirty="0" smtClean="0"/>
-              <a:t>相关工作</a:t>
-            </a:r>
-            <a:endParaRPr lang="en-US" dirty="0"/>
-          </a:p>
-        </p:txBody>
-      </p:sp>
-      <p:sp>
-        <p:nvSpPr>
-          <p:cNvPr id="3" name="Content Placeholder 2"/>
-          <p:cNvSpPr>
-            <a:spLocks noGrp="1"/>
-          </p:cNvSpPr>
-          <p:nvPr>
-            <p:ph idx="1"/>
-          </p:nvPr>
-        </p:nvSpPr>
-        <p:spPr>
-          <a:xfrm>
-            <a:off x="1097280" y="1845734"/>
-            <a:ext cx="10058400" cy="4455478"/>
-          </a:xfrm>
-        </p:spPr>
-        <p:txBody>
-          <a:bodyPr/>
-          <a:lstStyle/>
-          <a:p>
-            <a:pPr>
-              <a:buFont typeface="Arial" panose="020B0604020202020204" pitchFamily="34" charset="0"/>
-              <a:buChar char="•"/>
-            </a:pPr>
-            <a:r>
-              <a:rPr lang="en-US" dirty="0" smtClean="0"/>
-              <a:t> </a:t>
-            </a:r>
-            <a:r>
-              <a:rPr lang="en-US" altLang="zh-CN" dirty="0" smtClean="0"/>
-              <a:t>Map Reduce</a:t>
-            </a:r>
-            <a:r>
-              <a:rPr lang="zh-CN" altLang="en-US" dirty="0" smtClean="0"/>
-              <a:t>系列方法</a:t>
-            </a:r>
-            <a:endParaRPr lang="en-US" altLang="zh-CN" dirty="0" smtClean="0"/>
-          </a:p>
-          <a:p>
-            <a:pPr lvl="1">
-              <a:buFont typeface="Arial" panose="020B0604020202020204" pitchFamily="34" charset="0"/>
-              <a:buChar char="•"/>
-            </a:pPr>
-            <a:r>
-              <a:rPr lang="zh-CN" altLang="en-US" dirty="0"/>
-              <a:t>分</a:t>
-            </a:r>
-            <a:r>
-              <a:rPr lang="zh-CN" altLang="en-US" dirty="0" smtClean="0"/>
-              <a:t>割数据，并行计算</a:t>
-            </a:r>
-            <a:endParaRPr lang="en-US" altLang="zh-CN" dirty="0" smtClean="0"/>
-          </a:p>
-          <a:p>
-            <a:pPr lvl="1">
-              <a:buFont typeface="Arial" panose="020B0604020202020204" pitchFamily="34" charset="0"/>
-              <a:buChar char="•"/>
-            </a:pPr>
-            <a:r>
-              <a:rPr lang="zh-CN" altLang="en-US" dirty="0" smtClean="0">
-                <a:solidFill>
-                  <a:schemeClr val="accent1"/>
-                </a:solidFill>
-              </a:rPr>
-              <a:t>计</a:t>
-            </a:r>
-            <a:r>
-              <a:rPr lang="zh-CN" altLang="en-US" dirty="0">
-                <a:solidFill>
-                  <a:schemeClr val="accent1"/>
-                </a:solidFill>
-              </a:rPr>
-              <a:t>算</a:t>
-            </a:r>
-            <a:r>
-              <a:rPr lang="zh-CN" altLang="en-US" dirty="0" smtClean="0">
-                <a:solidFill>
-                  <a:schemeClr val="accent1"/>
-                </a:solidFill>
-              </a:rPr>
-              <a:t>出精确结果</a:t>
-            </a:r>
-            <a:endParaRPr lang="en-US" altLang="zh-CN" dirty="0" smtClean="0">
-              <a:solidFill>
-                <a:schemeClr val="accent1"/>
-              </a:solidFill>
-            </a:endParaRPr>
-          </a:p>
-          <a:p>
-            <a:pPr lvl="1">
-              <a:buFont typeface="Arial" panose="020B0604020202020204" pitchFamily="34" charset="0"/>
-              <a:buChar char="•"/>
-            </a:pPr>
-            <a:r>
-              <a:rPr lang="zh-CN" altLang="en-US" dirty="0" smtClean="0">
-                <a:solidFill>
-                  <a:schemeClr val="bg2">
-                    <a:lumMod val="75000"/>
-                  </a:schemeClr>
-                </a:solidFill>
-              </a:rPr>
-              <a:t>响应时间太长</a:t>
-            </a:r>
-            <a:endParaRPr lang="en-US" altLang="zh-CN" dirty="0" smtClean="0">
-              <a:solidFill>
-                <a:schemeClr val="bg2">
-                  <a:lumMod val="75000"/>
-                </a:schemeClr>
-              </a:solidFill>
-            </a:endParaRPr>
-          </a:p>
-          <a:p>
-            <a:pPr>
-              <a:buFont typeface="Arial" panose="020B0604020202020204" pitchFamily="34" charset="0"/>
-              <a:buChar char="•"/>
-            </a:pPr>
-            <a:r>
-              <a:rPr lang="en-US" dirty="0" smtClean="0"/>
-              <a:t> </a:t>
-            </a:r>
-            <a:r>
-              <a:rPr lang="zh-CN" altLang="en-US" dirty="0" smtClean="0"/>
-              <a:t>随机采样</a:t>
-            </a:r>
-            <a:endParaRPr lang="en-US" altLang="zh-CN" dirty="0" smtClean="0"/>
-          </a:p>
-          <a:p>
-            <a:pPr lvl="1">
-              <a:buFont typeface="Arial" panose="020B0604020202020204" pitchFamily="34" charset="0"/>
-              <a:buChar char="•"/>
-            </a:pPr>
-            <a:r>
-              <a:rPr lang="zh-CN" altLang="en-US" dirty="0">
-                <a:solidFill>
-                  <a:schemeClr val="accent1"/>
-                </a:solidFill>
-              </a:rPr>
-              <a:t>预处理时间最</a:t>
-            </a:r>
-            <a:r>
-              <a:rPr lang="zh-CN" altLang="en-US" dirty="0" smtClean="0">
-                <a:solidFill>
-                  <a:schemeClr val="accent1"/>
-                </a:solidFill>
-              </a:rPr>
-              <a:t>短，不受维数影响</a:t>
-            </a:r>
-            <a:endParaRPr lang="en-US" altLang="zh-CN" dirty="0" smtClean="0">
-              <a:solidFill>
-                <a:schemeClr val="accent1"/>
-              </a:solidFill>
-            </a:endParaRPr>
-          </a:p>
-          <a:p>
-            <a:pPr lvl="1">
-              <a:buFont typeface="Arial" panose="020B0604020202020204" pitchFamily="34" charset="0"/>
-              <a:buChar char="•"/>
-            </a:pPr>
-            <a:r>
-              <a:rPr lang="zh-CN" altLang="en-US" dirty="0">
-                <a:solidFill>
-                  <a:schemeClr val="bg2">
-                    <a:lumMod val="75000"/>
-                  </a:schemeClr>
-                </a:solidFill>
-              </a:rPr>
-              <a:t>丢组问</a:t>
-            </a:r>
-            <a:r>
-              <a:rPr lang="zh-CN" altLang="en-US" dirty="0" smtClean="0">
-                <a:solidFill>
-                  <a:schemeClr val="bg2">
-                    <a:lumMod val="75000"/>
-                  </a:schemeClr>
-                </a:solidFill>
-              </a:rPr>
-              <a:t>题</a:t>
-            </a:r>
-            <a:endParaRPr lang="en-US" altLang="zh-CN" dirty="0" smtClean="0">
-              <a:solidFill>
-                <a:schemeClr val="bg2">
-                  <a:lumMod val="75000"/>
-                </a:schemeClr>
-              </a:solidFill>
-            </a:endParaRPr>
-          </a:p>
-          <a:p>
-            <a:pPr>
-              <a:buFont typeface="Arial" panose="020B0604020202020204" pitchFamily="34" charset="0"/>
-              <a:buChar char="•"/>
-            </a:pPr>
-            <a:r>
-              <a:rPr lang="en-US" dirty="0"/>
-              <a:t> </a:t>
-            </a:r>
-            <a:r>
-              <a:rPr lang="zh-CN" altLang="en-US" dirty="0" smtClean="0"/>
-              <a:t>直方图，小波变换</a:t>
-            </a:r>
-            <a:endParaRPr lang="en-US" altLang="zh-CN" dirty="0" smtClean="0"/>
-          </a:p>
-          <a:p>
-            <a:pPr lvl="1">
-              <a:buFont typeface="Arial" panose="020B0604020202020204" pitchFamily="34" charset="0"/>
-              <a:buChar char="•"/>
-            </a:pPr>
-            <a:r>
-              <a:rPr lang="zh-CN" altLang="en-US" dirty="0" smtClean="0">
-                <a:solidFill>
-                  <a:schemeClr val="accent1"/>
-                </a:solidFill>
-              </a:rPr>
-              <a:t>低维下效果比采样要好</a:t>
-            </a:r>
-            <a:endParaRPr lang="en-US" altLang="zh-CN" dirty="0" smtClean="0">
-              <a:solidFill>
-                <a:schemeClr val="accent1"/>
-              </a:solidFill>
-            </a:endParaRPr>
-          </a:p>
-          <a:p>
-            <a:pPr lvl="1">
-              <a:buFont typeface="Arial" panose="020B0604020202020204" pitchFamily="34" charset="0"/>
-              <a:buChar char="•"/>
-            </a:pPr>
-            <a:r>
-              <a:rPr lang="zh-CN" altLang="en-US" dirty="0" smtClean="0">
-                <a:solidFill>
-                  <a:schemeClr val="bg2">
-                    <a:lumMod val="75000"/>
-                  </a:schemeClr>
-                </a:solidFill>
-              </a:rPr>
-              <a:t>高维下复</a:t>
-            </a:r>
-            <a:r>
-              <a:rPr lang="zh-CN" altLang="en-US" dirty="0">
-                <a:solidFill>
-                  <a:schemeClr val="bg2">
-                    <a:lumMod val="75000"/>
-                  </a:schemeClr>
-                </a:solidFill>
-              </a:rPr>
-              <a:t>杂度非常</a:t>
-            </a:r>
-            <a:r>
-              <a:rPr lang="zh-CN" altLang="en-US" dirty="0" smtClean="0">
-                <a:solidFill>
-                  <a:schemeClr val="bg2">
-                    <a:lumMod val="75000"/>
-                  </a:schemeClr>
-                </a:solidFill>
-              </a:rPr>
-              <a:t>高，高维诅咒</a:t>
-            </a:r>
-            <a:endParaRPr lang="en-US" dirty="0">
-              <a:solidFill>
-                <a:schemeClr val="bg2">
-                  <a:lumMod val="75000"/>
-                </a:schemeClr>
-              </a:solidFill>
-            </a:endParaRPr>
-          </a:p>
-        </p:txBody>
-      </p:sp>
-    </p:spTree>
-    <p:extLst>
-      <p:ext uri="{BB962C8B-B14F-4D97-AF65-F5344CB8AC3E}">
-        <p14:creationId xmlns:p14="http://schemas.microsoft.com/office/powerpoint/2010/main" val="4139026208"/>
-      </p:ext>
-    </p:extLst>
-  </p:cSld>
-  <p:clrMapOvr>
-    <a:masterClrMapping/>
-  </p:clrMapOvr>
 </p:sld>
 </file>
 
